--- a/Notes/lecture2.pptx
+++ b/Notes/lecture2.pptx
@@ -5,37 +5,36 @@
     <p:sldMasterId id="2147483654" r:id="rId1"/>
   </p:sldMasterIdLst>
   <p:notesMasterIdLst>
-    <p:notesMasterId r:id="rId27"/>
+    <p:notesMasterId r:id="rId26"/>
   </p:notesMasterIdLst>
   <p:handoutMasterIdLst>
-    <p:handoutMasterId r:id="rId28"/>
+    <p:handoutMasterId r:id="rId27"/>
   </p:handoutMasterIdLst>
   <p:sldIdLst>
     <p:sldId id="646" r:id="rId2"/>
     <p:sldId id="257" r:id="rId3"/>
     <p:sldId id="647" r:id="rId4"/>
-    <p:sldId id="671" r:id="rId5"/>
-    <p:sldId id="672" r:id="rId6"/>
-    <p:sldId id="676" r:id="rId7"/>
-    <p:sldId id="675" r:id="rId8"/>
-    <p:sldId id="673" r:id="rId9"/>
-    <p:sldId id="679" r:id="rId10"/>
-    <p:sldId id="677" r:id="rId11"/>
-    <p:sldId id="678" r:id="rId12"/>
-    <p:sldId id="680" r:id="rId13"/>
-    <p:sldId id="682" r:id="rId14"/>
-    <p:sldId id="681" r:id="rId15"/>
-    <p:sldId id="683" r:id="rId16"/>
-    <p:sldId id="685" r:id="rId17"/>
-    <p:sldId id="684" r:id="rId18"/>
-    <p:sldId id="690" r:id="rId19"/>
-    <p:sldId id="689" r:id="rId20"/>
-    <p:sldId id="686" r:id="rId21"/>
-    <p:sldId id="687" r:id="rId22"/>
-    <p:sldId id="691" r:id="rId23"/>
-    <p:sldId id="692" r:id="rId24"/>
-    <p:sldId id="693" r:id="rId25"/>
-    <p:sldId id="688" r:id="rId26"/>
+    <p:sldId id="695" r:id="rId5"/>
+    <p:sldId id="696" r:id="rId6"/>
+    <p:sldId id="697" r:id="rId7"/>
+    <p:sldId id="698" r:id="rId8"/>
+    <p:sldId id="701" r:id="rId9"/>
+    <p:sldId id="707" r:id="rId10"/>
+    <p:sldId id="699" r:id="rId11"/>
+    <p:sldId id="708" r:id="rId12"/>
+    <p:sldId id="700" r:id="rId13"/>
+    <p:sldId id="702" r:id="rId14"/>
+    <p:sldId id="703" r:id="rId15"/>
+    <p:sldId id="704" r:id="rId16"/>
+    <p:sldId id="705" r:id="rId17"/>
+    <p:sldId id="706" r:id="rId18"/>
+    <p:sldId id="694" r:id="rId19"/>
+    <p:sldId id="671" r:id="rId20"/>
+    <p:sldId id="672" r:id="rId21"/>
+    <p:sldId id="676" r:id="rId22"/>
+    <p:sldId id="675" r:id="rId23"/>
+    <p:sldId id="709" r:id="rId24"/>
+    <p:sldId id="710" r:id="rId25"/>
   </p:sldIdLst>
   <p:sldSz cx="9144000" cy="6858000" type="screen4x3"/>
   <p:notesSz cx="6858000" cy="9144000"/>
@@ -250,6 +249,36 @@
       </a:defRPr>
     </a:lvl9pPr>
   </p:defaultTextStyle>
+  <p:extLst>
+    <p:ext uri="{EFAFB233-063F-42B5-8137-9DF3F51BA10A}">
+      <p15:sldGuideLst xmlns:p15="http://schemas.microsoft.com/office/powerpoint/2012/main">
+        <p15:guide id="1" orient="horz" pos="2160">
+          <p15:clr>
+            <a:srgbClr val="A4A3A4"/>
+          </p15:clr>
+        </p15:guide>
+        <p15:guide id="2" pos="2880">
+          <p15:clr>
+            <a:srgbClr val="A4A3A4"/>
+          </p15:clr>
+        </p15:guide>
+      </p15:sldGuideLst>
+    </p:ext>
+    <p:ext uri="{2D200454-40CA-4A62-9FC3-DE9A4176ACB9}">
+      <p15:notesGuideLst xmlns:p15="http://schemas.microsoft.com/office/powerpoint/2012/main">
+        <p15:guide id="1" orient="horz" pos="2880">
+          <p15:clr>
+            <a:srgbClr val="A4A3A4"/>
+          </p15:clr>
+        </p15:guide>
+        <p15:guide id="2" pos="2160">
+          <p15:clr>
+            <a:srgbClr val="A4A3A4"/>
+          </p15:clr>
+        </p15:guide>
+      </p15:notesGuideLst>
+    </p:ext>
+  </p:extLst>
 </p:presentation>
 </file>
 
@@ -335,43 +364,8 @@
           <a:p>
             <a:fld id="{9A9CDA0A-D9B9-4B4C-B156-7DAB23726B65}" type="datetimeFigureOut">
               <a:rPr lang="en-US" smtClean="0"/>
-              <a:t>1/29/16</a:t>
+              <a:t>9/10/18</a:t>
             </a:fld>
-            <a:endParaRPr lang="en-US"/>
-          </a:p>
-        </p:txBody>
-      </p:sp>
-      <p:sp>
-        <p:nvSpPr>
-          <p:cNvPr id="4" name="Footer Placeholder 3"/>
-          <p:cNvSpPr>
-            <a:spLocks noGrp="1"/>
-          </p:cNvSpPr>
-          <p:nvPr>
-            <p:ph type="ftr" sz="quarter" idx="2"/>
-          </p:nvPr>
-        </p:nvSpPr>
-        <p:spPr>
-          <a:xfrm>
-            <a:off x="0" y="8685213"/>
-            <a:ext cx="2971800" cy="457200"/>
-          </a:xfrm>
-          <a:prstGeom prst="rect">
-            <a:avLst/>
-          </a:prstGeom>
-        </p:spPr>
-        <p:txBody>
-          <a:bodyPr vert="horz" lIns="91440" tIns="45720" rIns="91440" bIns="45720" rtlCol="0" anchor="b"/>
-          <a:lstStyle>
-            <a:lvl1pPr algn="l">
-              <a:defRPr sz="1200"/>
-            </a:lvl1pPr>
-          </a:lstStyle>
-          <a:p>
-            <a:r>
-              <a:rPr lang="en-US" smtClean="0"/>
-              <a:t>MS 104</a:t>
-            </a:r>
             <a:endParaRPr lang="en-US"/>
           </a:p>
         </p:txBody>
@@ -790,6 +784,11 @@
         </p:txBody>
       </p:sp>
     </p:spTree>
+    <p:extLst>
+      <p:ext uri="{BB962C8B-B14F-4D97-AF65-F5344CB8AC3E}">
+        <p14:creationId xmlns:p14="http://schemas.microsoft.com/office/powerpoint/2010/main" val="734234099"/>
+      </p:ext>
+    </p:extLst>
   </p:cSld>
   <p:clrMapOvr>
     <a:masterClrMapping/>
@@ -901,6 +900,11 @@
         </p:txBody>
       </p:sp>
     </p:spTree>
+    <p:extLst>
+      <p:ext uri="{BB962C8B-B14F-4D97-AF65-F5344CB8AC3E}">
+        <p14:creationId xmlns:p14="http://schemas.microsoft.com/office/powerpoint/2010/main" val="1652357032"/>
+      </p:ext>
+    </p:extLst>
   </p:cSld>
   <p:clrMapOvr>
     <a:masterClrMapping/>
@@ -1012,6 +1016,11 @@
         </p:txBody>
       </p:sp>
     </p:spTree>
+    <p:extLst>
+      <p:ext uri="{BB962C8B-B14F-4D97-AF65-F5344CB8AC3E}">
+        <p14:creationId xmlns:p14="http://schemas.microsoft.com/office/powerpoint/2010/main" val="1898902782"/>
+      </p:ext>
+    </p:extLst>
   </p:cSld>
   <p:clrMapOvr>
     <a:masterClrMapping/>
@@ -1123,6 +1132,11 @@
         </p:txBody>
       </p:sp>
     </p:spTree>
+    <p:extLst>
+      <p:ext uri="{BB962C8B-B14F-4D97-AF65-F5344CB8AC3E}">
+        <p14:creationId xmlns:p14="http://schemas.microsoft.com/office/powerpoint/2010/main" val="2066045504"/>
+      </p:ext>
+    </p:extLst>
   </p:cSld>
   <p:clrMapOvr>
     <a:masterClrMapping/>
@@ -1234,6 +1248,11 @@
         </p:txBody>
       </p:sp>
     </p:spTree>
+    <p:extLst>
+      <p:ext uri="{BB962C8B-B14F-4D97-AF65-F5344CB8AC3E}">
+        <p14:creationId xmlns:p14="http://schemas.microsoft.com/office/powerpoint/2010/main" val="1603288733"/>
+      </p:ext>
+    </p:extLst>
   </p:cSld>
   <p:clrMapOvr>
     <a:masterClrMapping/>
@@ -1345,6 +1364,11 @@
         </p:txBody>
       </p:sp>
     </p:spTree>
+    <p:extLst>
+      <p:ext uri="{BB962C8B-B14F-4D97-AF65-F5344CB8AC3E}">
+        <p14:creationId xmlns:p14="http://schemas.microsoft.com/office/powerpoint/2010/main" val="1489665226"/>
+      </p:ext>
+    </p:extLst>
   </p:cSld>
   <p:clrMapOvr>
     <a:masterClrMapping/>
@@ -1456,6 +1480,11 @@
         </p:txBody>
       </p:sp>
     </p:spTree>
+    <p:extLst>
+      <p:ext uri="{BB962C8B-B14F-4D97-AF65-F5344CB8AC3E}">
+        <p14:creationId xmlns:p14="http://schemas.microsoft.com/office/powerpoint/2010/main" val="1707200338"/>
+      </p:ext>
+    </p:extLst>
   </p:cSld>
   <p:clrMapOvr>
     <a:masterClrMapping/>
@@ -1567,6 +1596,11 @@
         </p:txBody>
       </p:sp>
     </p:spTree>
+    <p:extLst>
+      <p:ext uri="{BB962C8B-B14F-4D97-AF65-F5344CB8AC3E}">
+        <p14:creationId xmlns:p14="http://schemas.microsoft.com/office/powerpoint/2010/main" val="1057814223"/>
+      </p:ext>
+    </p:extLst>
   </p:cSld>
   <p:clrMapOvr>
     <a:masterClrMapping/>
@@ -1678,6 +1712,11 @@
         </p:txBody>
       </p:sp>
     </p:spTree>
+    <p:extLst>
+      <p:ext uri="{BB962C8B-B14F-4D97-AF65-F5344CB8AC3E}">
+        <p14:creationId xmlns:p14="http://schemas.microsoft.com/office/powerpoint/2010/main" val="1285525027"/>
+      </p:ext>
+    </p:extLst>
   </p:cSld>
   <p:clrMapOvr>
     <a:masterClrMapping/>
@@ -1789,6 +1828,11 @@
         </p:txBody>
       </p:sp>
     </p:spTree>
+    <p:extLst>
+      <p:ext uri="{BB962C8B-B14F-4D97-AF65-F5344CB8AC3E}">
+        <p14:creationId xmlns:p14="http://schemas.microsoft.com/office/powerpoint/2010/main" val="1286592455"/>
+      </p:ext>
+    </p:extLst>
   </p:cSld>
   <p:clrMapOvr>
     <a:masterClrMapping/>
@@ -1900,6 +1944,11 @@
         </p:txBody>
       </p:sp>
     </p:spTree>
+    <p:extLst>
+      <p:ext uri="{BB962C8B-B14F-4D97-AF65-F5344CB8AC3E}">
+        <p14:creationId xmlns:p14="http://schemas.microsoft.com/office/powerpoint/2010/main" val="2021802003"/>
+      </p:ext>
+    </p:extLst>
   </p:cSld>
   <p:clrMapOvr>
     <a:masterClrMapping/>
@@ -2011,6 +2060,11 @@
         </p:txBody>
       </p:sp>
     </p:spTree>
+    <p:extLst>
+      <p:ext uri="{BB962C8B-B14F-4D97-AF65-F5344CB8AC3E}">
+        <p14:creationId xmlns:p14="http://schemas.microsoft.com/office/powerpoint/2010/main" val="831466231"/>
+      </p:ext>
+    </p:extLst>
   </p:cSld>
   <p:clrMapOvr>
     <a:masterClrMapping/>
@@ -2122,6 +2176,11 @@
         </p:txBody>
       </p:sp>
     </p:spTree>
+    <p:extLst>
+      <p:ext uri="{BB962C8B-B14F-4D97-AF65-F5344CB8AC3E}">
+        <p14:creationId xmlns:p14="http://schemas.microsoft.com/office/powerpoint/2010/main" val="792517940"/>
+      </p:ext>
+    </p:extLst>
   </p:cSld>
   <p:clrMapOvr>
     <a:masterClrMapping/>
@@ -2233,6 +2292,11 @@
         </p:txBody>
       </p:sp>
     </p:spTree>
+    <p:extLst>
+      <p:ext uri="{BB962C8B-B14F-4D97-AF65-F5344CB8AC3E}">
+        <p14:creationId xmlns:p14="http://schemas.microsoft.com/office/powerpoint/2010/main" val="1155438886"/>
+      </p:ext>
+    </p:extLst>
   </p:cSld>
   <p:clrMapOvr>
     <a:masterClrMapping/>
@@ -2344,6 +2408,11 @@
         </p:txBody>
       </p:sp>
     </p:spTree>
+    <p:extLst>
+      <p:ext uri="{BB962C8B-B14F-4D97-AF65-F5344CB8AC3E}">
+        <p14:creationId xmlns:p14="http://schemas.microsoft.com/office/powerpoint/2010/main" val="856940489"/>
+      </p:ext>
+    </p:extLst>
   </p:cSld>
   <p:clrMapOvr>
     <a:masterClrMapping/>
@@ -2455,6 +2524,11 @@
         </p:txBody>
       </p:sp>
     </p:spTree>
+    <p:extLst>
+      <p:ext uri="{BB962C8B-B14F-4D97-AF65-F5344CB8AC3E}">
+        <p14:creationId xmlns:p14="http://schemas.microsoft.com/office/powerpoint/2010/main" val="1904602722"/>
+      </p:ext>
+    </p:extLst>
   </p:cSld>
   <p:clrMapOvr>
     <a:masterClrMapping/>
@@ -2566,6 +2640,11 @@
         </p:txBody>
       </p:sp>
     </p:spTree>
+    <p:extLst>
+      <p:ext uri="{BB962C8B-B14F-4D97-AF65-F5344CB8AC3E}">
+        <p14:creationId xmlns:p14="http://schemas.microsoft.com/office/powerpoint/2010/main" val="1349421389"/>
+      </p:ext>
+    </p:extLst>
   </p:cSld>
   <p:clrMapOvr>
     <a:masterClrMapping/>
@@ -2573,7 +2652,7 @@
 </p:notes>
 </file>
 
-<file path=ppt/notesSlides/notesSlide25.xml><?xml version="1.0" encoding="utf-8"?>
+<file path=ppt/notesSlides/notesSlide3.xml><?xml version="1.0" encoding="utf-8"?>
 <p:notes xmlns:a="http://schemas.openxmlformats.org/drawingml/2006/main" xmlns:r="http://schemas.openxmlformats.org/officeDocument/2006/relationships" xmlns:p="http://schemas.openxmlformats.org/presentationml/2006/main" showMasterSp="0" showMasterPhAnim="0">
   <p:cSld>
     <p:spTree>
@@ -2677,6 +2756,11 @@
         </p:txBody>
       </p:sp>
     </p:spTree>
+    <p:extLst>
+      <p:ext uri="{BB962C8B-B14F-4D97-AF65-F5344CB8AC3E}">
+        <p14:creationId xmlns:p14="http://schemas.microsoft.com/office/powerpoint/2010/main" val="776853388"/>
+      </p:ext>
+    </p:extLst>
   </p:cSld>
   <p:clrMapOvr>
     <a:masterClrMapping/>
@@ -2684,7 +2768,7 @@
 </p:notes>
 </file>
 
-<file path=ppt/notesSlides/notesSlide3.xml><?xml version="1.0" encoding="utf-8"?>
+<file path=ppt/notesSlides/notesSlide4.xml><?xml version="1.0" encoding="utf-8"?>
 <p:notes xmlns:a="http://schemas.openxmlformats.org/drawingml/2006/main" xmlns:r="http://schemas.openxmlformats.org/officeDocument/2006/relationships" xmlns:p="http://schemas.openxmlformats.org/presentationml/2006/main" showMasterSp="0" showMasterPhAnim="0">
   <p:cSld>
     <p:spTree>
@@ -2788,6 +2872,11 @@
         </p:txBody>
       </p:sp>
     </p:spTree>
+    <p:extLst>
+      <p:ext uri="{BB962C8B-B14F-4D97-AF65-F5344CB8AC3E}">
+        <p14:creationId xmlns:p14="http://schemas.microsoft.com/office/powerpoint/2010/main" val="1545540498"/>
+      </p:ext>
+    </p:extLst>
   </p:cSld>
   <p:clrMapOvr>
     <a:masterClrMapping/>
@@ -2795,7 +2884,7 @@
 </p:notes>
 </file>
 
-<file path=ppt/notesSlides/notesSlide4.xml><?xml version="1.0" encoding="utf-8"?>
+<file path=ppt/notesSlides/notesSlide5.xml><?xml version="1.0" encoding="utf-8"?>
 <p:notes xmlns:a="http://schemas.openxmlformats.org/drawingml/2006/main" xmlns:r="http://schemas.openxmlformats.org/officeDocument/2006/relationships" xmlns:p="http://schemas.openxmlformats.org/presentationml/2006/main" showMasterSp="0" showMasterPhAnim="0">
   <p:cSld>
     <p:spTree>
@@ -2899,6 +2988,11 @@
         </p:txBody>
       </p:sp>
     </p:spTree>
+    <p:extLst>
+      <p:ext uri="{BB962C8B-B14F-4D97-AF65-F5344CB8AC3E}">
+        <p14:creationId xmlns:p14="http://schemas.microsoft.com/office/powerpoint/2010/main" val="333172477"/>
+      </p:ext>
+    </p:extLst>
   </p:cSld>
   <p:clrMapOvr>
     <a:masterClrMapping/>
@@ -2906,7 +3000,7 @@
 </p:notes>
 </file>
 
-<file path=ppt/notesSlides/notesSlide5.xml><?xml version="1.0" encoding="utf-8"?>
+<file path=ppt/notesSlides/notesSlide6.xml><?xml version="1.0" encoding="utf-8"?>
 <p:notes xmlns:a="http://schemas.openxmlformats.org/drawingml/2006/main" xmlns:r="http://schemas.openxmlformats.org/officeDocument/2006/relationships" xmlns:p="http://schemas.openxmlformats.org/presentationml/2006/main" showMasterSp="0" showMasterPhAnim="0">
   <p:cSld>
     <p:spTree>
@@ -3010,6 +3104,11 @@
         </p:txBody>
       </p:sp>
     </p:spTree>
+    <p:extLst>
+      <p:ext uri="{BB962C8B-B14F-4D97-AF65-F5344CB8AC3E}">
+        <p14:creationId xmlns:p14="http://schemas.microsoft.com/office/powerpoint/2010/main" val="786294807"/>
+      </p:ext>
+    </p:extLst>
   </p:cSld>
   <p:clrMapOvr>
     <a:masterClrMapping/>
@@ -3017,7 +3116,7 @@
 </p:notes>
 </file>
 
-<file path=ppt/notesSlides/notesSlide6.xml><?xml version="1.0" encoding="utf-8"?>
+<file path=ppt/notesSlides/notesSlide7.xml><?xml version="1.0" encoding="utf-8"?>
 <p:notes xmlns:a="http://schemas.openxmlformats.org/drawingml/2006/main" xmlns:r="http://schemas.openxmlformats.org/officeDocument/2006/relationships" xmlns:p="http://schemas.openxmlformats.org/presentationml/2006/main" showMasterSp="0" showMasterPhAnim="0">
   <p:cSld>
     <p:spTree>
@@ -3121,6 +3220,11 @@
         </p:txBody>
       </p:sp>
     </p:spTree>
+    <p:extLst>
+      <p:ext uri="{BB962C8B-B14F-4D97-AF65-F5344CB8AC3E}">
+        <p14:creationId xmlns:p14="http://schemas.microsoft.com/office/powerpoint/2010/main" val="1369864313"/>
+      </p:ext>
+    </p:extLst>
   </p:cSld>
   <p:clrMapOvr>
     <a:masterClrMapping/>
@@ -3128,7 +3232,7 @@
 </p:notes>
 </file>
 
-<file path=ppt/notesSlides/notesSlide7.xml><?xml version="1.0" encoding="utf-8"?>
+<file path=ppt/notesSlides/notesSlide8.xml><?xml version="1.0" encoding="utf-8"?>
 <p:notes xmlns:a="http://schemas.openxmlformats.org/drawingml/2006/main" xmlns:r="http://schemas.openxmlformats.org/officeDocument/2006/relationships" xmlns:p="http://schemas.openxmlformats.org/presentationml/2006/main" showMasterSp="0" showMasterPhAnim="0">
   <p:cSld>
     <p:spTree>
@@ -3232,6 +3336,11 @@
         </p:txBody>
       </p:sp>
     </p:spTree>
+    <p:extLst>
+      <p:ext uri="{BB962C8B-B14F-4D97-AF65-F5344CB8AC3E}">
+        <p14:creationId xmlns:p14="http://schemas.microsoft.com/office/powerpoint/2010/main" val="106891353"/>
+      </p:ext>
+    </p:extLst>
   </p:cSld>
   <p:clrMapOvr>
     <a:masterClrMapping/>
@@ -3239,7 +3348,7 @@
 </p:notes>
 </file>
 
-<file path=ppt/notesSlides/notesSlide8.xml><?xml version="1.0" encoding="utf-8"?>
+<file path=ppt/notesSlides/notesSlide9.xml><?xml version="1.0" encoding="utf-8"?>
 <p:notes xmlns:a="http://schemas.openxmlformats.org/drawingml/2006/main" xmlns:r="http://schemas.openxmlformats.org/officeDocument/2006/relationships" xmlns:p="http://schemas.openxmlformats.org/presentationml/2006/main" showMasterSp="0" showMasterPhAnim="0">
   <p:cSld>
     <p:spTree>
@@ -3343,117 +3452,11 @@
         </p:txBody>
       </p:sp>
     </p:spTree>
-  </p:cSld>
-  <p:clrMapOvr>
-    <a:masterClrMapping/>
-  </p:clrMapOvr>
-</p:notes>
-</file>
-
-<file path=ppt/notesSlides/notesSlide9.xml><?xml version="1.0" encoding="utf-8"?>
-<p:notes xmlns:a="http://schemas.openxmlformats.org/drawingml/2006/main" xmlns:r="http://schemas.openxmlformats.org/officeDocument/2006/relationships" xmlns:p="http://schemas.openxmlformats.org/presentationml/2006/main" showMasterSp="0" showMasterPhAnim="0">
-  <p:cSld>
-    <p:spTree>
-      <p:nvGrpSpPr>
-        <p:cNvPr id="1" name="Shape 33"/>
-        <p:cNvGrpSpPr/>
-        <p:nvPr/>
-      </p:nvGrpSpPr>
-      <p:grpSpPr>
-        <a:xfrm>
-          <a:off x="0" y="0"/>
-          <a:ext cx="0" cy="0"/>
-          <a:chOff x="0" y="0"/>
-          <a:chExt cx="0" cy="0"/>
-        </a:xfrm>
-      </p:grpSpPr>
-      <p:sp>
-        <p:nvSpPr>
-          <p:cNvPr id="34" name="Shape 34"/>
-          <p:cNvSpPr>
-            <a:spLocks noGrp="1" noRot="1" noChangeAspect="1"/>
-          </p:cNvSpPr>
-          <p:nvPr>
-            <p:ph type="sldImg" idx="2"/>
-          </p:nvPr>
-        </p:nvSpPr>
-        <p:spPr>
-          <a:xfrm>
-            <a:off x="1143000" y="685800"/>
-            <a:ext cx="4572000" cy="3429000"/>
-          </a:xfrm>
-          <a:custGeom>
-            <a:avLst/>
-            <a:gdLst/>
-            <a:ahLst/>
-            <a:cxnLst/>
-            <a:rect l="0" t="0" r="0" b="0"/>
-            <a:pathLst>
-              <a:path w="120000" h="120000" extrusionOk="0">
-                <a:moveTo>
-                  <a:pt x="0" y="0"/>
-                </a:moveTo>
-                <a:lnTo>
-                  <a:pt x="120000" y="0"/>
-                </a:lnTo>
-                <a:lnTo>
-                  <a:pt x="120000" y="120000"/>
-                </a:lnTo>
-                <a:lnTo>
-                  <a:pt x="0" y="120000"/>
-                </a:lnTo>
-                <a:close/>
-              </a:path>
-            </a:pathLst>
-          </a:custGeom>
-          <a:noFill/>
-          <a:ln w="9525" cap="flat">
-            <a:solidFill>
-              <a:srgbClr val="000000"/>
-            </a:solidFill>
-            <a:prstDash val="solid"/>
-            <a:round/>
-            <a:headEnd type="none" w="med" len="med"/>
-            <a:tailEnd type="none" w="med" len="med"/>
-          </a:ln>
-        </p:spPr>
-      </p:sp>
-      <p:sp>
-        <p:nvSpPr>
-          <p:cNvPr id="35" name="Shape 35"/>
-          <p:cNvSpPr txBox="1">
-            <a:spLocks noGrp="1"/>
-          </p:cNvSpPr>
-          <p:nvPr>
-            <p:ph type="body" idx="1"/>
-          </p:nvPr>
-        </p:nvSpPr>
-        <p:spPr>
-          <a:xfrm>
-            <a:off x="685800" y="4343400"/>
-            <a:ext cx="5486399" cy="4114800"/>
-          </a:xfrm>
-          <a:prstGeom prst="rect">
-            <a:avLst/>
-          </a:prstGeom>
-        </p:spPr>
-        <p:txBody>
-          <a:bodyPr lIns="91425" tIns="91425" rIns="91425" bIns="91425" anchor="t" anchorCtr="0">
-            <a:normAutofit/>
-          </a:bodyPr>
-          <a:lstStyle/>
-          <a:p>
-            <a:pPr>
-              <a:spcBef>
-                <a:spcPts val="0"/>
-              </a:spcBef>
-              <a:buNone/>
-            </a:pPr>
-            <a:endParaRPr/>
-          </a:p>
-        </p:txBody>
-      </p:sp>
-    </p:spTree>
+    <p:extLst>
+      <p:ext uri="{BB962C8B-B14F-4D97-AF65-F5344CB8AC3E}">
+        <p14:creationId xmlns:p14="http://schemas.microsoft.com/office/powerpoint/2010/main" val="1906950853"/>
+      </p:ext>
+    </p:extLst>
   </p:cSld>
   <p:clrMapOvr>
     <a:masterClrMapping/>
@@ -5282,7 +5285,7 @@
           <a:noFill/>
           <a:extLst>
             <a:ext uri="{909E8E84-426E-40dd-AFC4-6F175D3DCCD1}">
-              <a14:hiddenFill xmlns:a14="http://schemas.microsoft.com/office/drawing/2010/main">
+              <a14:hiddenFill xmlns:a14="http://schemas.microsoft.com/office/drawing/2010/main" xmlns="">
                 <a:solidFill>
                   <a:srgbClr val="FFFFFF"/>
                 </a:solidFill>
@@ -5904,49 +5907,6 @@
               <a:t>‹#›</a:t>
             </a:fld>
             <a:endParaRPr lang="en-US" dirty="0"/>
-          </a:p>
-        </p:txBody>
-      </p:sp>
-      <p:sp>
-        <p:nvSpPr>
-          <p:cNvPr id="8" name="TextBox 7"/>
-          <p:cNvSpPr txBox="1"/>
-          <p:nvPr userDrawn="1"/>
-        </p:nvSpPr>
-        <p:spPr>
-          <a:xfrm>
-            <a:off x="3200400" y="6519743"/>
-            <a:ext cx="2895600" cy="307777"/>
-          </a:xfrm>
-          <a:prstGeom prst="rect">
-            <a:avLst/>
-          </a:prstGeom>
-          <a:noFill/>
-        </p:spPr>
-        <p:txBody>
-          <a:bodyPr wrap="square" rtlCol="0">
-            <a:spAutoFit/>
-          </a:bodyPr>
-          <a:lstStyle/>
-          <a:p>
-            <a:pPr algn="ctr"/>
-            <a:r>
-              <a:rPr lang="en-US" dirty="0" smtClean="0">
-                <a:solidFill>
-                  <a:schemeClr val="tx2">
-                    <a:lumMod val="50000"/>
-                  </a:schemeClr>
-                </a:solidFill>
-              </a:rPr>
-              <a:t>Lopez – MA 276</a:t>
-            </a:r>
-            <a:endParaRPr lang="en-US" dirty="0">
-              <a:solidFill>
-                <a:schemeClr val="tx2">
-                  <a:lumMod val="50000"/>
-                </a:schemeClr>
-              </a:solidFill>
-            </a:endParaRPr>
           </a:p>
         </p:txBody>
       </p:sp>
@@ -6536,7 +6496,7 @@
                   <a:schemeClr val="accent1"/>
                 </a:solidFill>
               </a:rPr>
-              <a:t>MA 276: Sports and statistics</a:t>
+              <a:t>FYE: Sports analytics</a:t>
             </a:r>
             <a:br>
               <a:rPr lang="en-US" dirty="0" smtClean="0">
@@ -6546,7 +6506,7 @@
               </a:rPr>
             </a:br>
             <a:r>
-              <a:rPr lang="en-US" dirty="0">
+              <a:rPr lang="en-US" dirty="0" smtClean="0">
                 <a:solidFill>
                   <a:schemeClr val="accent1"/>
                 </a:solidFill>
@@ -6554,7 +6514,7 @@
               <a:t/>
             </a:r>
             <a:br>
-              <a:rPr lang="en-US" dirty="0">
+              <a:rPr lang="en-US" dirty="0" smtClean="0">
                 <a:solidFill>
                   <a:schemeClr val="accent1"/>
                 </a:solidFill>
@@ -6566,7 +6526,23 @@
                   <a:schemeClr val="accent1"/>
                 </a:solidFill>
               </a:rPr>
-              <a:t>Lecture 2: Statistics in baseball</a:t>
+              <a:t>Lecture </a:t>
+            </a:r>
+            <a:r>
+              <a:rPr lang="en-US" dirty="0" smtClean="0">
+                <a:solidFill>
+                  <a:schemeClr val="accent1"/>
+                </a:solidFill>
+              </a:rPr>
+              <a:t>2: </a:t>
+            </a:r>
+            <a:r>
+              <a:rPr lang="en-US" dirty="0" smtClean="0">
+                <a:solidFill>
+                  <a:schemeClr val="accent1"/>
+                </a:solidFill>
+              </a:rPr>
+              <a:t>Statistical basics &amp; statistics in baseball </a:t>
             </a:r>
             <a:r>
               <a:rPr lang="en-US" dirty="0">
@@ -6624,13 +6600,13 @@
   <p:clrMapOvr>
     <a:masterClrMapping/>
   </p:clrMapOvr>
-  <p:transition xmlns:p14="http://schemas.microsoft.com/office/powerpoint/2010/main" spd="slow">
+  <p:transition spd="slow">
     <p:cut/>
   </p:transition>
   <p:timing>
     <p:tnLst>
       <p:par>
-        <p:cTn xmlns:p14="http://schemas.microsoft.com/office/powerpoint/2010/main" id="1" dur="indefinite" restart="never" nodeType="tmRoot"/>
+        <p:cTn id="1" dur="indefinite" restart="never" nodeType="tmRoot"/>
       </p:par>
     </p:tnLst>
   </p:timing>
@@ -6679,27 +6655,13 @@
           </a:bodyPr>
           <a:lstStyle/>
           <a:p>
-            <a:pPr>
-              <a:spcBef>
-                <a:spcPts val="0"/>
-              </a:spcBef>
-              <a:buNone/>
-            </a:pPr>
-            <a:r>
-              <a:rPr lang="en-US" dirty="0" smtClean="0">
+            <a:r>
+              <a:rPr lang="en-US" dirty="0">
                 <a:solidFill>
                   <a:schemeClr val="accent1"/>
                 </a:solidFill>
               </a:rPr>
-              <a:t>Ex: Runs </a:t>
-            </a:r>
-            <a:r>
-              <a:rPr lang="en-US" dirty="0" smtClean="0">
-                <a:solidFill>
-                  <a:schemeClr val="accent1"/>
-                </a:solidFill>
-              </a:rPr>
-              <a:t>created</a:t>
+              <a:t>Plotting baseball metrics: </a:t>
             </a:r>
             <a:endParaRPr lang="en" dirty="0">
               <a:solidFill>
@@ -6732,77 +6694,9 @@
           </a:p>
         </p:txBody>
       </p:sp>
-      <p:sp>
-        <p:nvSpPr>
-          <p:cNvPr id="6" name="Shape 30"/>
-          <p:cNvSpPr txBox="1">
-            <a:spLocks noGrp="1"/>
-          </p:cNvSpPr>
-          <p:nvPr>
-            <p:ph type="body" idx="1"/>
-          </p:nvPr>
-        </p:nvSpPr>
-        <p:spPr>
-          <a:xfrm>
-            <a:off x="457200" y="1143000"/>
-            <a:ext cx="8229600" cy="2057400"/>
-          </a:xfrm>
-          <a:prstGeom prst="rect">
-            <a:avLst/>
-          </a:prstGeom>
-        </p:spPr>
-        <p:txBody>
-          <a:bodyPr lIns="91425" tIns="91425" rIns="91425" bIns="91425" anchor="t" anchorCtr="0">
-            <a:noAutofit/>
-          </a:bodyPr>
-          <a:lstStyle/>
-          <a:p>
-            <a:pPr marL="514350" lvl="0" indent="-514350">
-              <a:buAutoNum type="romanLcParenR"/>
-            </a:pPr>
-            <a:endParaRPr lang="en-US" sz="2800" dirty="0" smtClean="0"/>
-          </a:p>
-          <a:p>
-            <a:pPr>
-              <a:buNone/>
-            </a:pPr>
-            <a:endParaRPr lang="en-US" sz="2800" dirty="0">
-              <a:solidFill>
-                <a:schemeClr val="accent1"/>
-              </a:solidFill>
-            </a:endParaRPr>
-          </a:p>
-          <a:p>
-            <a:pPr>
-              <a:buNone/>
-            </a:pPr>
-            <a:endParaRPr lang="en-US" sz="2800" dirty="0" smtClean="0">
-              <a:solidFill>
-                <a:schemeClr val="accent1"/>
-              </a:solidFill>
-            </a:endParaRPr>
-          </a:p>
-          <a:p>
-            <a:pPr>
-              <a:buNone/>
-            </a:pPr>
-            <a:endParaRPr lang="en-US" sz="2800" dirty="0">
-              <a:solidFill>
-                <a:schemeClr val="accent1"/>
-              </a:solidFill>
-            </a:endParaRPr>
-          </a:p>
-          <a:p>
-            <a:pPr>
-              <a:buNone/>
-            </a:pPr>
-            <a:endParaRPr lang="en" sz="2800" dirty="0"/>
-          </a:p>
-        </p:txBody>
-      </p:sp>
       <p:pic>
         <p:nvPicPr>
-          <p:cNvPr id="4" name="Picture 3"/>
+          <p:cNvPr id="2" name="Picture 1"/>
           <p:cNvPicPr>
             <a:picLocks noChangeAspect="1"/>
           </p:cNvPicPr>
@@ -6816,8 +6710,32 @@
         </p:blipFill>
         <p:spPr>
           <a:xfrm>
-            <a:off x="457200" y="1828800"/>
-            <a:ext cx="7607300" cy="3499628"/>
+            <a:off x="2254250" y="1547969"/>
+            <a:ext cx="4635500" cy="571500"/>
+          </a:xfrm>
+          <a:prstGeom prst="rect">
+            <a:avLst/>
+          </a:prstGeom>
+        </p:spPr>
+      </p:pic>
+      <p:pic>
+        <p:nvPicPr>
+          <p:cNvPr id="6" name="Picture 5"/>
+          <p:cNvPicPr>
+            <a:picLocks noChangeAspect="1"/>
+          </p:cNvPicPr>
+          <p:nvPr/>
+        </p:nvPicPr>
+        <p:blipFill>
+          <a:blip r:embed="rId4"/>
+          <a:stretch>
+            <a:fillRect/>
+          </a:stretch>
+        </p:blipFill>
+        <p:spPr>
+          <a:xfrm>
+            <a:off x="1835150" y="2450475"/>
+            <a:ext cx="5473700" cy="4046949"/>
           </a:xfrm>
           <a:prstGeom prst="rect">
             <a:avLst/>
@@ -6827,20 +6745,20 @@
     </p:spTree>
     <p:extLst>
       <p:ext uri="{BB962C8B-B14F-4D97-AF65-F5344CB8AC3E}">
-        <p14:creationId xmlns:p14="http://schemas.microsoft.com/office/powerpoint/2010/main" val="210180441"/>
+        <p14:creationId xmlns:p14="http://schemas.microsoft.com/office/powerpoint/2010/main" val="177575245"/>
       </p:ext>
     </p:extLst>
   </p:cSld>
   <p:clrMapOvr>
     <a:masterClrMapping/>
   </p:clrMapOvr>
-  <p:transition xmlns:p14="http://schemas.microsoft.com/office/powerpoint/2010/main" spd="slow">
+  <p:transition spd="slow">
     <p:cut/>
   </p:transition>
   <p:timing>
     <p:tnLst>
       <p:par>
-        <p:cTn xmlns:p14="http://schemas.microsoft.com/office/powerpoint/2010/main" id="1" dur="indefinite" restart="never" nodeType="tmRoot"/>
+        <p:cTn id="1" dur="indefinite" restart="never" nodeType="tmRoot"/>
       </p:par>
     </p:tnLst>
   </p:timing>
@@ -6901,15 +6819,7 @@
                   <a:schemeClr val="accent1"/>
                 </a:solidFill>
               </a:rPr>
-              <a:t>Ex: Runs </a:t>
-            </a:r>
-            <a:r>
-              <a:rPr lang="en-US" dirty="0" smtClean="0">
-                <a:solidFill>
-                  <a:schemeClr val="accent1"/>
-                </a:solidFill>
-              </a:rPr>
-              <a:t>created</a:t>
+              <a:t>How to describe continuous data?</a:t>
             </a:r>
             <a:endParaRPr lang="en" dirty="0">
               <a:solidFill>
@@ -6944,190 +6854,58 @@
       </p:sp>
       <p:sp>
         <p:nvSpPr>
-          <p:cNvPr id="6" name="Shape 30"/>
-          <p:cNvSpPr txBox="1">
-            <a:spLocks noGrp="1"/>
-          </p:cNvSpPr>
-          <p:nvPr>
-            <p:ph type="body" idx="1"/>
-          </p:nvPr>
+          <p:cNvPr id="6" name="Rectangle 5"/>
+          <p:cNvSpPr/>
+          <p:nvPr/>
         </p:nvSpPr>
         <p:spPr>
           <a:xfrm>
-            <a:off x="457200" y="1143000"/>
-            <a:ext cx="8229600" cy="2057400"/>
+            <a:off x="470848" y="1828800"/>
+            <a:ext cx="1758815" cy="461665"/>
           </a:xfrm>
           <a:prstGeom prst="rect">
             <a:avLst/>
           </a:prstGeom>
         </p:spPr>
         <p:txBody>
-          <a:bodyPr lIns="91425" tIns="91425" rIns="91425" bIns="91425" anchor="t" anchorCtr="0">
-            <a:noAutofit/>
+          <a:bodyPr wrap="none">
+            <a:spAutoFit/>
           </a:bodyPr>
           <a:lstStyle/>
           <a:p>
-            <a:pPr marL="514350" lvl="0" indent="-514350">
-              <a:buAutoNum type="romanLcParenR"/>
-            </a:pPr>
-            <a:endParaRPr lang="en-US" sz="2800" dirty="0" smtClean="0"/>
-          </a:p>
-          <a:p>
-            <a:pPr>
-              <a:buNone/>
-            </a:pPr>
-            <a:endParaRPr lang="en-US" sz="2800" dirty="0">
+            <a:r>
+              <a:rPr lang="en-US" sz="2400" dirty="0" smtClean="0">
+                <a:solidFill>
+                  <a:schemeClr val="accent1"/>
+                </a:solidFill>
+              </a:rPr>
+              <a:t>Skewness: </a:t>
+            </a:r>
+            <a:endParaRPr lang="en-US" sz="2400" dirty="0">
               <a:solidFill>
                 <a:schemeClr val="accent1"/>
               </a:solidFill>
             </a:endParaRPr>
           </a:p>
-          <a:p>
-            <a:pPr>
-              <a:buNone/>
-            </a:pPr>
-            <a:endParaRPr lang="en-US" sz="2800" dirty="0" smtClean="0">
-              <a:solidFill>
-                <a:schemeClr val="accent1"/>
-              </a:solidFill>
-            </a:endParaRPr>
-          </a:p>
-          <a:p>
-            <a:pPr>
-              <a:buNone/>
-            </a:pPr>
-            <a:endParaRPr lang="en-US" sz="2800" dirty="0">
-              <a:solidFill>
-                <a:schemeClr val="accent1"/>
-              </a:solidFill>
-            </a:endParaRPr>
-          </a:p>
-          <a:p>
-            <a:pPr>
-              <a:buNone/>
-            </a:pPr>
-            <a:endParaRPr lang="en" sz="2800" dirty="0"/>
-          </a:p>
-        </p:txBody>
-      </p:sp>
-      <p:sp>
-        <p:nvSpPr>
-          <p:cNvPr id="7" name="Rectangle 6"/>
-          <p:cNvSpPr/>
-          <p:nvPr/>
-        </p:nvSpPr>
-        <p:spPr>
-          <a:xfrm>
-            <a:off x="457200" y="1676400"/>
-            <a:ext cx="7772400" cy="4154983"/>
-          </a:xfrm>
-          <a:prstGeom prst="rect">
-            <a:avLst/>
-          </a:prstGeom>
-        </p:spPr>
-        <p:txBody>
-          <a:bodyPr wrap="square">
-            <a:spAutoFit/>
-          </a:bodyPr>
-          <a:lstStyle/>
-          <a:p>
-            <a:r>
-              <a:rPr lang="en-US" sz="2400" dirty="0" smtClean="0"/>
-              <a:t>Benefits of runs created</a:t>
-            </a:r>
-          </a:p>
-          <a:p>
-            <a:endParaRPr lang="en-US" sz="2400" dirty="0"/>
-          </a:p>
-          <a:p>
-            <a:pPr marL="342900" indent="-342900">
-              <a:buFont typeface="Arial"/>
-              <a:buChar char="•"/>
-            </a:pPr>
-            <a:r>
-              <a:rPr lang="en-US" sz="2400" dirty="0" smtClean="0"/>
-              <a:t>Team level accuracy: </a:t>
-            </a:r>
-          </a:p>
-          <a:p>
-            <a:pPr lvl="2"/>
-            <a:r>
-              <a:rPr lang="en-US" sz="2400" dirty="0" smtClean="0"/>
-              <a:t>	- Basic version can predict a team’s run total within a 5% margin of error</a:t>
-            </a:r>
-          </a:p>
-          <a:p>
-            <a:pPr lvl="2"/>
-            <a:endParaRPr lang="en-US" sz="2400" dirty="0"/>
-          </a:p>
-          <a:p>
-            <a:pPr marL="342900" indent="-342900">
-              <a:buFont typeface="Arial"/>
-              <a:buChar char="•"/>
-            </a:pPr>
-            <a:r>
-              <a:rPr lang="en-US" sz="2400" dirty="0" smtClean="0"/>
-              <a:t>Individual talent: </a:t>
-            </a:r>
-            <a:endParaRPr lang="en-US" sz="2400" dirty="0"/>
-          </a:p>
-          <a:p>
-            <a:pPr lvl="2"/>
-            <a:r>
-              <a:rPr lang="en-US" sz="2400" dirty="0"/>
-              <a:t>	- </a:t>
-            </a:r>
-            <a:r>
-              <a:rPr lang="en-US" sz="2400" dirty="0" smtClean="0"/>
-              <a:t>Reflects individual performance only</a:t>
-            </a:r>
-          </a:p>
-          <a:p>
-            <a:pPr lvl="2"/>
-            <a:endParaRPr lang="en-US" sz="2400" dirty="0"/>
-          </a:p>
-          <a:p>
-            <a:pPr marL="342900" indent="-342900">
-              <a:buFont typeface="Arial"/>
-              <a:buChar char="•"/>
-            </a:pPr>
-            <a:r>
-              <a:rPr lang="en-US" sz="2400" dirty="0" smtClean="0"/>
-              <a:t>Repeatability?  </a:t>
-            </a:r>
-            <a:endParaRPr lang="en-US" sz="2400" dirty="0"/>
-          </a:p>
-          <a:p>
-            <a:pPr lvl="2"/>
-            <a:r>
-              <a:rPr lang="en-US" sz="2400" dirty="0"/>
-              <a:t>	- </a:t>
-            </a:r>
-            <a:r>
-              <a:rPr lang="en-US" sz="2400" dirty="0" smtClean="0"/>
-              <a:t>To be determined in Thursday’s lab.</a:t>
-            </a:r>
-            <a:endParaRPr lang="en-US" sz="2400" dirty="0"/>
-          </a:p>
         </p:txBody>
       </p:sp>
     </p:spTree>
     <p:extLst>
       <p:ext uri="{BB962C8B-B14F-4D97-AF65-F5344CB8AC3E}">
-        <p14:creationId xmlns:p14="http://schemas.microsoft.com/office/powerpoint/2010/main" val="1882827945"/>
+        <p14:creationId xmlns:p14="http://schemas.microsoft.com/office/powerpoint/2010/main" val="1940987416"/>
       </p:ext>
     </p:extLst>
   </p:cSld>
   <p:clrMapOvr>
     <a:masterClrMapping/>
   </p:clrMapOvr>
-  <p:transition xmlns:p14="http://schemas.microsoft.com/office/powerpoint/2010/main" spd="slow">
+  <p:transition spd="slow">
     <p:cut/>
   </p:transition>
   <p:timing>
     <p:tnLst>
       <p:par>
-        <p:cTn xmlns:p14="http://schemas.microsoft.com/office/powerpoint/2010/main" id="1" dur="indefinite" restart="never" nodeType="tmRoot"/>
+        <p:cTn id="1" dur="indefinite" restart="never" nodeType="tmRoot"/>
       </p:par>
     </p:tnLst>
   </p:timing>
@@ -7172,7 +6950,7 @@
         </p:spPr>
         <p:txBody>
           <a:bodyPr lIns="91425" tIns="91425" rIns="91425" bIns="91425" anchor="b" anchorCtr="0">
-            <a:normAutofit/>
+            <a:normAutofit fontScale="90000"/>
           </a:bodyPr>
           <a:lstStyle/>
           <a:p>
@@ -7188,7 +6966,15 @@
                   <a:schemeClr val="accent1"/>
                 </a:solidFill>
               </a:rPr>
-              <a:t>Ex: Runs </a:t>
+              <a:t>How to describe continuous data </a:t>
+            </a:r>
+            <a:r>
+              <a:rPr lang="en-US" dirty="0" err="1" smtClean="0">
+                <a:solidFill>
+                  <a:schemeClr val="accent1"/>
+                </a:solidFill>
+              </a:rPr>
+              <a:t>splot</a:t>
             </a:r>
             <a:r>
               <a:rPr lang="en-US" dirty="0" smtClean="0">
@@ -7196,7 +6982,7 @@
                   <a:schemeClr val="accent1"/>
                 </a:solidFill>
               </a:rPr>
-              <a:t>created</a:t>
+              <a:t> into groups? </a:t>
             </a:r>
             <a:endParaRPr lang="en" dirty="0">
               <a:solidFill>
@@ -7229,161 +7015,47 @@
           </a:p>
         </p:txBody>
       </p:sp>
-      <p:sp>
-        <p:nvSpPr>
-          <p:cNvPr id="6" name="Shape 30"/>
-          <p:cNvSpPr txBox="1">
-            <a:spLocks noGrp="1"/>
-          </p:cNvSpPr>
-          <p:nvPr>
-            <p:ph type="body" idx="1"/>
-          </p:nvPr>
-        </p:nvSpPr>
+      <p:pic>
+        <p:nvPicPr>
+          <p:cNvPr id="6" name="Picture 5"/>
+          <p:cNvPicPr>
+            <a:picLocks noChangeAspect="1"/>
+          </p:cNvPicPr>
+          <p:nvPr/>
+        </p:nvPicPr>
+        <p:blipFill>
+          <a:blip r:embed="rId3"/>
+          <a:stretch>
+            <a:fillRect/>
+          </a:stretch>
+        </p:blipFill>
         <p:spPr>
           <a:xfrm>
-            <a:off x="457200" y="1143000"/>
-            <a:ext cx="8229600" cy="2057400"/>
+            <a:off x="632481" y="3429000"/>
+            <a:ext cx="3944068" cy="2916024"/>
           </a:xfrm>
           <a:prstGeom prst="rect">
             <a:avLst/>
           </a:prstGeom>
         </p:spPr>
-        <p:txBody>
-          <a:bodyPr lIns="91425" tIns="91425" rIns="91425" bIns="91425" anchor="t" anchorCtr="0">
-            <a:noAutofit/>
-          </a:bodyPr>
-          <a:lstStyle/>
-          <a:p>
-            <a:pPr marL="514350" lvl="0" indent="-514350">
-              <a:buAutoNum type="romanLcParenR"/>
-            </a:pPr>
-            <a:endParaRPr lang="en-US" sz="2800" dirty="0" smtClean="0"/>
-          </a:p>
-          <a:p>
-            <a:pPr>
-              <a:buNone/>
-            </a:pPr>
-            <a:endParaRPr lang="en-US" sz="2800" dirty="0">
-              <a:solidFill>
-                <a:schemeClr val="accent1"/>
-              </a:solidFill>
-            </a:endParaRPr>
-          </a:p>
-          <a:p>
-            <a:pPr>
-              <a:buNone/>
-            </a:pPr>
-            <a:endParaRPr lang="en-US" sz="2800" dirty="0" smtClean="0">
-              <a:solidFill>
-                <a:schemeClr val="accent1"/>
-              </a:solidFill>
-            </a:endParaRPr>
-          </a:p>
-          <a:p>
-            <a:pPr>
-              <a:buNone/>
-            </a:pPr>
-            <a:endParaRPr lang="en-US" sz="2800" dirty="0">
-              <a:solidFill>
-                <a:schemeClr val="accent1"/>
-              </a:solidFill>
-            </a:endParaRPr>
-          </a:p>
-          <a:p>
-            <a:pPr>
-              <a:buNone/>
-            </a:pPr>
-            <a:endParaRPr lang="en" sz="2800" dirty="0"/>
-          </a:p>
-        </p:txBody>
-      </p:sp>
-      <p:sp>
-        <p:nvSpPr>
-          <p:cNvPr id="7" name="Rectangle 6"/>
-          <p:cNvSpPr/>
-          <p:nvPr/>
-        </p:nvSpPr>
-        <p:spPr>
-          <a:xfrm>
-            <a:off x="457200" y="1676400"/>
-            <a:ext cx="7772400" cy="2677656"/>
-          </a:xfrm>
-          <a:prstGeom prst="rect">
-            <a:avLst/>
-          </a:prstGeom>
-        </p:spPr>
-        <p:txBody>
-          <a:bodyPr wrap="square">
-            <a:spAutoFit/>
-          </a:bodyPr>
-          <a:lstStyle/>
-          <a:p>
-            <a:r>
-              <a:rPr lang="en-US" sz="2400" dirty="0" smtClean="0"/>
-              <a:t>Weaknesses of runs created</a:t>
-            </a:r>
-          </a:p>
-          <a:p>
-            <a:endParaRPr lang="en-US" sz="2400" dirty="0"/>
-          </a:p>
-          <a:p>
-            <a:pPr marL="342900" indent="-342900">
-              <a:buFont typeface="Arial"/>
-              <a:buChar char="•"/>
-            </a:pPr>
-            <a:r>
-              <a:rPr lang="en-US" sz="2400" dirty="0" smtClean="0"/>
-              <a:t>What if clutch exists?</a:t>
-            </a:r>
-          </a:p>
-          <a:p>
-            <a:pPr lvl="2"/>
-            <a:endParaRPr lang="en-US" sz="2400" dirty="0"/>
-          </a:p>
-          <a:p>
-            <a:pPr marL="342900" indent="-342900">
-              <a:buFont typeface="Arial"/>
-              <a:buChar char="•"/>
-            </a:pPr>
-            <a:r>
-              <a:rPr lang="en-US" sz="2400" dirty="0" smtClean="0"/>
-              <a:t>Ballpark dependencies</a:t>
-            </a:r>
-          </a:p>
-          <a:p>
-            <a:pPr lvl="2"/>
-            <a:endParaRPr lang="en-US" sz="2400" dirty="0"/>
-          </a:p>
-          <a:p>
-            <a:pPr marL="342900" indent="-342900">
-              <a:buFont typeface="Arial"/>
-              <a:buChar char="•"/>
-            </a:pPr>
-            <a:r>
-              <a:rPr lang="en-US" sz="2400" dirty="0" smtClean="0"/>
-              <a:t>Opponent dependencies</a:t>
-            </a:r>
-            <a:endParaRPr lang="en-US" sz="2400" dirty="0"/>
-          </a:p>
-        </p:txBody>
-      </p:sp>
+      </p:pic>
     </p:spTree>
     <p:extLst>
       <p:ext uri="{BB962C8B-B14F-4D97-AF65-F5344CB8AC3E}">
-        <p14:creationId xmlns:p14="http://schemas.microsoft.com/office/powerpoint/2010/main" val="4145358097"/>
+        <p14:creationId xmlns:p14="http://schemas.microsoft.com/office/powerpoint/2010/main" val="1160431073"/>
       </p:ext>
     </p:extLst>
   </p:cSld>
   <p:clrMapOvr>
     <a:masterClrMapping/>
   </p:clrMapOvr>
-  <p:transition xmlns:p14="http://schemas.microsoft.com/office/powerpoint/2010/main" spd="slow">
+  <p:transition spd="slow">
     <p:cut/>
   </p:transition>
   <p:timing>
     <p:tnLst>
       <p:par>
-        <p:cTn xmlns:p14="http://schemas.microsoft.com/office/powerpoint/2010/main" id="1" dur="indefinite" restart="never" nodeType="tmRoot"/>
+        <p:cTn id="1" dur="indefinite" restart="never" nodeType="tmRoot"/>
       </p:par>
     </p:tnLst>
   </p:timing>
@@ -7432,27 +7104,13 @@
           </a:bodyPr>
           <a:lstStyle/>
           <a:p>
-            <a:pPr>
-              <a:spcBef>
-                <a:spcPts val="0"/>
-              </a:spcBef>
-              <a:buNone/>
-            </a:pPr>
-            <a:r>
-              <a:rPr lang="en-US" dirty="0" smtClean="0">
+            <a:r>
+              <a:rPr lang="en-US" dirty="0">
                 <a:solidFill>
                   <a:schemeClr val="accent1"/>
                 </a:solidFill>
               </a:rPr>
-              <a:t>Ex: Runs </a:t>
-            </a:r>
-            <a:r>
-              <a:rPr lang="en-US" dirty="0" smtClean="0">
-                <a:solidFill>
-                  <a:schemeClr val="accent1"/>
-                </a:solidFill>
-              </a:rPr>
-              <a:t>created</a:t>
+              <a:t>Plotting baseball metrics: </a:t>
             </a:r>
             <a:endParaRPr lang="en" dirty="0">
               <a:solidFill>
@@ -7485,37 +7143,9 @@
           </a:p>
         </p:txBody>
       </p:sp>
-      <p:sp>
-        <p:nvSpPr>
-          <p:cNvPr id="7" name="Rectangle 6"/>
-          <p:cNvSpPr/>
-          <p:nvPr/>
-        </p:nvSpPr>
-        <p:spPr>
-          <a:xfrm>
-            <a:off x="457200" y="1676400"/>
-            <a:ext cx="7772400" cy="461665"/>
-          </a:xfrm>
-          <a:prstGeom prst="rect">
-            <a:avLst/>
-          </a:prstGeom>
-        </p:spPr>
-        <p:txBody>
-          <a:bodyPr wrap="square">
-            <a:spAutoFit/>
-          </a:bodyPr>
-          <a:lstStyle/>
-          <a:p>
-            <a:r>
-              <a:rPr lang="en-US" sz="2400" dirty="0" smtClean="0"/>
-              <a:t>What’s it look like? </a:t>
-            </a:r>
-          </a:p>
-        </p:txBody>
-      </p:sp>
       <p:pic>
         <p:nvPicPr>
-          <p:cNvPr id="5" name="Picture 4"/>
+          <p:cNvPr id="4" name="Picture 3"/>
           <p:cNvPicPr>
             <a:picLocks noChangeAspect="1"/>
           </p:cNvPicPr>
@@ -7529,8 +7159,32 @@
         </p:blipFill>
         <p:spPr>
           <a:xfrm>
-            <a:off x="990600" y="2819400"/>
-            <a:ext cx="7224823" cy="2743200"/>
+            <a:off x="1676400" y="2487510"/>
+            <a:ext cx="5454650" cy="4025837"/>
+          </a:xfrm>
+          <a:prstGeom prst="rect">
+            <a:avLst/>
+          </a:prstGeom>
+        </p:spPr>
+      </p:pic>
+      <p:pic>
+        <p:nvPicPr>
+          <p:cNvPr id="5" name="Picture 4"/>
+          <p:cNvPicPr>
+            <a:picLocks noChangeAspect="1"/>
+          </p:cNvPicPr>
+          <p:nvPr/>
+        </p:nvPicPr>
+        <p:blipFill>
+          <a:blip r:embed="rId4"/>
+          <a:stretch>
+            <a:fillRect/>
+          </a:stretch>
+        </p:blipFill>
+        <p:spPr>
+          <a:xfrm>
+            <a:off x="2247900" y="1596973"/>
+            <a:ext cx="4648200" cy="711200"/>
           </a:xfrm>
           <a:prstGeom prst="rect">
             <a:avLst/>
@@ -7540,20 +7194,20 @@
     </p:spTree>
     <p:extLst>
       <p:ext uri="{BB962C8B-B14F-4D97-AF65-F5344CB8AC3E}">
-        <p14:creationId xmlns:p14="http://schemas.microsoft.com/office/powerpoint/2010/main" val="3709028399"/>
+        <p14:creationId xmlns:p14="http://schemas.microsoft.com/office/powerpoint/2010/main" val="1103288933"/>
       </p:ext>
     </p:extLst>
   </p:cSld>
   <p:clrMapOvr>
     <a:masterClrMapping/>
   </p:clrMapOvr>
-  <p:transition xmlns:p14="http://schemas.microsoft.com/office/powerpoint/2010/main" spd="slow">
+  <p:transition spd="slow">
     <p:cut/>
   </p:transition>
   <p:timing>
     <p:tnLst>
       <p:par>
-        <p:cTn xmlns:p14="http://schemas.microsoft.com/office/powerpoint/2010/main" id="1" dur="indefinite" restart="never" nodeType="tmRoot"/>
+        <p:cTn id="1" dur="indefinite" restart="never" nodeType="tmRoot"/>
       </p:par>
     </p:tnLst>
   </p:timing>
@@ -7598,7 +7252,7 @@
         </p:spPr>
         <p:txBody>
           <a:bodyPr lIns="91425" tIns="91425" rIns="91425" bIns="91425" anchor="b" anchorCtr="0">
-            <a:normAutofit/>
+            <a:normAutofit fontScale="90000"/>
           </a:bodyPr>
           <a:lstStyle/>
           <a:p>
@@ -7614,15 +7268,7 @@
                   <a:schemeClr val="accent1"/>
                 </a:solidFill>
               </a:rPr>
-              <a:t>Ex: Runs </a:t>
-            </a:r>
-            <a:r>
-              <a:rPr lang="en-US" dirty="0" smtClean="0">
-                <a:solidFill>
-                  <a:schemeClr val="accent1"/>
-                </a:solidFill>
-              </a:rPr>
-              <a:t>created</a:t>
+              <a:t>How to describe the link between two continuous variables? </a:t>
             </a:r>
             <a:endParaRPr lang="en" dirty="0">
               <a:solidFill>
@@ -7655,77 +7301,9 @@
           </a:p>
         </p:txBody>
       </p:sp>
-      <p:sp>
-        <p:nvSpPr>
-          <p:cNvPr id="6" name="Shape 30"/>
-          <p:cNvSpPr txBox="1">
-            <a:spLocks noGrp="1"/>
-          </p:cNvSpPr>
-          <p:nvPr>
-            <p:ph type="body" idx="1"/>
-          </p:nvPr>
-        </p:nvSpPr>
-        <p:spPr>
-          <a:xfrm>
-            <a:off x="457200" y="1143000"/>
-            <a:ext cx="8229600" cy="2057400"/>
-          </a:xfrm>
-          <a:prstGeom prst="rect">
-            <a:avLst/>
-          </a:prstGeom>
-        </p:spPr>
-        <p:txBody>
-          <a:bodyPr lIns="91425" tIns="91425" rIns="91425" bIns="91425" anchor="t" anchorCtr="0">
-            <a:noAutofit/>
-          </a:bodyPr>
-          <a:lstStyle/>
-          <a:p>
-            <a:pPr marL="514350" lvl="0" indent="-514350">
-              <a:buAutoNum type="romanLcParenR"/>
-            </a:pPr>
-            <a:endParaRPr lang="en-US" sz="2800" dirty="0" smtClean="0"/>
-          </a:p>
-          <a:p>
-            <a:pPr>
-              <a:buNone/>
-            </a:pPr>
-            <a:endParaRPr lang="en-US" sz="2800" dirty="0">
-              <a:solidFill>
-                <a:schemeClr val="accent1"/>
-              </a:solidFill>
-            </a:endParaRPr>
-          </a:p>
-          <a:p>
-            <a:pPr>
-              <a:buNone/>
-            </a:pPr>
-            <a:endParaRPr lang="en-US" sz="2800" dirty="0" smtClean="0">
-              <a:solidFill>
-                <a:schemeClr val="accent1"/>
-              </a:solidFill>
-            </a:endParaRPr>
-          </a:p>
-          <a:p>
-            <a:pPr>
-              <a:buNone/>
-            </a:pPr>
-            <a:endParaRPr lang="en-US" sz="2800" dirty="0">
-              <a:solidFill>
-                <a:schemeClr val="accent1"/>
-              </a:solidFill>
-            </a:endParaRPr>
-          </a:p>
-          <a:p>
-            <a:pPr>
-              <a:buNone/>
-            </a:pPr>
-            <a:endParaRPr lang="en" sz="2800" dirty="0"/>
-          </a:p>
-        </p:txBody>
-      </p:sp>
       <p:pic>
         <p:nvPicPr>
-          <p:cNvPr id="2" name="Picture 1"/>
+          <p:cNvPr id="5" name="Picture 4"/>
           <p:cNvPicPr>
             <a:picLocks noChangeAspect="1"/>
           </p:cNvPicPr>
@@ -7739,8 +7317,8 @@
         </p:blipFill>
         <p:spPr>
           <a:xfrm>
-            <a:off x="762000" y="1752600"/>
-            <a:ext cx="5524500" cy="4597400"/>
+            <a:off x="762000" y="2895600"/>
+            <a:ext cx="4591992" cy="3389147"/>
           </a:xfrm>
           <a:prstGeom prst="rect">
             <a:avLst/>
@@ -7750,20 +7328,20 @@
     </p:spTree>
     <p:extLst>
       <p:ext uri="{BB962C8B-B14F-4D97-AF65-F5344CB8AC3E}">
-        <p14:creationId xmlns:p14="http://schemas.microsoft.com/office/powerpoint/2010/main" val="179390901"/>
+        <p14:creationId xmlns:p14="http://schemas.microsoft.com/office/powerpoint/2010/main" val="1996416622"/>
       </p:ext>
     </p:extLst>
   </p:cSld>
   <p:clrMapOvr>
     <a:masterClrMapping/>
   </p:clrMapOvr>
-  <p:transition xmlns:p14="http://schemas.microsoft.com/office/powerpoint/2010/main" spd="slow">
+  <p:transition spd="slow">
     <p:cut/>
   </p:transition>
   <p:timing>
     <p:tnLst>
       <p:par>
-        <p:cTn xmlns:p14="http://schemas.microsoft.com/office/powerpoint/2010/main" id="1" dur="indefinite" restart="never" nodeType="tmRoot"/>
+        <p:cTn id="1" dur="indefinite" restart="never" nodeType="tmRoot"/>
       </p:par>
     </p:tnLst>
   </p:timing>
@@ -7808,7 +7386,7 @@
         </p:spPr>
         <p:txBody>
           <a:bodyPr lIns="91425" tIns="91425" rIns="91425" bIns="91425" anchor="b" anchorCtr="0">
-            <a:normAutofit/>
+            <a:normAutofit fontScale="90000"/>
           </a:bodyPr>
           <a:lstStyle/>
           <a:p>
@@ -7824,15 +7402,7 @@
                   <a:schemeClr val="accent1"/>
                 </a:solidFill>
               </a:rPr>
-              <a:t>Ex: Runs </a:t>
-            </a:r>
-            <a:r>
-              <a:rPr lang="en-US" dirty="0" smtClean="0">
-                <a:solidFill>
-                  <a:schemeClr val="accent1"/>
-                </a:solidFill>
-              </a:rPr>
-              <a:t>created</a:t>
+              <a:t>How to describe the link between two continuous variables? </a:t>
             </a:r>
             <a:endParaRPr lang="en" dirty="0">
               <a:solidFill>
@@ -7865,37 +7435,9 @@
           </a:p>
         </p:txBody>
       </p:sp>
-      <p:sp>
-        <p:nvSpPr>
-          <p:cNvPr id="7" name="Rectangle 6"/>
-          <p:cNvSpPr/>
-          <p:nvPr/>
-        </p:nvSpPr>
-        <p:spPr>
-          <a:xfrm>
-            <a:off x="457200" y="1676400"/>
-            <a:ext cx="7772400" cy="830997"/>
-          </a:xfrm>
-          <a:prstGeom prst="rect">
-            <a:avLst/>
-          </a:prstGeom>
-        </p:spPr>
-        <p:txBody>
-          <a:bodyPr wrap="square">
-            <a:spAutoFit/>
-          </a:bodyPr>
-          <a:lstStyle/>
-          <a:p>
-            <a:r>
-              <a:rPr lang="en-US" sz="2400" dirty="0" smtClean="0"/>
-              <a:t>How do we describe the association between runs created and actual runs?</a:t>
-            </a:r>
-          </a:p>
-        </p:txBody>
-      </p:sp>
       <p:pic>
         <p:nvPicPr>
-          <p:cNvPr id="8" name="Picture 7"/>
+          <p:cNvPr id="5" name="Picture 4"/>
           <p:cNvPicPr>
             <a:picLocks noChangeAspect="1"/>
           </p:cNvPicPr>
@@ -7909,8 +7451,56 @@
         </p:blipFill>
         <p:spPr>
           <a:xfrm>
-            <a:off x="609599" y="2971800"/>
-            <a:ext cx="3042745" cy="914400"/>
+            <a:off x="762000" y="2895600"/>
+            <a:ext cx="4591992" cy="3389147"/>
+          </a:xfrm>
+          <a:prstGeom prst="rect">
+            <a:avLst/>
+          </a:prstGeom>
+        </p:spPr>
+      </p:pic>
+      <p:pic>
+        <p:nvPicPr>
+          <p:cNvPr id="2" name="Picture 1"/>
+          <p:cNvPicPr>
+            <a:picLocks noChangeAspect="1"/>
+          </p:cNvPicPr>
+          <p:nvPr/>
+        </p:nvPicPr>
+        <p:blipFill>
+          <a:blip r:embed="rId4"/>
+          <a:stretch>
+            <a:fillRect/>
+          </a:stretch>
+        </p:blipFill>
+        <p:spPr>
+          <a:xfrm>
+            <a:off x="630640" y="1794668"/>
+            <a:ext cx="3924300" cy="723900"/>
+          </a:xfrm>
+          <a:prstGeom prst="rect">
+            <a:avLst/>
+          </a:prstGeom>
+        </p:spPr>
+      </p:pic>
+      <p:pic>
+        <p:nvPicPr>
+          <p:cNvPr id="4" name="Picture 3"/>
+          <p:cNvPicPr>
+            <a:picLocks noChangeAspect="1"/>
+          </p:cNvPicPr>
+          <p:nvPr/>
+        </p:nvPicPr>
+        <p:blipFill>
+          <a:blip r:embed="rId5"/>
+          <a:stretch>
+            <a:fillRect/>
+          </a:stretch>
+        </p:blipFill>
+        <p:spPr>
+          <a:xfrm>
+            <a:off x="4572000" y="1712118"/>
+            <a:ext cx="3962400" cy="889000"/>
           </a:xfrm>
           <a:prstGeom prst="rect">
             <a:avLst/>
@@ -7920,20 +7510,20 @@
     </p:spTree>
     <p:extLst>
       <p:ext uri="{BB962C8B-B14F-4D97-AF65-F5344CB8AC3E}">
-        <p14:creationId xmlns:p14="http://schemas.microsoft.com/office/powerpoint/2010/main" val="3454923922"/>
+        <p14:creationId xmlns:p14="http://schemas.microsoft.com/office/powerpoint/2010/main" val="1485209117"/>
       </p:ext>
     </p:extLst>
   </p:cSld>
   <p:clrMapOvr>
     <a:masterClrMapping/>
   </p:clrMapOvr>
-  <p:transition xmlns:p14="http://schemas.microsoft.com/office/powerpoint/2010/main" spd="slow">
+  <p:transition spd="slow">
     <p:cut/>
   </p:transition>
   <p:timing>
     <p:tnLst>
       <p:par>
-        <p:cTn xmlns:p14="http://schemas.microsoft.com/office/powerpoint/2010/main" id="1" dur="indefinite" restart="never" nodeType="tmRoot"/>
+        <p:cTn id="1" dur="indefinite" restart="never" nodeType="tmRoot"/>
       </p:par>
     </p:tnLst>
   </p:timing>
@@ -7994,15 +7584,7 @@
                   <a:schemeClr val="accent1"/>
                 </a:solidFill>
               </a:rPr>
-              <a:t>Ex: Runs </a:t>
-            </a:r>
-            <a:r>
-              <a:rPr lang="en-US" dirty="0" smtClean="0">
-                <a:solidFill>
-                  <a:schemeClr val="accent1"/>
-                </a:solidFill>
-              </a:rPr>
-              <a:t>created</a:t>
+              <a:t>Properties of correlation</a:t>
             </a:r>
             <a:endParaRPr lang="en" dirty="0">
               <a:solidFill>
@@ -8035,126 +7617,23 @@
           </a:p>
         </p:txBody>
       </p:sp>
-      <p:sp>
-        <p:nvSpPr>
-          <p:cNvPr id="7" name="Rectangle 6"/>
-          <p:cNvSpPr/>
-          <p:nvPr/>
-        </p:nvSpPr>
-        <p:spPr>
-          <a:xfrm>
-            <a:off x="457200" y="1676400"/>
-            <a:ext cx="7772400" cy="4893647"/>
-          </a:xfrm>
-          <a:prstGeom prst="rect">
-            <a:avLst/>
-          </a:prstGeom>
-        </p:spPr>
-        <p:txBody>
-          <a:bodyPr wrap="square">
-            <a:spAutoFit/>
-          </a:bodyPr>
-          <a:lstStyle/>
-          <a:p>
-            <a:r>
-              <a:rPr lang="en-US" sz="2400" dirty="0" smtClean="0"/>
-              <a:t>What about the association between team runs and other team variables?</a:t>
-            </a:r>
-          </a:p>
-          <a:p>
-            <a:endParaRPr lang="en-US" sz="2400" dirty="0"/>
-          </a:p>
-          <a:p>
-            <a:endParaRPr lang="en-US" sz="2400" dirty="0" smtClean="0"/>
-          </a:p>
-          <a:p>
-            <a:endParaRPr lang="en-US" sz="2400" dirty="0"/>
-          </a:p>
-          <a:p>
-            <a:endParaRPr lang="en-US" sz="2400" dirty="0" smtClean="0"/>
-          </a:p>
-          <a:p>
-            <a:endParaRPr lang="en-US" sz="2400" dirty="0"/>
-          </a:p>
-          <a:p>
-            <a:endParaRPr lang="en-US" sz="2400" dirty="0" smtClean="0"/>
-          </a:p>
-          <a:p>
-            <a:endParaRPr lang="en-US" sz="2400" dirty="0"/>
-          </a:p>
-          <a:p>
-            <a:endParaRPr lang="en-US" sz="2400" dirty="0" smtClean="0"/>
-          </a:p>
-          <a:p>
-            <a:endParaRPr lang="en-US" sz="2400" dirty="0"/>
-          </a:p>
-          <a:p>
-            <a:endParaRPr lang="en-US" sz="2400" dirty="0" smtClean="0"/>
-          </a:p>
-          <a:p>
-            <a:r>
-              <a:rPr lang="en-US" sz="1800" i="1" dirty="0" smtClean="0"/>
-              <a:t>Note</a:t>
-            </a:r>
-            <a:r>
-              <a:rPr lang="en-US" sz="1800" dirty="0" smtClean="0"/>
-              <a:t>: What does the </a:t>
-            </a:r>
-            <a:r>
-              <a:rPr lang="en-US" sz="1800" dirty="0" smtClean="0">
-                <a:latin typeface="Courier New"/>
-                <a:cs typeface="Courier New"/>
-              </a:rPr>
-              <a:t>select</a:t>
-            </a:r>
-            <a:r>
-              <a:rPr lang="en-US" sz="1800" dirty="0" smtClean="0"/>
-              <a:t> command do?</a:t>
-            </a:r>
-          </a:p>
-        </p:txBody>
-      </p:sp>
-      <p:pic>
-        <p:nvPicPr>
-          <p:cNvPr id="4" name="Picture 3"/>
-          <p:cNvPicPr>
-            <a:picLocks noChangeAspect="1"/>
-          </p:cNvPicPr>
-          <p:nvPr/>
-        </p:nvPicPr>
-        <p:blipFill>
-          <a:blip r:embed="rId3"/>
-          <a:stretch>
-            <a:fillRect/>
-          </a:stretch>
-        </p:blipFill>
-        <p:spPr>
-          <a:xfrm>
-            <a:off x="1066800" y="2819400"/>
-            <a:ext cx="7014339" cy="2870200"/>
-          </a:xfrm>
-          <a:prstGeom prst="rect">
-            <a:avLst/>
-          </a:prstGeom>
-        </p:spPr>
-      </p:pic>
     </p:spTree>
     <p:extLst>
       <p:ext uri="{BB962C8B-B14F-4D97-AF65-F5344CB8AC3E}">
-        <p14:creationId xmlns:p14="http://schemas.microsoft.com/office/powerpoint/2010/main" val="3303002097"/>
+        <p14:creationId xmlns:p14="http://schemas.microsoft.com/office/powerpoint/2010/main" val="2091581938"/>
       </p:ext>
     </p:extLst>
   </p:cSld>
   <p:clrMapOvr>
     <a:masterClrMapping/>
   </p:clrMapOvr>
-  <p:transition xmlns:p14="http://schemas.microsoft.com/office/powerpoint/2010/main" spd="slow">
+  <p:transition spd="slow">
     <p:cut/>
   </p:transition>
   <p:timing>
     <p:tnLst>
       <p:par>
-        <p:cTn xmlns:p14="http://schemas.microsoft.com/office/powerpoint/2010/main" id="1" dur="indefinite" restart="never" nodeType="tmRoot"/>
+        <p:cTn id="1" dur="indefinite" restart="never" nodeType="tmRoot"/>
       </p:par>
     </p:tnLst>
   </p:timing>
@@ -8215,15 +7694,7 @@
                   <a:schemeClr val="accent1"/>
                 </a:solidFill>
               </a:rPr>
-              <a:t>Ex: Runs </a:t>
-            </a:r>
-            <a:r>
-              <a:rPr lang="en-US" dirty="0" smtClean="0">
-                <a:solidFill>
-                  <a:schemeClr val="accent1"/>
-                </a:solidFill>
-              </a:rPr>
-              <a:t>created</a:t>
+              <a:t>Predict the correlation</a:t>
             </a:r>
             <a:endParaRPr lang="en" dirty="0">
               <a:solidFill>
@@ -8256,77 +7727,9 @@
           </a:p>
         </p:txBody>
       </p:sp>
-      <p:sp>
-        <p:nvSpPr>
-          <p:cNvPr id="6" name="Shape 30"/>
-          <p:cNvSpPr txBox="1">
-            <a:spLocks noGrp="1"/>
-          </p:cNvSpPr>
-          <p:nvPr>
-            <p:ph type="body" idx="1"/>
-          </p:nvPr>
-        </p:nvSpPr>
-        <p:spPr>
-          <a:xfrm>
-            <a:off x="457200" y="1143000"/>
-            <a:ext cx="8229600" cy="2057400"/>
-          </a:xfrm>
-          <a:prstGeom prst="rect">
-            <a:avLst/>
-          </a:prstGeom>
-        </p:spPr>
-        <p:txBody>
-          <a:bodyPr lIns="91425" tIns="91425" rIns="91425" bIns="91425" anchor="t" anchorCtr="0">
-            <a:noAutofit/>
-          </a:bodyPr>
-          <a:lstStyle/>
-          <a:p>
-            <a:pPr marL="514350" lvl="0" indent="-514350">
-              <a:buAutoNum type="romanLcParenR"/>
-            </a:pPr>
-            <a:endParaRPr lang="en-US" sz="2800" dirty="0" smtClean="0"/>
-          </a:p>
-          <a:p>
-            <a:pPr>
-              <a:buNone/>
-            </a:pPr>
-            <a:endParaRPr lang="en-US" sz="2800" dirty="0">
-              <a:solidFill>
-                <a:schemeClr val="accent1"/>
-              </a:solidFill>
-            </a:endParaRPr>
-          </a:p>
-          <a:p>
-            <a:pPr>
-              <a:buNone/>
-            </a:pPr>
-            <a:endParaRPr lang="en-US" sz="2800" dirty="0" smtClean="0">
-              <a:solidFill>
-                <a:schemeClr val="accent1"/>
-              </a:solidFill>
-            </a:endParaRPr>
-          </a:p>
-          <a:p>
-            <a:pPr>
-              <a:buNone/>
-            </a:pPr>
-            <a:endParaRPr lang="en-US" sz="2800" dirty="0">
-              <a:solidFill>
-                <a:schemeClr val="accent1"/>
-              </a:solidFill>
-            </a:endParaRPr>
-          </a:p>
-          <a:p>
-            <a:pPr>
-              <a:buNone/>
-            </a:pPr>
-            <a:endParaRPr lang="en" sz="2800" dirty="0"/>
-          </a:p>
-        </p:txBody>
-      </p:sp>
       <p:pic>
         <p:nvPicPr>
-          <p:cNvPr id="7" name="Picture 6"/>
+          <p:cNvPr id="6" name="Picture 5"/>
           <p:cNvPicPr>
             <a:picLocks noChangeAspect="1"/>
           </p:cNvPicPr>
@@ -8340,32 +7743,8 @@
         </p:blipFill>
         <p:spPr>
           <a:xfrm>
-            <a:off x="685800" y="1676400"/>
-            <a:ext cx="5011685" cy="4648200"/>
-          </a:xfrm>
-          <a:prstGeom prst="rect">
-            <a:avLst/>
-          </a:prstGeom>
-        </p:spPr>
-      </p:pic>
-      <p:pic>
-        <p:nvPicPr>
-          <p:cNvPr id="8" name="Picture 7"/>
-          <p:cNvPicPr>
-            <a:picLocks noChangeAspect="1"/>
-          </p:cNvPicPr>
-          <p:nvPr/>
-        </p:nvPicPr>
-        <p:blipFill>
-          <a:blip r:embed="rId4"/>
-          <a:stretch>
-            <a:fillRect/>
-          </a:stretch>
-        </p:blipFill>
-        <p:spPr>
-          <a:xfrm>
-            <a:off x="6019800" y="2971800"/>
-            <a:ext cx="2946400" cy="406400"/>
+            <a:off x="838200" y="2971800"/>
+            <a:ext cx="3987800" cy="2311400"/>
           </a:xfrm>
           <a:prstGeom prst="rect">
             <a:avLst/>
@@ -8375,20 +7754,20 @@
     </p:spTree>
     <p:extLst>
       <p:ext uri="{BB962C8B-B14F-4D97-AF65-F5344CB8AC3E}">
-        <p14:creationId xmlns:p14="http://schemas.microsoft.com/office/powerpoint/2010/main" val="1778770566"/>
+        <p14:creationId xmlns:p14="http://schemas.microsoft.com/office/powerpoint/2010/main" val="1727697502"/>
       </p:ext>
     </p:extLst>
   </p:cSld>
   <p:clrMapOvr>
     <a:masterClrMapping/>
   </p:clrMapOvr>
-  <p:transition xmlns:p14="http://schemas.microsoft.com/office/powerpoint/2010/main" spd="slow">
+  <p:transition spd="slow">
     <p:cut/>
   </p:transition>
   <p:timing>
     <p:tnLst>
       <p:par>
-        <p:cTn xmlns:p14="http://schemas.microsoft.com/office/powerpoint/2010/main" id="1" dur="indefinite" restart="never" nodeType="tmRoot"/>
+        <p:cTn id="1" dur="indefinite" restart="never" nodeType="tmRoot"/>
       </p:par>
     </p:tnLst>
   </p:timing>
@@ -8449,7 +7828,15 @@
                   <a:schemeClr val="accent1"/>
                 </a:solidFill>
               </a:rPr>
-              <a:t>Ex: Runs </a:t>
+              <a:t>What is </a:t>
+            </a:r>
+            <a:r>
+              <a:rPr lang="en-US" dirty="0" err="1" smtClean="0">
+                <a:solidFill>
+                  <a:schemeClr val="accent1"/>
+                </a:solidFill>
+              </a:rPr>
+              <a:t>sabermetrics</a:t>
             </a:r>
             <a:r>
               <a:rPr lang="en-US" dirty="0" smtClean="0">
@@ -8457,7 +7844,7 @@
                   <a:schemeClr val="accent1"/>
                 </a:solidFill>
               </a:rPr>
-              <a:t>created</a:t>
+              <a:t>?</a:t>
             </a:r>
             <a:endParaRPr lang="en" dirty="0">
               <a:solidFill>
@@ -8469,6 +7856,177 @@
       </p:sp>
       <p:sp>
         <p:nvSpPr>
+          <p:cNvPr id="30" name="Shape 30"/>
+          <p:cNvSpPr txBox="1">
+            <a:spLocks noGrp="1"/>
+          </p:cNvSpPr>
+          <p:nvPr>
+            <p:ph type="body" idx="1"/>
+          </p:nvPr>
+        </p:nvSpPr>
+        <p:spPr>
+          <a:xfrm>
+            <a:off x="457200" y="1143000"/>
+            <a:ext cx="8229600" cy="2057400"/>
+          </a:xfrm>
+          <a:prstGeom prst="rect">
+            <a:avLst/>
+          </a:prstGeom>
+        </p:spPr>
+        <p:txBody>
+          <a:bodyPr lIns="91425" tIns="91425" rIns="91425" bIns="91425" anchor="t" anchorCtr="0">
+            <a:noAutofit/>
+          </a:bodyPr>
+          <a:lstStyle/>
+          <a:p>
+            <a:pPr marL="514350" lvl="0" indent="-514350">
+              <a:buAutoNum type="romanLcParenR"/>
+            </a:pPr>
+            <a:endParaRPr lang="en-US" sz="2800" dirty="0" smtClean="0"/>
+          </a:p>
+          <a:p>
+            <a:pPr>
+              <a:buNone/>
+            </a:pPr>
+            <a:r>
+              <a:rPr lang="en-US" sz="2800" dirty="0" smtClean="0">
+                <a:solidFill>
+                  <a:schemeClr val="accent1"/>
+                </a:solidFill>
+              </a:rPr>
+              <a:t>‘Search for objective knowledge about baseball’</a:t>
+            </a:r>
+          </a:p>
+          <a:p>
+            <a:pPr>
+              <a:buNone/>
+            </a:pPr>
+            <a:r>
+              <a:rPr lang="en-US" sz="2800" dirty="0">
+                <a:solidFill>
+                  <a:schemeClr val="accent1"/>
+                </a:solidFill>
+              </a:rPr>
+              <a:t>	</a:t>
+            </a:r>
+            <a:r>
+              <a:rPr lang="en-US" sz="2800" dirty="0" smtClean="0"/>
+              <a:t>-Bill James</a:t>
+            </a:r>
+          </a:p>
+          <a:p>
+            <a:pPr>
+              <a:buNone/>
+            </a:pPr>
+            <a:endParaRPr lang="en-US" sz="2800" dirty="0"/>
+          </a:p>
+          <a:p>
+            <a:pPr>
+              <a:buNone/>
+            </a:pPr>
+            <a:r>
+              <a:rPr lang="en-US" sz="2800" dirty="0" smtClean="0"/>
+              <a:t>Ex: Which player on the Red Sox contributed most to his team’s offense</a:t>
+            </a:r>
+            <a:r>
+              <a:rPr lang="en-US" sz="2800" dirty="0" smtClean="0"/>
+              <a:t>?</a:t>
+            </a:r>
+          </a:p>
+          <a:p>
+            <a:pPr>
+              <a:buNone/>
+            </a:pPr>
+            <a:endParaRPr lang="en-US" sz="2800" dirty="0"/>
+          </a:p>
+          <a:p>
+            <a:pPr>
+              <a:buNone/>
+            </a:pPr>
+            <a:r>
+              <a:rPr lang="en-US" sz="2800" dirty="0" smtClean="0"/>
+              <a:t>Ex: Which player deserves the MVP award</a:t>
+            </a:r>
+            <a:r>
+              <a:rPr lang="en-US" sz="2800" dirty="0" smtClean="0"/>
+              <a:t>?</a:t>
+            </a:r>
+          </a:p>
+          <a:p>
+            <a:pPr>
+              <a:buNone/>
+            </a:pPr>
+            <a:endParaRPr lang="en-US" sz="2800" dirty="0"/>
+          </a:p>
+          <a:p>
+            <a:pPr>
+              <a:buNone/>
+            </a:pPr>
+            <a:r>
+              <a:rPr lang="en-US" sz="2800" dirty="0" smtClean="0"/>
+              <a:t>Ex: Should you bunt?</a:t>
+            </a:r>
+            <a:endParaRPr lang="en-US" sz="2800" dirty="0" smtClean="0"/>
+          </a:p>
+          <a:p>
+            <a:pPr>
+              <a:buNone/>
+            </a:pPr>
+            <a:r>
+              <a:rPr lang="en-US" sz="2800" dirty="0" smtClean="0">
+                <a:solidFill>
+                  <a:schemeClr val="accent1"/>
+                </a:solidFill>
+              </a:rPr>
+              <a:t>	</a:t>
+            </a:r>
+          </a:p>
+          <a:p>
+            <a:pPr>
+              <a:buNone/>
+            </a:pPr>
+            <a:endParaRPr lang="en-US" sz="2800" dirty="0">
+              <a:solidFill>
+                <a:schemeClr val="accent1"/>
+              </a:solidFill>
+            </a:endParaRPr>
+          </a:p>
+          <a:p>
+            <a:pPr>
+              <a:buNone/>
+            </a:pPr>
+            <a:r>
+              <a:rPr lang="en-US" sz="2800" dirty="0" smtClean="0">
+                <a:solidFill>
+                  <a:schemeClr val="accent1"/>
+                </a:solidFill>
+              </a:rPr>
+              <a:t>	</a:t>
+            </a:r>
+            <a:endParaRPr lang="en-US" sz="2800" dirty="0" smtClean="0"/>
+          </a:p>
+          <a:p>
+            <a:pPr lvl="0">
+              <a:buNone/>
+            </a:pPr>
+            <a:endParaRPr lang="en-US" sz="2800" dirty="0" smtClean="0"/>
+          </a:p>
+          <a:p>
+            <a:pPr lvl="0">
+              <a:buNone/>
+            </a:pPr>
+            <a:endParaRPr lang="en-US" sz="2800" dirty="0"/>
+          </a:p>
+          <a:p>
+            <a:pPr lvl="0">
+              <a:buNone/>
+            </a:pPr>
+            <a:endParaRPr lang="en" sz="2800" dirty="0"/>
+          </a:p>
+        </p:txBody>
+      </p:sp>
+      <p:sp>
+        <p:nvSpPr>
           <p:cNvPr id="3" name="Slide Number Placeholder 2"/>
           <p:cNvSpPr>
             <a:spLocks noGrp="1"/>
@@ -8490,102 +8048,23 @@
           </a:p>
         </p:txBody>
       </p:sp>
-      <p:sp>
-        <p:nvSpPr>
-          <p:cNvPr id="7" name="Rectangle 6"/>
-          <p:cNvSpPr/>
-          <p:nvPr/>
-        </p:nvSpPr>
-        <p:spPr>
-          <a:xfrm>
-            <a:off x="457200" y="1676400"/>
-            <a:ext cx="7772400" cy="4154983"/>
-          </a:xfrm>
-          <a:prstGeom prst="rect">
-            <a:avLst/>
-          </a:prstGeom>
-        </p:spPr>
-        <p:txBody>
-          <a:bodyPr wrap="square">
-            <a:spAutoFit/>
-          </a:bodyPr>
-          <a:lstStyle/>
-          <a:p>
-            <a:r>
-              <a:rPr lang="en-US" sz="2400" dirty="0" smtClean="0"/>
-              <a:t>What about runs created against more popular but advanced metrics?</a:t>
-            </a:r>
-          </a:p>
-          <a:p>
-            <a:endParaRPr lang="en-US" sz="2400" dirty="0"/>
-          </a:p>
-          <a:p>
-            <a:endParaRPr lang="en-US" sz="2400" dirty="0" smtClean="0"/>
-          </a:p>
-          <a:p>
-            <a:endParaRPr lang="en-US" sz="2400" dirty="0"/>
-          </a:p>
-          <a:p>
-            <a:endParaRPr lang="en-US" sz="2400" dirty="0" smtClean="0"/>
-          </a:p>
-          <a:p>
-            <a:endParaRPr lang="en-US" sz="2400" dirty="0"/>
-          </a:p>
-          <a:p>
-            <a:endParaRPr lang="en-US" sz="2400" dirty="0" smtClean="0"/>
-          </a:p>
-          <a:p>
-            <a:endParaRPr lang="en-US" sz="2400" dirty="0"/>
-          </a:p>
-          <a:p>
-            <a:endParaRPr lang="en-US" sz="2400" dirty="0" smtClean="0"/>
-          </a:p>
-          <a:p>
-            <a:endParaRPr lang="en-US" sz="2400" dirty="0"/>
-          </a:p>
-        </p:txBody>
-      </p:sp>
-      <p:pic>
-        <p:nvPicPr>
-          <p:cNvPr id="2" name="Picture 1"/>
-          <p:cNvPicPr>
-            <a:picLocks noChangeAspect="1"/>
-          </p:cNvPicPr>
-          <p:nvPr/>
-        </p:nvPicPr>
-        <p:blipFill>
-          <a:blip r:embed="rId3"/>
-          <a:stretch>
-            <a:fillRect/>
-          </a:stretch>
-        </p:blipFill>
-        <p:spPr>
-          <a:xfrm>
-            <a:off x="914399" y="2895600"/>
-            <a:ext cx="6882581" cy="1828800"/>
-          </a:xfrm>
-          <a:prstGeom prst="rect">
-            <a:avLst/>
-          </a:prstGeom>
-        </p:spPr>
-      </p:pic>
     </p:spTree>
     <p:extLst>
       <p:ext uri="{BB962C8B-B14F-4D97-AF65-F5344CB8AC3E}">
-        <p14:creationId xmlns:p14="http://schemas.microsoft.com/office/powerpoint/2010/main" val="3098930666"/>
+        <p14:creationId xmlns:p14="http://schemas.microsoft.com/office/powerpoint/2010/main" val="1264647602"/>
       </p:ext>
     </p:extLst>
   </p:cSld>
   <p:clrMapOvr>
     <a:masterClrMapping/>
   </p:clrMapOvr>
-  <p:transition xmlns:p14="http://schemas.microsoft.com/office/powerpoint/2010/main" spd="slow">
+  <p:transition spd="slow">
     <p:cut/>
   </p:transition>
   <p:timing>
     <p:tnLst>
       <p:par>
-        <p:cTn xmlns:p14="http://schemas.microsoft.com/office/powerpoint/2010/main" id="1" dur="indefinite" restart="never" nodeType="tmRoot"/>
+        <p:cTn id="1" dur="indefinite" restart="never" nodeType="tmRoot"/>
       </p:par>
     </p:tnLst>
   </p:timing>
@@ -8646,15 +8125,7 @@
                   <a:schemeClr val="accent1"/>
                 </a:solidFill>
               </a:rPr>
-              <a:t>Ex: Runs </a:t>
-            </a:r>
-            <a:r>
-              <a:rPr lang="en-US" dirty="0" smtClean="0">
-                <a:solidFill>
-                  <a:schemeClr val="accent1"/>
-                </a:solidFill>
-              </a:rPr>
-              <a:t>created</a:t>
+              <a:t>Questions we’ll want to answer</a:t>
             </a:r>
             <a:endParaRPr lang="en" dirty="0">
               <a:solidFill>
@@ -8666,30 +8137,7 @@
       </p:sp>
       <p:sp>
         <p:nvSpPr>
-          <p:cNvPr id="3" name="Slide Number Placeholder 2"/>
-          <p:cNvSpPr>
-            <a:spLocks noGrp="1"/>
-          </p:cNvSpPr>
-          <p:nvPr>
-            <p:ph type="sldNum" sz="quarter" idx="4"/>
-          </p:nvPr>
-        </p:nvSpPr>
-        <p:spPr/>
-        <p:txBody>
-          <a:bodyPr/>
-          <a:lstStyle/>
-          <a:p>
-            <a:fld id="{6A3A0028-2131-4AF4-8ED4-9AC2332E78C8}" type="slidenum">
-              <a:rPr lang="en-US" smtClean="0"/>
-              <a:t>18</a:t>
-            </a:fld>
-            <a:endParaRPr lang="en-US"/>
-          </a:p>
-        </p:txBody>
-      </p:sp>
-      <p:sp>
-        <p:nvSpPr>
-          <p:cNvPr id="6" name="Shape 30"/>
+          <p:cNvPr id="30" name="Shape 30"/>
           <p:cNvSpPr txBox="1">
             <a:spLocks noGrp="1"/>
           </p:cNvSpPr>
@@ -8712,10 +8160,78 @@
           </a:bodyPr>
           <a:lstStyle/>
           <a:p>
-            <a:pPr marL="514350" lvl="0" indent="-514350">
-              <a:buAutoNum type="romanLcParenR"/>
+            <a:pPr lvl="0">
+              <a:buNone/>
             </a:pPr>
             <a:endParaRPr lang="en-US" sz="2800" dirty="0" smtClean="0"/>
+          </a:p>
+          <a:p>
+            <a:pPr>
+              <a:buNone/>
+            </a:pPr>
+            <a:endParaRPr lang="en-US" sz="2800" dirty="0" smtClean="0">
+              <a:solidFill>
+                <a:schemeClr val="accent1"/>
+              </a:solidFill>
+            </a:endParaRPr>
+          </a:p>
+          <a:p>
+            <a:pPr>
+              <a:buNone/>
+            </a:pPr>
+            <a:r>
+              <a:rPr lang="en-US" sz="2800" dirty="0" smtClean="0">
+                <a:solidFill>
+                  <a:schemeClr val="accent1"/>
+                </a:solidFill>
+              </a:rPr>
+              <a:t>1 – Is the metric important to success?</a:t>
+            </a:r>
+          </a:p>
+          <a:p>
+            <a:pPr>
+              <a:buNone/>
+            </a:pPr>
+            <a:r>
+              <a:rPr lang="en-US" sz="2800" dirty="0">
+                <a:solidFill>
+                  <a:schemeClr val="accent1"/>
+                </a:solidFill>
+              </a:rPr>
+              <a:t>	</a:t>
+            </a:r>
+            <a:endParaRPr lang="en-US" sz="2800" dirty="0" smtClean="0">
+              <a:solidFill>
+                <a:schemeClr val="accent1"/>
+              </a:solidFill>
+            </a:endParaRPr>
+          </a:p>
+          <a:p>
+            <a:pPr>
+              <a:buNone/>
+            </a:pPr>
+            <a:r>
+              <a:rPr lang="en-US" sz="2800" dirty="0" smtClean="0"/>
+              <a:t>	</a:t>
+            </a:r>
+            <a:endParaRPr lang="en-US" sz="2800" dirty="0" smtClean="0">
+              <a:solidFill>
+                <a:schemeClr val="accent1"/>
+              </a:solidFill>
+            </a:endParaRPr>
+          </a:p>
+          <a:p>
+            <a:pPr>
+              <a:buNone/>
+            </a:pPr>
+            <a:r>
+              <a:rPr lang="en-US" sz="2800" dirty="0" smtClean="0">
+                <a:solidFill>
+                  <a:schemeClr val="accent1"/>
+                </a:solidFill>
+              </a:rPr>
+              <a:t>2 – How well does the metric measure a player’s contribution?</a:t>
+            </a:r>
           </a:p>
           <a:p>
             <a:pPr>
@@ -8741,61 +8257,75 @@
             <a:pPr>
               <a:buNone/>
             </a:pPr>
-            <a:endParaRPr lang="en-US" sz="2800" dirty="0">
-              <a:solidFill>
-                <a:schemeClr val="accent1"/>
-              </a:solidFill>
-            </a:endParaRPr>
-          </a:p>
-          <a:p>
-            <a:pPr>
+            <a:r>
+              <a:rPr lang="en-US" sz="2800" dirty="0" smtClean="0">
+                <a:solidFill>
+                  <a:schemeClr val="accent1"/>
+                </a:solidFill>
+              </a:rPr>
+              <a:t>3 – Is the metric repeatable? </a:t>
+            </a:r>
+          </a:p>
+          <a:p>
+            <a:pPr lvl="0">
+              <a:buNone/>
+            </a:pPr>
+            <a:endParaRPr lang="en-US" sz="2800" dirty="0" smtClean="0"/>
+          </a:p>
+          <a:p>
+            <a:pPr lvl="0">
+              <a:buNone/>
+            </a:pPr>
+            <a:endParaRPr lang="en-US" sz="2800" dirty="0" smtClean="0"/>
+          </a:p>
+          <a:p>
+            <a:pPr lvl="0">
               <a:buNone/>
             </a:pPr>
             <a:endParaRPr lang="en" sz="2800" dirty="0"/>
           </a:p>
         </p:txBody>
       </p:sp>
-      <p:pic>
-        <p:nvPicPr>
-          <p:cNvPr id="9" name="Picture 8"/>
-          <p:cNvPicPr>
-            <a:picLocks noChangeAspect="1"/>
-          </p:cNvPicPr>
-          <p:nvPr/>
-        </p:nvPicPr>
-        <p:blipFill>
-          <a:blip r:embed="rId3"/>
-          <a:stretch>
-            <a:fillRect/>
-          </a:stretch>
-        </p:blipFill>
-        <p:spPr>
-          <a:xfrm>
-            <a:off x="762000" y="1676400"/>
-            <a:ext cx="4889183" cy="4419600"/>
-          </a:xfrm>
-          <a:prstGeom prst="rect">
-            <a:avLst/>
-          </a:prstGeom>
-        </p:spPr>
-      </p:pic>
+      <p:sp>
+        <p:nvSpPr>
+          <p:cNvPr id="3" name="Slide Number Placeholder 2"/>
+          <p:cNvSpPr>
+            <a:spLocks noGrp="1"/>
+          </p:cNvSpPr>
+          <p:nvPr>
+            <p:ph type="sldNum" sz="quarter" idx="4"/>
+          </p:nvPr>
+        </p:nvSpPr>
+        <p:spPr/>
+        <p:txBody>
+          <a:bodyPr/>
+          <a:lstStyle/>
+          <a:p>
+            <a:fld id="{6A3A0028-2131-4AF4-8ED4-9AC2332E78C8}" type="slidenum">
+              <a:rPr lang="en-US" smtClean="0"/>
+              <a:t>18</a:t>
+            </a:fld>
+            <a:endParaRPr lang="en-US"/>
+          </a:p>
+        </p:txBody>
+      </p:sp>
     </p:spTree>
     <p:extLst>
       <p:ext uri="{BB962C8B-B14F-4D97-AF65-F5344CB8AC3E}">
-        <p14:creationId xmlns:p14="http://schemas.microsoft.com/office/powerpoint/2010/main" val="1977092478"/>
+        <p14:creationId xmlns:p14="http://schemas.microsoft.com/office/powerpoint/2010/main" val="2917005617"/>
       </p:ext>
     </p:extLst>
   </p:cSld>
   <p:clrMapOvr>
     <a:masterClrMapping/>
   </p:clrMapOvr>
-  <p:transition xmlns:p14="http://schemas.microsoft.com/office/powerpoint/2010/main" spd="slow">
+  <p:transition spd="slow">
     <p:cut/>
   </p:transition>
   <p:timing>
     <p:tnLst>
       <p:par>
-        <p:cTn xmlns:p14="http://schemas.microsoft.com/office/powerpoint/2010/main" id="1" dur="indefinite" restart="never" nodeType="tmRoot"/>
+        <p:cTn id="1" dur="indefinite" restart="never" nodeType="tmRoot"/>
       </p:par>
     </p:tnLst>
   </p:timing>
@@ -8902,15 +8432,11 @@
             </a:pPr>
             <a:r>
               <a:rPr lang="en-US" sz="2800" dirty="0" smtClean="0"/>
-              <a:t>Overview of </a:t>
+              <a:t>Variable types &amp; basic data </a:t>
             </a:r>
             <a:r>
               <a:rPr lang="en-US" sz="2800" dirty="0" err="1" smtClean="0"/>
-              <a:t>sabermetrics</a:t>
-            </a:r>
-            <a:r>
-              <a:rPr lang="en-US" sz="2800" dirty="0" smtClean="0"/>
-              <a:t>: What to look for?</a:t>
+              <a:t>viz</a:t>
             </a:r>
             <a:endParaRPr lang="en-US" sz="2800" dirty="0" smtClean="0"/>
           </a:p>
@@ -8920,17 +8446,12 @@
             </a:pPr>
             <a:r>
               <a:rPr lang="en-US" sz="2800" dirty="0" smtClean="0"/>
-              <a:t>Example</a:t>
+              <a:t>Overview </a:t>
             </a:r>
             <a:r>
               <a:rPr lang="en-US" sz="2800" dirty="0" smtClean="0"/>
-              <a:t>: Runs </a:t>
-            </a:r>
-            <a:r>
-              <a:rPr lang="en-US" sz="2800" dirty="0" smtClean="0"/>
-              <a:t>created </a:t>
-            </a:r>
-            <a:endParaRPr lang="en-US" sz="2800" dirty="0" smtClean="0"/>
+              <a:t>of sabermetrics: What to look for?</a:t>
+            </a:r>
           </a:p>
           <a:p>
             <a:pPr marL="514350" lvl="0" indent="-514350">
@@ -8938,7 +8459,20 @@
             </a:pPr>
             <a:r>
               <a:rPr lang="en-US" sz="2800" dirty="0" smtClean="0"/>
-              <a:t>Additional topics after lecture</a:t>
+              <a:t>Example: Runs created </a:t>
+            </a:r>
+          </a:p>
+          <a:p>
+            <a:pPr marL="514350" lvl="0" indent="-514350">
+              <a:buAutoNum type="romanLcParenR"/>
+            </a:pPr>
+            <a:r>
+              <a:rPr lang="en-US" sz="2800" dirty="0" smtClean="0"/>
+              <a:t>Additional </a:t>
+            </a:r>
+            <a:r>
+              <a:rPr lang="en-US" sz="2800" dirty="0" smtClean="0"/>
+              <a:t>topics?</a:t>
             </a:r>
             <a:endParaRPr lang="en-US" sz="2800" dirty="0" smtClean="0"/>
           </a:p>
@@ -9104,7 +8638,7 @@
         </p:nvSpPr>
         <p:spPr>
           <a:xfrm>
-            <a:off x="304800" y="3581400"/>
+            <a:off x="304800" y="3810000"/>
             <a:ext cx="8229600" cy="1143000"/>
           </a:xfrm>
           <a:prstGeom prst="rect">
@@ -9353,7 +8887,7 @@
         </p:nvSpPr>
         <p:spPr>
           <a:xfrm>
-            <a:off x="304800" y="4419600"/>
+            <a:off x="304800" y="4587875"/>
             <a:ext cx="8229600" cy="1524000"/>
           </a:xfrm>
           <a:prstGeom prst="rect">
@@ -9636,16 +9170,16 @@
               <a:buAutoNum type="romanLcParenR"/>
             </a:pPr>
             <a:r>
+              <a:rPr lang="en-US" sz="2800" dirty="0" err="1" smtClean="0"/>
+              <a:t>ggplot</a:t>
+            </a:r>
+            <a:r>
+              <a:rPr lang="en-US" sz="2800" dirty="0"/>
+              <a:t> </a:t>
+            </a:r>
+            <a:r>
               <a:rPr lang="en-US" sz="2800" dirty="0" smtClean="0"/>
-              <a:t>Bivariate tools: scatter plots, </a:t>
-            </a:r>
-            <a:r>
-              <a:rPr lang="en-US" sz="2800" i="1" dirty="0" smtClean="0"/>
-              <a:t>r, </a:t>
-            </a:r>
-            <a:r>
-              <a:rPr lang="en-US" sz="2800" dirty="0" smtClean="0"/>
-              <a:t>R-squared</a:t>
+              <a:t>for graphics</a:t>
             </a:r>
           </a:p>
           <a:p>
@@ -9655,14 +9189,18 @@
             </a:pPr>
             <a:r>
               <a:rPr lang="en-US" sz="2800" dirty="0" smtClean="0"/>
-              <a:t>In-sample versus out-of-sample comparisons</a:t>
-            </a:r>
-          </a:p>
-          <a:p>
-            <a:pPr>
+              <a:t>Numerical summaries</a:t>
+            </a:r>
+          </a:p>
+          <a:p>
+            <a:pPr marL="514350" indent="-514350">
               <a:buFont typeface="Arial"/>
-              <a:buNone/>
+              <a:buAutoNum type="romanLcParenR"/>
             </a:pPr>
+            <a:r>
+              <a:rPr lang="en-US" sz="2800" dirty="0" smtClean="0"/>
+              <a:t>boxplots, histograms, scatter plots</a:t>
+            </a:r>
             <a:endParaRPr lang="en-US" sz="2800" dirty="0" smtClean="0"/>
           </a:p>
           <a:p>
@@ -9714,13 +9252,13 @@
   <p:clrMapOvr>
     <a:masterClrMapping/>
   </p:clrMapOvr>
-  <p:transition xmlns:p14="http://schemas.microsoft.com/office/powerpoint/2010/main" spd="slow">
+  <p:transition spd="slow">
     <p:cut/>
   </p:transition>
   <p:timing>
     <p:tnLst>
       <p:par>
-        <p:cTn xmlns:p14="http://schemas.microsoft.com/office/powerpoint/2010/main" id="1" dur="indefinite" restart="never" nodeType="tmRoot"/>
+        <p:cTn id="1" dur="indefinite" restart="never" nodeType="tmRoot"/>
       </p:par>
     </p:tnLst>
   </p:timing>
@@ -9756,8 +9294,8 @@
         </p:nvSpPr>
         <p:spPr>
           <a:xfrm>
-            <a:off x="457200" y="274637"/>
-            <a:ext cx="8229600" cy="1143000"/>
+            <a:off x="457200" y="304800"/>
+            <a:ext cx="8229600" cy="4648200"/>
           </a:xfrm>
           <a:prstGeom prst="rect">
             <a:avLst/>
@@ -9765,271 +9303,171 @@
         </p:spPr>
         <p:txBody>
           <a:bodyPr lIns="91425" tIns="91425" rIns="91425" bIns="91425" anchor="b" anchorCtr="0">
-            <a:normAutofit/>
+            <a:noAutofit/>
           </a:bodyPr>
           <a:lstStyle/>
           <a:p>
-            <a:pPr>
-              <a:spcBef>
-                <a:spcPts val="0"/>
-              </a:spcBef>
-              <a:buNone/>
-            </a:pPr>
             <a:r>
               <a:rPr lang="en-US" dirty="0" smtClean="0">
                 <a:solidFill>
                   <a:schemeClr val="accent1"/>
                 </a:solidFill>
               </a:rPr>
-              <a:t>What we’ve shown</a:t>
-            </a:r>
-            <a:endParaRPr lang="en" dirty="0">
+              <a:t>Is </a:t>
+            </a:r>
+            <a:r>
+              <a:rPr lang="en-US" dirty="0">
+                <a:solidFill>
+                  <a:schemeClr val="accent1"/>
+                </a:solidFill>
+              </a:rPr>
+              <a:t>the metric </a:t>
+            </a:r>
+            <a:r>
+              <a:rPr lang="en-US" dirty="0" smtClean="0">
+                <a:solidFill>
+                  <a:schemeClr val="accent1"/>
+                </a:solidFill>
+              </a:rPr>
+              <a:t>important </a:t>
+            </a:r>
+            <a:r>
+              <a:rPr lang="en-US" dirty="0">
+                <a:solidFill>
+                  <a:schemeClr val="accent1"/>
+                </a:solidFill>
+              </a:rPr>
+              <a:t>to success</a:t>
+            </a:r>
+            <a:r>
+              <a:rPr lang="en-US" dirty="0" smtClean="0">
+                <a:solidFill>
+                  <a:schemeClr val="accent1"/>
+                </a:solidFill>
+              </a:rPr>
+              <a:t>?</a:t>
+            </a:r>
+            <a:r>
+              <a:rPr lang="en-US" dirty="0"/>
+              <a:t/>
+            </a:r>
+            <a:br>
+              <a:rPr lang="en-US" dirty="0"/>
+            </a:br>
+            <a:r>
+              <a:rPr lang="en-US" dirty="0" smtClean="0"/>
+              <a:t/>
+            </a:r>
+            <a:br>
+              <a:rPr lang="en-US" dirty="0" smtClean="0"/>
+            </a:br>
+            <a:r>
+              <a:rPr lang="en-US" dirty="0" smtClean="0"/>
+              <a:t>	</a:t>
+            </a:r>
+            <a:r>
+              <a:rPr lang="en-US" sz="2400" b="0" dirty="0" smtClean="0"/>
+              <a:t>What’s “important?” What’s “success?”</a:t>
+            </a:r>
+            <a:br>
+              <a:rPr lang="en-US" sz="2400" b="0" dirty="0" smtClean="0"/>
+            </a:br>
+            <a:r>
+              <a:rPr lang="en-US" sz="2400" b="0" dirty="0" smtClean="0"/>
+              <a:t/>
+            </a:r>
+            <a:br>
+              <a:rPr lang="en-US" sz="2400" b="0" dirty="0" smtClean="0"/>
+            </a:br>
+            <a:r>
+              <a:rPr lang="en-US" sz="2400" b="0" dirty="0"/>
+              <a:t>	</a:t>
+            </a:r>
+            <a:r>
+              <a:rPr lang="en-US" sz="2400" b="0" dirty="0" smtClean="0"/>
+              <a:t>-Examples</a:t>
+            </a:r>
+            <a:r>
+              <a:rPr lang="en-US" sz="2400" b="0" dirty="0"/>
+              <a:t> </a:t>
+            </a:r>
+            <a:r>
+              <a:rPr lang="en-US" sz="2400" b="0" dirty="0" smtClean="0"/>
+              <a:t>in baseball</a:t>
+            </a:r>
+            <a:br>
+              <a:rPr lang="en-US" sz="2400" b="0" dirty="0" smtClean="0"/>
+            </a:br>
+            <a:r>
+              <a:rPr lang="en-US" sz="2400" b="0" dirty="0"/>
+              <a:t/>
+            </a:r>
+            <a:br>
+              <a:rPr lang="en-US" sz="2400" b="0" dirty="0"/>
+            </a:br>
+            <a:r>
+              <a:rPr lang="en-US" sz="2400" b="0" dirty="0" smtClean="0"/>
+              <a:t>	Stolen bases	 		Batting </a:t>
+            </a:r>
+            <a:r>
+              <a:rPr lang="en-US" sz="2400" b="0" dirty="0"/>
+              <a:t>a</a:t>
+            </a:r>
+            <a:r>
+              <a:rPr lang="en-US" sz="2400" b="0" dirty="0" smtClean="0"/>
+              <a:t>verage	Home runs</a:t>
+            </a:r>
+            <a:r>
+              <a:rPr lang="en-US" sz="2400" b="0" dirty="0"/>
+              <a:t>	</a:t>
+            </a:r>
+            <a:r>
+              <a:rPr lang="en-US" sz="2400" b="0" dirty="0" smtClean="0"/>
+              <a:t>		Walks</a:t>
+            </a:r>
+            <a:r>
+              <a:rPr lang="en-US" sz="2400" b="0" dirty="0"/>
+              <a:t/>
+            </a:r>
+            <a:br>
+              <a:rPr lang="en-US" sz="2400" b="0" dirty="0"/>
+            </a:br>
+            <a:r>
+              <a:rPr lang="en-US" sz="2400" b="0" dirty="0"/>
+              <a:t>	RBIs</a:t>
+            </a:r>
+            <a:r>
+              <a:rPr lang="en-US" sz="2400" b="0" dirty="0" smtClean="0"/>
+              <a:t>	</a:t>
+            </a:r>
+            <a:r>
+              <a:rPr lang="en-US" sz="2400" b="0" dirty="0"/>
+              <a:t>			</a:t>
+            </a:r>
+            <a:r>
+              <a:rPr lang="en-US" sz="2400" b="0" dirty="0" smtClean="0"/>
+              <a:t>Slugging percentage</a:t>
+            </a:r>
+            <a:r>
+              <a:rPr lang="en-US" sz="2400" b="0" dirty="0"/>
+              <a:t/>
+            </a:r>
+            <a:br>
+              <a:rPr lang="en-US" sz="2400" b="0" dirty="0"/>
+            </a:br>
+            <a:r>
+              <a:rPr lang="en-US" sz="2400" b="0" dirty="0"/>
+              <a:t>	</a:t>
+            </a:r>
+            <a:r>
+              <a:rPr lang="en-US" sz="2400" b="0" dirty="0" smtClean="0"/>
+              <a:t>						</a:t>
+            </a:r>
+            <a:endParaRPr lang="en-US" sz="2400" b="0" dirty="0">
               <a:solidFill>
                 <a:schemeClr val="accent1"/>
               </a:solidFill>
             </a:endParaRPr>
-          </a:p>
-        </p:txBody>
-      </p:sp>
-      <p:sp>
-        <p:nvSpPr>
-          <p:cNvPr id="30" name="Shape 30"/>
-          <p:cNvSpPr txBox="1">
-            <a:spLocks noGrp="1"/>
-          </p:cNvSpPr>
-          <p:nvPr>
-            <p:ph type="body" idx="1"/>
-          </p:nvPr>
-        </p:nvSpPr>
-        <p:spPr>
-          <a:xfrm>
-            <a:off x="457200" y="1143000"/>
-            <a:ext cx="8229600" cy="2057400"/>
-          </a:xfrm>
-          <a:prstGeom prst="rect">
-            <a:avLst/>
-          </a:prstGeom>
-        </p:spPr>
-        <p:txBody>
-          <a:bodyPr lIns="91425" tIns="91425" rIns="91425" bIns="91425" anchor="t" anchorCtr="0">
-            <a:noAutofit/>
-          </a:bodyPr>
-          <a:lstStyle/>
-          <a:p>
-            <a:pPr lvl="0">
-              <a:buNone/>
-            </a:pPr>
-            <a:endParaRPr lang="en-US" sz="2800" dirty="0" smtClean="0"/>
-          </a:p>
-          <a:p>
-            <a:pPr>
-              <a:buNone/>
-            </a:pPr>
-            <a:r>
-              <a:rPr lang="en-US" sz="2800" dirty="0" smtClean="0">
-                <a:solidFill>
-                  <a:schemeClr val="accent1"/>
-                </a:solidFill>
-              </a:rPr>
-              <a:t>1 </a:t>
-            </a:r>
-            <a:r>
-              <a:rPr lang="en-US" sz="2800" dirty="0" smtClean="0">
-                <a:solidFill>
-                  <a:schemeClr val="accent1"/>
-                </a:solidFill>
-              </a:rPr>
-              <a:t>– Is </a:t>
-            </a:r>
-            <a:r>
-              <a:rPr lang="en-US" sz="2800" dirty="0" smtClean="0">
-                <a:solidFill>
-                  <a:schemeClr val="accent1"/>
-                </a:solidFill>
-              </a:rPr>
-              <a:t>runs created important </a:t>
-            </a:r>
-            <a:r>
-              <a:rPr lang="en-US" sz="2800" dirty="0" smtClean="0">
-                <a:solidFill>
-                  <a:schemeClr val="accent1"/>
-                </a:solidFill>
-              </a:rPr>
-              <a:t>to success</a:t>
-            </a:r>
-            <a:r>
-              <a:rPr lang="en-US" sz="2800" dirty="0" smtClean="0">
-                <a:solidFill>
-                  <a:schemeClr val="accent1"/>
-                </a:solidFill>
-              </a:rPr>
-              <a:t>?</a:t>
-            </a:r>
-          </a:p>
-          <a:p>
-            <a:pPr>
-              <a:buNone/>
-            </a:pPr>
-            <a:r>
-              <a:rPr lang="en-US" sz="2800" dirty="0" smtClean="0">
-                <a:solidFill>
-                  <a:schemeClr val="accent1"/>
-                </a:solidFill>
-              </a:rPr>
-              <a:t>	</a:t>
-            </a:r>
-            <a:r>
-              <a:rPr lang="en-US" sz="2800" dirty="0" smtClean="0"/>
-              <a:t>-Yes. Strong link to team runs</a:t>
-            </a:r>
-            <a:endParaRPr lang="en-US" sz="2800" dirty="0" smtClean="0">
-              <a:solidFill>
-                <a:schemeClr val="accent1"/>
-              </a:solidFill>
-            </a:endParaRPr>
-          </a:p>
-          <a:p>
-            <a:pPr>
-              <a:buNone/>
-            </a:pPr>
-            <a:r>
-              <a:rPr lang="en-US" sz="2800" dirty="0">
-                <a:solidFill>
-                  <a:schemeClr val="accent1"/>
-                </a:solidFill>
-              </a:rPr>
-              <a:t>	</a:t>
-            </a:r>
-            <a:endParaRPr lang="en-US" sz="2800" dirty="0" smtClean="0">
-              <a:solidFill>
-                <a:schemeClr val="accent1"/>
-              </a:solidFill>
-            </a:endParaRPr>
-          </a:p>
-          <a:p>
-            <a:pPr>
-              <a:buNone/>
-            </a:pPr>
-            <a:r>
-              <a:rPr lang="en-US" sz="2800" dirty="0" smtClean="0">
-                <a:solidFill>
-                  <a:schemeClr val="accent1"/>
-                </a:solidFill>
-              </a:rPr>
-              <a:t>2 – How well does the metric measure a player’s contribution?</a:t>
-            </a:r>
-          </a:p>
-          <a:p>
-            <a:pPr>
-              <a:buNone/>
-            </a:pPr>
-            <a:r>
-              <a:rPr lang="en-US" sz="2800" dirty="0" smtClean="0">
-                <a:solidFill>
-                  <a:schemeClr val="accent1"/>
-                </a:solidFill>
-              </a:rPr>
-              <a:t>	</a:t>
-            </a:r>
-            <a:r>
-              <a:rPr lang="en-US" sz="2800" dirty="0" smtClean="0"/>
-              <a:t>-Pretty well. Other advanced formulas exist </a:t>
-            </a:r>
-            <a:r>
-              <a:rPr lang="en-US" sz="2800" dirty="0">
-                <a:solidFill>
-                  <a:schemeClr val="accent1"/>
-                </a:solidFill>
-              </a:rPr>
-              <a:t>	</a:t>
-            </a:r>
-            <a:r>
-              <a:rPr lang="en-US" sz="2800" dirty="0" smtClean="0"/>
-              <a:t>-Adjustments possible</a:t>
-            </a:r>
-            <a:endParaRPr lang="en-US" sz="2800" dirty="0">
-              <a:solidFill>
-                <a:schemeClr val="accent1"/>
-              </a:solidFill>
-            </a:endParaRPr>
-          </a:p>
-          <a:p>
-            <a:pPr>
-              <a:buNone/>
-            </a:pPr>
-            <a:endParaRPr lang="en-US" sz="2800" dirty="0" smtClean="0">
-              <a:solidFill>
-                <a:schemeClr val="accent1"/>
-              </a:solidFill>
-            </a:endParaRPr>
-          </a:p>
-          <a:p>
-            <a:pPr>
-              <a:buNone/>
-            </a:pPr>
-            <a:r>
-              <a:rPr lang="en-US" sz="2800" dirty="0" smtClean="0">
-                <a:solidFill>
-                  <a:schemeClr val="accent1"/>
-                </a:solidFill>
-              </a:rPr>
-              <a:t>3 – Is the metric repeatable? </a:t>
-            </a:r>
-            <a:endParaRPr lang="en-US" sz="2800" dirty="0" smtClean="0">
-              <a:solidFill>
-                <a:schemeClr val="accent1"/>
-              </a:solidFill>
-            </a:endParaRPr>
-          </a:p>
-          <a:p>
-            <a:pPr>
-              <a:buNone/>
-            </a:pPr>
-            <a:r>
-              <a:rPr lang="en-US" sz="2800" dirty="0">
-                <a:solidFill>
-                  <a:schemeClr val="accent1"/>
-                </a:solidFill>
-              </a:rPr>
-              <a:t>	</a:t>
-            </a:r>
-            <a:r>
-              <a:rPr lang="en-US" sz="2800" dirty="0" smtClean="0"/>
-              <a:t>-Let’s find out</a:t>
-            </a:r>
-            <a:endParaRPr lang="en-US" sz="2800" dirty="0">
-              <a:solidFill>
-                <a:schemeClr val="accent1"/>
-              </a:solidFill>
-            </a:endParaRPr>
-          </a:p>
-          <a:p>
-            <a:pPr>
-              <a:buNone/>
-            </a:pPr>
-            <a:endParaRPr lang="en-US" sz="2800" dirty="0" smtClean="0">
-              <a:solidFill>
-                <a:schemeClr val="accent1"/>
-              </a:solidFill>
-            </a:endParaRPr>
-          </a:p>
-          <a:p>
-            <a:pPr lvl="0">
-              <a:buNone/>
-            </a:pPr>
-            <a:endParaRPr lang="en-US" sz="2800" dirty="0" smtClean="0"/>
-          </a:p>
-          <a:p>
-            <a:pPr lvl="0">
-              <a:buNone/>
-            </a:pPr>
-            <a:endParaRPr lang="en-US" sz="2800" dirty="0" smtClean="0"/>
-          </a:p>
-          <a:p>
-            <a:pPr lvl="0">
-              <a:buNone/>
-            </a:pPr>
-            <a:endParaRPr lang="en" sz="2800" dirty="0"/>
           </a:p>
         </p:txBody>
       </p:sp>
@@ -10059,20 +9497,20 @@
     </p:spTree>
     <p:extLst>
       <p:ext uri="{BB962C8B-B14F-4D97-AF65-F5344CB8AC3E}">
-        <p14:creationId xmlns:p14="http://schemas.microsoft.com/office/powerpoint/2010/main" val="3517302817"/>
+        <p14:creationId xmlns:p14="http://schemas.microsoft.com/office/powerpoint/2010/main" val="1866563774"/>
       </p:ext>
     </p:extLst>
   </p:cSld>
   <p:clrMapOvr>
     <a:masterClrMapping/>
   </p:clrMapOvr>
-  <p:transition xmlns:p14="http://schemas.microsoft.com/office/powerpoint/2010/main" spd="slow">
+  <p:transition spd="slow">
     <p:cut/>
   </p:transition>
   <p:timing>
     <p:tnLst>
       <p:par>
-        <p:cTn xmlns:p14="http://schemas.microsoft.com/office/powerpoint/2010/main" id="1" dur="indefinite" restart="never" nodeType="tmRoot"/>
+        <p:cTn id="1" dur="indefinite" restart="never" nodeType="tmRoot"/>
       </p:par>
     </p:tnLst>
   </p:timing>
@@ -10108,8 +9546,8 @@
         </p:nvSpPr>
         <p:spPr>
           <a:xfrm>
-            <a:off x="457200" y="274637"/>
-            <a:ext cx="8229600" cy="1143000"/>
+            <a:off x="457200" y="609600"/>
+            <a:ext cx="8229600" cy="5867400"/>
           </a:xfrm>
           <a:prstGeom prst="rect">
             <a:avLst/>
@@ -10117,7 +9555,7 @@
         </p:spPr>
         <p:txBody>
           <a:bodyPr lIns="91425" tIns="91425" rIns="91425" bIns="91425" anchor="b" anchorCtr="0">
-            <a:normAutofit/>
+            <a:noAutofit/>
           </a:bodyPr>
           <a:lstStyle/>
           <a:p>
@@ -10127,142 +9565,138 @@
                   <a:schemeClr val="accent1"/>
                 </a:solidFill>
               </a:rPr>
-              <a:t>Ex: Runs created</a:t>
-            </a:r>
-            <a:endParaRPr lang="en" dirty="0">
+              <a:t>How well does the metric measure a player’s contribution</a:t>
+            </a:r>
+            <a:r>
+              <a:rPr lang="en-US" dirty="0" smtClean="0">
+                <a:solidFill>
+                  <a:schemeClr val="accent1"/>
+                </a:solidFill>
+              </a:rPr>
+              <a:t>?</a:t>
+            </a:r>
+            <a:r>
+              <a:rPr lang="en-US" sz="2400" b="0" dirty="0" smtClean="0"/>
+              <a:t/>
+            </a:r>
+            <a:br>
+              <a:rPr lang="en-US" sz="2400" b="0" dirty="0" smtClean="0"/>
+            </a:br>
+            <a:r>
+              <a:rPr lang="en-US" sz="2400" b="0" dirty="0"/>
+              <a:t/>
+            </a:r>
+            <a:br>
+              <a:rPr lang="en-US" sz="2400" b="0" dirty="0"/>
+            </a:br>
+            <a:r>
+              <a:rPr lang="en-US" sz="2400" b="0" dirty="0" smtClean="0"/>
+              <a:t>	Stolen bases	 		Batting average	Home runs</a:t>
+            </a:r>
+            <a:r>
+              <a:rPr lang="en-US" sz="2400" b="0" dirty="0"/>
+              <a:t>	</a:t>
+            </a:r>
+            <a:r>
+              <a:rPr lang="en-US" sz="2400" b="0" dirty="0" smtClean="0"/>
+              <a:t>		Walks</a:t>
+            </a:r>
+            <a:r>
+              <a:rPr lang="en-US" sz="2400" b="0" dirty="0"/>
+              <a:t/>
+            </a:r>
+            <a:br>
+              <a:rPr lang="en-US" sz="2400" b="0" dirty="0"/>
+            </a:br>
+            <a:r>
+              <a:rPr lang="en-US" sz="2400" b="0" dirty="0"/>
+              <a:t>	</a:t>
+            </a:r>
+            <a:r>
+              <a:rPr lang="en-US" sz="2400" b="0" dirty="0" smtClean="0"/>
+              <a:t>RBIs			</a:t>
+            </a:r>
+            <a:r>
+              <a:rPr lang="en-US" sz="2400" b="0" dirty="0"/>
+              <a:t>	</a:t>
+            </a:r>
+            <a:r>
+              <a:rPr lang="en-US" sz="2400" b="0" dirty="0" smtClean="0"/>
+              <a:t>Slugging percentage</a:t>
+            </a:r>
+            <a:r>
+              <a:rPr lang="en-US" sz="2400" b="0" dirty="0"/>
+              <a:t/>
+            </a:r>
+            <a:br>
+              <a:rPr lang="en-US" sz="2400" b="0" dirty="0"/>
+            </a:br>
+            <a:r>
+              <a:rPr lang="en-US" sz="2400" b="0" dirty="0"/>
+              <a:t>	</a:t>
+            </a:r>
+            <a:r>
+              <a:rPr lang="en-US" sz="2400" b="0" dirty="0" smtClean="0"/>
+              <a:t>	</a:t>
+            </a:r>
+            <a:br>
+              <a:rPr lang="en-US" sz="2400" b="0" dirty="0" smtClean="0"/>
+            </a:br>
+            <a:r>
+              <a:rPr lang="en-US" sz="2400" b="0" dirty="0" smtClean="0"/>
+              <a:t>Which are impacted by a player’s teammates?</a:t>
+            </a:r>
+            <a:br>
+              <a:rPr lang="en-US" sz="2400" b="0" dirty="0" smtClean="0"/>
+            </a:br>
+            <a:r>
+              <a:rPr lang="en-US" sz="2400" b="0" dirty="0" smtClean="0"/>
+              <a:t/>
+            </a:r>
+            <a:br>
+              <a:rPr lang="en-US" sz="2400" b="0" dirty="0" smtClean="0"/>
+            </a:br>
+            <a:r>
+              <a:rPr lang="en-US" sz="2400" b="0" dirty="0" smtClean="0"/>
+              <a:t>Which are impacted by a player’s ballpark?</a:t>
+            </a:r>
+            <a:br>
+              <a:rPr lang="en-US" sz="2400" b="0" dirty="0" smtClean="0"/>
+            </a:br>
+            <a:r>
+              <a:rPr lang="en-US" sz="2400" b="0" dirty="0" smtClean="0"/>
+              <a:t/>
+            </a:r>
+            <a:br>
+              <a:rPr lang="en-US" sz="2400" b="0" dirty="0" smtClean="0"/>
+            </a:br>
+            <a:r>
+              <a:rPr lang="en-US" sz="2400" b="0" dirty="0" smtClean="0"/>
+              <a:t>Which are impacted by a player’s coach?	</a:t>
+            </a:r>
+            <a:br>
+              <a:rPr lang="en-US" sz="2400" b="0" dirty="0" smtClean="0"/>
+            </a:br>
+            <a:r>
+              <a:rPr lang="en-US" sz="2400" b="0" dirty="0" smtClean="0"/>
+              <a:t/>
+            </a:r>
+            <a:br>
+              <a:rPr lang="en-US" sz="2400" b="0" dirty="0" smtClean="0"/>
+            </a:br>
+            <a:r>
+              <a:rPr lang="en-US" sz="2400" b="0" dirty="0" smtClean="0"/>
+              <a:t>Which are impacted by a player’s era?	</a:t>
+            </a:r>
+            <a:r>
+              <a:rPr lang="en-US" sz="2400" b="0" dirty="0" smtClean="0"/>
+              <a:t>			</a:t>
+            </a:r>
+            <a:endParaRPr lang="en-US" sz="2400" b="0" dirty="0">
               <a:solidFill>
                 <a:schemeClr val="accent1"/>
               </a:solidFill>
             </a:endParaRPr>
-          </a:p>
-        </p:txBody>
-      </p:sp>
-      <p:sp>
-        <p:nvSpPr>
-          <p:cNvPr id="30" name="Shape 30"/>
-          <p:cNvSpPr txBox="1">
-            <a:spLocks noGrp="1"/>
-          </p:cNvSpPr>
-          <p:nvPr>
-            <p:ph type="body" idx="1"/>
-          </p:nvPr>
-        </p:nvSpPr>
-        <p:spPr>
-          <a:xfrm>
-            <a:off x="457200" y="1143000"/>
-            <a:ext cx="8229600" cy="2057400"/>
-          </a:xfrm>
-          <a:prstGeom prst="rect">
-            <a:avLst/>
-          </a:prstGeom>
-        </p:spPr>
-        <p:txBody>
-          <a:bodyPr lIns="91425" tIns="91425" rIns="91425" bIns="91425" anchor="t" anchorCtr="0">
-            <a:noAutofit/>
-          </a:bodyPr>
-          <a:lstStyle/>
-          <a:p>
-            <a:pPr lvl="0">
-              <a:buNone/>
-            </a:pPr>
-            <a:endParaRPr lang="en-US" sz="2800" dirty="0" smtClean="0"/>
-          </a:p>
-          <a:p>
-            <a:pPr>
-              <a:buNone/>
-            </a:pPr>
-            <a:r>
-              <a:rPr lang="en-US" sz="2800" dirty="0" smtClean="0">
-                <a:solidFill>
-                  <a:schemeClr val="accent1"/>
-                </a:solidFill>
-              </a:rPr>
-              <a:t>3 </a:t>
-            </a:r>
-            <a:r>
-              <a:rPr lang="en-US" sz="2800" dirty="0" smtClean="0">
-                <a:solidFill>
-                  <a:schemeClr val="accent1"/>
-                </a:solidFill>
-              </a:rPr>
-              <a:t>– Is the metric repeatable</a:t>
-            </a:r>
-            <a:r>
-              <a:rPr lang="en-US" sz="2800" dirty="0" smtClean="0">
-                <a:solidFill>
-                  <a:schemeClr val="accent1"/>
-                </a:solidFill>
-              </a:rPr>
-              <a:t>?</a:t>
-            </a:r>
-          </a:p>
-          <a:p>
-            <a:pPr>
-              <a:buNone/>
-            </a:pPr>
-            <a:endParaRPr lang="en-US" sz="2800" dirty="0" smtClean="0"/>
-          </a:p>
-          <a:p>
-            <a:pPr algn="ctr">
-              <a:buNone/>
-            </a:pPr>
-            <a:r>
-              <a:rPr lang="en-US" sz="2400" dirty="0" smtClean="0">
-                <a:solidFill>
-                  <a:schemeClr val="tx1"/>
-                </a:solidFill>
-              </a:rPr>
-              <a:t>Explanatory power vs. Predictive power</a:t>
-            </a:r>
-            <a:r>
-              <a:rPr lang="en-US" sz="2400" dirty="0" smtClean="0">
-                <a:solidFill>
-                  <a:schemeClr val="tx1"/>
-                </a:solidFill>
-              </a:rPr>
-              <a:t> </a:t>
-            </a:r>
-          </a:p>
-          <a:p>
-            <a:pPr>
-              <a:buNone/>
-            </a:pPr>
-            <a:r>
-              <a:rPr lang="en-US" sz="2800" dirty="0">
-                <a:solidFill>
-                  <a:schemeClr val="accent1"/>
-                </a:solidFill>
-              </a:rPr>
-              <a:t>	</a:t>
-            </a:r>
-          </a:p>
-          <a:p>
-            <a:pPr>
-              <a:buNone/>
-            </a:pPr>
-            <a:endParaRPr lang="en-US" sz="2800" dirty="0" smtClean="0">
-              <a:solidFill>
-                <a:schemeClr val="accent1"/>
-              </a:solidFill>
-            </a:endParaRPr>
-          </a:p>
-          <a:p>
-            <a:pPr lvl="0">
-              <a:buNone/>
-            </a:pPr>
-            <a:endParaRPr lang="en-US" sz="2800" dirty="0" smtClean="0"/>
-          </a:p>
-          <a:p>
-            <a:pPr lvl="0">
-              <a:buNone/>
-            </a:pPr>
-            <a:endParaRPr lang="en-US" sz="2800" dirty="0" smtClean="0"/>
-          </a:p>
-          <a:p>
-            <a:pPr lvl="0">
-              <a:buNone/>
-            </a:pPr>
-            <a:endParaRPr lang="en" sz="2800" dirty="0"/>
           </a:p>
         </p:txBody>
       </p:sp>
@@ -10292,20 +9726,20 @@
     </p:spTree>
     <p:extLst>
       <p:ext uri="{BB962C8B-B14F-4D97-AF65-F5344CB8AC3E}">
-        <p14:creationId xmlns:p14="http://schemas.microsoft.com/office/powerpoint/2010/main" val="1298831819"/>
+        <p14:creationId xmlns:p14="http://schemas.microsoft.com/office/powerpoint/2010/main" val="726541758"/>
       </p:ext>
     </p:extLst>
   </p:cSld>
   <p:clrMapOvr>
     <a:masterClrMapping/>
   </p:clrMapOvr>
-  <p:transition xmlns:p14="http://schemas.microsoft.com/office/powerpoint/2010/main" spd="slow">
+  <p:transition spd="slow">
     <p:cut/>
   </p:transition>
   <p:timing>
     <p:tnLst>
       <p:par>
-        <p:cTn xmlns:p14="http://schemas.microsoft.com/office/powerpoint/2010/main" id="1" dur="indefinite" restart="never" nodeType="tmRoot"/>
+        <p:cTn id="1" dur="indefinite" restart="never" nodeType="tmRoot"/>
       </p:par>
     </p:tnLst>
   </p:timing>
@@ -10341,8 +9775,8 @@
         </p:nvSpPr>
         <p:spPr>
           <a:xfrm>
-            <a:off x="457200" y="274637"/>
-            <a:ext cx="8229600" cy="1143000"/>
+            <a:off x="457200" y="0"/>
+            <a:ext cx="8229600" cy="5334000"/>
           </a:xfrm>
           <a:prstGeom prst="rect">
             <a:avLst/>
@@ -10350,125 +9784,141 @@
         </p:spPr>
         <p:txBody>
           <a:bodyPr lIns="91425" tIns="91425" rIns="91425" bIns="91425" anchor="b" anchorCtr="0">
-            <a:normAutofit/>
+            <a:noAutofit/>
           </a:bodyPr>
           <a:lstStyle/>
           <a:p>
             <a:r>
+              <a:rPr lang="en-US" dirty="0" smtClean="0">
+                <a:solidFill>
+                  <a:schemeClr val="accent1"/>
+                </a:solidFill>
+              </a:rPr>
+              <a:t>Is the metric repeatable?</a:t>
+            </a:r>
+            <a:r>
               <a:rPr lang="en-US" dirty="0">
                 <a:solidFill>
                   <a:schemeClr val="accent1"/>
                 </a:solidFill>
               </a:rPr>
-              <a:t>Ex: Runs created</a:t>
-            </a:r>
-            <a:endParaRPr lang="en" dirty="0">
+              <a:t/>
+            </a:r>
+            <a:br>
+              <a:rPr lang="en-US" dirty="0">
+                <a:solidFill>
+                  <a:schemeClr val="accent1"/>
+                </a:solidFill>
+              </a:rPr>
+            </a:br>
+            <a:r>
+              <a:rPr lang="en-US" sz="2400" b="0" dirty="0" smtClean="0"/>
+              <a:t/>
+            </a:r>
+            <a:br>
+              <a:rPr lang="en-US" sz="2400" b="0" dirty="0" smtClean="0"/>
+            </a:br>
+            <a:r>
+              <a:rPr lang="en-US" sz="2400" b="0" dirty="0" smtClean="0"/>
+              <a:t>	Stolen bases	 		Batting average	Home runs</a:t>
+            </a:r>
+            <a:r>
+              <a:rPr lang="en-US" sz="2400" b="0" dirty="0"/>
+              <a:t>	</a:t>
+            </a:r>
+            <a:r>
+              <a:rPr lang="en-US" sz="2400" b="0" dirty="0" smtClean="0"/>
+              <a:t>		Walks</a:t>
+            </a:r>
+            <a:r>
+              <a:rPr lang="en-US" sz="2400" b="0" dirty="0"/>
+              <a:t/>
+            </a:r>
+            <a:br>
+              <a:rPr lang="en-US" sz="2400" b="0" dirty="0"/>
+            </a:br>
+            <a:r>
+              <a:rPr lang="en-US" sz="2400" b="0" dirty="0"/>
+              <a:t>	RBIs</a:t>
+            </a:r>
+            <a:r>
+              <a:rPr lang="en-US" sz="2400" b="0" dirty="0" smtClean="0"/>
+              <a:t>			</a:t>
+            </a:r>
+            <a:r>
+              <a:rPr lang="en-US" sz="2400" b="0" dirty="0"/>
+              <a:t>	</a:t>
+            </a:r>
+            <a:r>
+              <a:rPr lang="en-US" sz="2400" b="0" dirty="0" smtClean="0"/>
+              <a:t>Slugging percentage</a:t>
+            </a:r>
+            <a:r>
+              <a:rPr lang="en-US" sz="2400" b="0" dirty="0"/>
+              <a:t/>
+            </a:r>
+            <a:br>
+              <a:rPr lang="en-US" sz="2400" b="0" dirty="0"/>
+            </a:br>
+            <a:r>
+              <a:rPr lang="en-US" sz="2400" b="0" dirty="0"/>
+              <a:t>	</a:t>
+            </a:r>
+            <a:r>
+              <a:rPr lang="en-US" sz="2400" b="0" dirty="0" smtClean="0"/>
+              <a:t>	</a:t>
+            </a:r>
+            <a:br>
+              <a:rPr lang="en-US" sz="2400" b="0" dirty="0" smtClean="0"/>
+            </a:br>
+            <a:r>
+              <a:rPr lang="en-US" sz="2400" b="0" dirty="0" smtClean="0"/>
+              <a:t>How to judge repeatable?</a:t>
+            </a:r>
+            <a:br>
+              <a:rPr lang="en-US" sz="2400" b="0" dirty="0" smtClean="0"/>
+            </a:br>
+            <a:r>
+              <a:rPr lang="en-US" sz="2400" b="0" dirty="0"/>
+              <a:t/>
+            </a:r>
+            <a:br>
+              <a:rPr lang="en-US" sz="2400" b="0" dirty="0"/>
+            </a:br>
+            <a:r>
+              <a:rPr lang="en-US" sz="2400" b="0" dirty="0" smtClean="0"/>
+              <a:t>Why is repeatability (?) important?</a:t>
+            </a:r>
+            <a:br>
+              <a:rPr lang="en-US" sz="2400" b="0" dirty="0" smtClean="0"/>
+            </a:br>
+            <a:r>
+              <a:rPr lang="en-US" sz="2400" b="0" dirty="0" smtClean="0"/>
+              <a:t/>
+            </a:r>
+            <a:br>
+              <a:rPr lang="en-US" sz="2400" b="0" dirty="0" smtClean="0"/>
+            </a:br>
+            <a:r>
+              <a:rPr lang="en-US" sz="2400" b="0" dirty="0" smtClean="0"/>
+              <a:t>How does sample size fit in?</a:t>
+            </a:r>
+            <a:r>
+              <a:rPr lang="en-US" sz="2400" b="0" dirty="0"/>
+              <a:t/>
+            </a:r>
+            <a:br>
+              <a:rPr lang="en-US" sz="2400" b="0" dirty="0"/>
+            </a:br>
+            <a:r>
+              <a:rPr lang="en-US" sz="2400" b="0" dirty="0" smtClean="0"/>
+              <a:t>					</a:t>
+            </a:r>
+            <a:endParaRPr lang="en-US" sz="2400" b="0" dirty="0">
               <a:solidFill>
                 <a:schemeClr val="accent1"/>
               </a:solidFill>
             </a:endParaRPr>
-          </a:p>
-        </p:txBody>
-      </p:sp>
-      <p:sp>
-        <p:nvSpPr>
-          <p:cNvPr id="30" name="Shape 30"/>
-          <p:cNvSpPr txBox="1">
-            <a:spLocks noGrp="1"/>
-          </p:cNvSpPr>
-          <p:nvPr>
-            <p:ph type="body" idx="1"/>
-          </p:nvPr>
-        </p:nvSpPr>
-        <p:spPr>
-          <a:xfrm>
-            <a:off x="457200" y="1143000"/>
-            <a:ext cx="8229600" cy="1447800"/>
-          </a:xfrm>
-          <a:prstGeom prst="rect">
-            <a:avLst/>
-          </a:prstGeom>
-        </p:spPr>
-        <p:txBody>
-          <a:bodyPr lIns="91425" tIns="91425" rIns="91425" bIns="91425" anchor="t" anchorCtr="0">
-            <a:noAutofit/>
-          </a:bodyPr>
-          <a:lstStyle/>
-          <a:p>
-            <a:pPr lvl="0">
-              <a:buNone/>
-            </a:pPr>
-            <a:endParaRPr lang="en-US" sz="2800" dirty="0" smtClean="0"/>
-          </a:p>
-          <a:p>
-            <a:pPr>
-              <a:buNone/>
-            </a:pPr>
-            <a:r>
-              <a:rPr lang="en-US" sz="2800" dirty="0" smtClean="0">
-                <a:solidFill>
-                  <a:schemeClr val="accent1"/>
-                </a:solidFill>
-              </a:rPr>
-              <a:t>3 </a:t>
-            </a:r>
-            <a:r>
-              <a:rPr lang="en-US" sz="2800" dirty="0" smtClean="0">
-                <a:solidFill>
-                  <a:schemeClr val="accent1"/>
-                </a:solidFill>
-              </a:rPr>
-              <a:t>– Is the metric repeatable</a:t>
-            </a:r>
-            <a:r>
-              <a:rPr lang="en-US" sz="2800" dirty="0" smtClean="0">
-                <a:solidFill>
-                  <a:schemeClr val="accent1"/>
-                </a:solidFill>
-              </a:rPr>
-              <a:t>?</a:t>
-            </a:r>
-          </a:p>
-          <a:p>
-            <a:pPr>
-              <a:buNone/>
-            </a:pPr>
-            <a:r>
-              <a:rPr lang="en-US" sz="2800" dirty="0">
-                <a:solidFill>
-                  <a:schemeClr val="accent1"/>
-                </a:solidFill>
-              </a:rPr>
-              <a:t>	</a:t>
-            </a:r>
-          </a:p>
-          <a:p>
-            <a:pPr>
-              <a:buNone/>
-            </a:pPr>
-            <a:endParaRPr lang="en-US" sz="2800" dirty="0" smtClean="0">
-              <a:solidFill>
-                <a:schemeClr val="accent1"/>
-              </a:solidFill>
-            </a:endParaRPr>
-          </a:p>
-          <a:p>
-            <a:pPr lvl="0">
-              <a:buNone/>
-            </a:pPr>
-            <a:endParaRPr lang="en-US" sz="2800" dirty="0" smtClean="0"/>
-          </a:p>
-          <a:p>
-            <a:pPr lvl="0">
-              <a:buNone/>
-            </a:pPr>
-            <a:endParaRPr lang="en-US" sz="2800" dirty="0" smtClean="0"/>
-          </a:p>
-          <a:p>
-            <a:pPr lvl="0">
-              <a:buNone/>
-            </a:pPr>
-            <a:endParaRPr lang="en" sz="2800" dirty="0"/>
           </a:p>
         </p:txBody>
       </p:sp>
@@ -10495,71 +9945,23 @@
           </a:p>
         </p:txBody>
       </p:sp>
-      <p:pic>
-        <p:nvPicPr>
-          <p:cNvPr id="2" name="Picture 1"/>
-          <p:cNvPicPr>
-            <a:picLocks noChangeAspect="1"/>
-          </p:cNvPicPr>
-          <p:nvPr/>
-        </p:nvPicPr>
-        <p:blipFill>
-          <a:blip r:embed="rId3"/>
-          <a:stretch>
-            <a:fillRect/>
-          </a:stretch>
-        </p:blipFill>
-        <p:spPr>
-          <a:xfrm>
-            <a:off x="285750" y="3962400"/>
-            <a:ext cx="8553450" cy="1371600"/>
-          </a:xfrm>
-          <a:prstGeom prst="rect">
-            <a:avLst/>
-          </a:prstGeom>
-        </p:spPr>
-      </p:pic>
-      <p:pic>
-        <p:nvPicPr>
-          <p:cNvPr id="4" name="Picture 3"/>
-          <p:cNvPicPr>
-            <a:picLocks noChangeAspect="1"/>
-          </p:cNvPicPr>
-          <p:nvPr/>
-        </p:nvPicPr>
-        <p:blipFill>
-          <a:blip r:embed="rId4"/>
-          <a:stretch>
-            <a:fillRect/>
-          </a:stretch>
-        </p:blipFill>
-        <p:spPr>
-          <a:xfrm>
-            <a:off x="318789" y="2438400"/>
-            <a:ext cx="3643611" cy="1282700"/>
-          </a:xfrm>
-          <a:prstGeom prst="rect">
-            <a:avLst/>
-          </a:prstGeom>
-        </p:spPr>
-      </p:pic>
     </p:spTree>
     <p:extLst>
       <p:ext uri="{BB962C8B-B14F-4D97-AF65-F5344CB8AC3E}">
-        <p14:creationId xmlns:p14="http://schemas.microsoft.com/office/powerpoint/2010/main" val="3306257379"/>
+        <p14:creationId xmlns:p14="http://schemas.microsoft.com/office/powerpoint/2010/main" val="1202125643"/>
       </p:ext>
     </p:extLst>
   </p:cSld>
   <p:clrMapOvr>
     <a:masterClrMapping/>
   </p:clrMapOvr>
-  <p:transition xmlns:p14="http://schemas.microsoft.com/office/powerpoint/2010/main" spd="slow">
+  <p:transition spd="slow">
     <p:cut/>
   </p:transition>
   <p:timing>
     <p:tnLst>
       <p:par>
-        <p:cTn xmlns:p14="http://schemas.microsoft.com/office/powerpoint/2010/main" id="1" dur="indefinite" restart="never" nodeType="tmRoot"/>
+        <p:cTn id="1" dur="indefinite" restart="never" nodeType="tmRoot"/>
       </p:par>
     </p:tnLst>
   </p:timing>
@@ -10595,8 +9997,8 @@
         </p:nvSpPr>
         <p:spPr>
           <a:xfrm>
-            <a:off x="457200" y="274637"/>
-            <a:ext cx="8229600" cy="1143000"/>
+            <a:off x="381000" y="457200"/>
+            <a:ext cx="8229600" cy="3276600"/>
           </a:xfrm>
           <a:prstGeom prst="rect">
             <a:avLst/>
@@ -10604,131 +10006,98 @@
         </p:spPr>
         <p:txBody>
           <a:bodyPr lIns="91425" tIns="91425" rIns="91425" bIns="91425" anchor="b" anchorCtr="0">
-            <a:normAutofit/>
+            <a:noAutofit/>
           </a:bodyPr>
           <a:lstStyle/>
           <a:p>
-            <a:pPr>
-              <a:spcBef>
-                <a:spcPts val="0"/>
-              </a:spcBef>
-              <a:buNone/>
-            </a:pPr>
             <a:r>
               <a:rPr lang="en-US" dirty="0" smtClean="0">
                 <a:solidFill>
                   <a:schemeClr val="accent1"/>
                 </a:solidFill>
               </a:rPr>
-              <a:t>Ex: Runs created</a:t>
-            </a:r>
-            <a:endParaRPr lang="en" dirty="0">
+              <a:t>Is the metric repeatable?</a:t>
+            </a:r>
+            <a:r>
+              <a:rPr lang="en-US" dirty="0">
+                <a:solidFill>
+                  <a:schemeClr val="accent1"/>
+                </a:solidFill>
+              </a:rPr>
+              <a:t/>
+            </a:r>
+            <a:br>
+              <a:rPr lang="en-US" dirty="0">
+                <a:solidFill>
+                  <a:schemeClr val="accent1"/>
+                </a:solidFill>
+              </a:rPr>
+            </a:br>
+            <a:r>
+              <a:rPr lang="en-US" sz="2400" b="0" dirty="0" smtClean="0"/>
+              <a:t/>
+            </a:r>
+            <a:br>
+              <a:rPr lang="en-US" sz="2400" b="0" dirty="0" smtClean="0"/>
+            </a:br>
+            <a:r>
+              <a:rPr lang="en-US" sz="2400" b="0" dirty="0" smtClean="0"/>
+              <a:t>	Stolen bases	 		Batting average	Home runs</a:t>
+            </a:r>
+            <a:r>
+              <a:rPr lang="en-US" sz="2400" b="0" dirty="0"/>
+              <a:t>	</a:t>
+            </a:r>
+            <a:r>
+              <a:rPr lang="en-US" sz="2400" b="0" dirty="0" smtClean="0"/>
+              <a:t>		Walks</a:t>
+            </a:r>
+            <a:r>
+              <a:rPr lang="en-US" sz="2400" b="0" dirty="0"/>
+              <a:t/>
+            </a:r>
+            <a:br>
+              <a:rPr lang="en-US" sz="2400" b="0" dirty="0"/>
+            </a:br>
+            <a:r>
+              <a:rPr lang="en-US" sz="2400" b="0" dirty="0"/>
+              <a:t>	RBIs</a:t>
+            </a:r>
+            <a:r>
+              <a:rPr lang="en-US" sz="2400" b="0" dirty="0" smtClean="0"/>
+              <a:t>			</a:t>
+            </a:r>
+            <a:r>
+              <a:rPr lang="en-US" sz="2400" b="0" dirty="0"/>
+              <a:t>	</a:t>
+            </a:r>
+            <a:r>
+              <a:rPr lang="en-US" sz="2400" b="0" dirty="0" smtClean="0"/>
+              <a:t>Slugging percentage</a:t>
+            </a:r>
+            <a:r>
+              <a:rPr lang="en-US" sz="2400" b="0" dirty="0"/>
+              <a:t/>
+            </a:r>
+            <a:br>
+              <a:rPr lang="en-US" sz="2400" b="0" dirty="0"/>
+            </a:br>
+            <a:r>
+              <a:rPr lang="en-US" sz="2400" b="0" dirty="0"/>
+              <a:t>	</a:t>
+            </a:r>
+            <a:r>
+              <a:rPr lang="en-US" sz="2400" b="0" dirty="0" smtClean="0"/>
+              <a:t>	</a:t>
+            </a:r>
+            <a:br>
+              <a:rPr lang="en-US" sz="2400" b="0" dirty="0" smtClean="0"/>
+            </a:br>
+            <a:endParaRPr lang="en-US" sz="2400" b="0" dirty="0">
               <a:solidFill>
                 <a:schemeClr val="accent1"/>
               </a:solidFill>
             </a:endParaRPr>
-          </a:p>
-        </p:txBody>
-      </p:sp>
-      <p:sp>
-        <p:nvSpPr>
-          <p:cNvPr id="30" name="Shape 30"/>
-          <p:cNvSpPr txBox="1">
-            <a:spLocks noGrp="1"/>
-          </p:cNvSpPr>
-          <p:nvPr>
-            <p:ph type="body" idx="1"/>
-          </p:nvPr>
-        </p:nvSpPr>
-        <p:spPr>
-          <a:xfrm>
-            <a:off x="457200" y="1143000"/>
-            <a:ext cx="8229600" cy="1447800"/>
-          </a:xfrm>
-          <a:prstGeom prst="rect">
-            <a:avLst/>
-          </a:prstGeom>
-        </p:spPr>
-        <p:txBody>
-          <a:bodyPr lIns="91425" tIns="91425" rIns="91425" bIns="91425" anchor="t" anchorCtr="0">
-            <a:noAutofit/>
-          </a:bodyPr>
-          <a:lstStyle/>
-          <a:p>
-            <a:pPr lvl="0">
-              <a:buNone/>
-            </a:pPr>
-            <a:endParaRPr lang="en-US" sz="2800" dirty="0" smtClean="0"/>
-          </a:p>
-          <a:p>
-            <a:pPr>
-              <a:buNone/>
-            </a:pPr>
-            <a:r>
-              <a:rPr lang="en-US" sz="2800" dirty="0" smtClean="0">
-                <a:solidFill>
-                  <a:schemeClr val="accent1"/>
-                </a:solidFill>
-              </a:rPr>
-              <a:t>3 </a:t>
-            </a:r>
-            <a:r>
-              <a:rPr lang="en-US" sz="2800" dirty="0" smtClean="0">
-                <a:solidFill>
-                  <a:schemeClr val="accent1"/>
-                </a:solidFill>
-              </a:rPr>
-              <a:t>– Is the metric repeatable</a:t>
-            </a:r>
-            <a:r>
-              <a:rPr lang="en-US" sz="2800" dirty="0" smtClean="0">
-                <a:solidFill>
-                  <a:schemeClr val="accent1"/>
-                </a:solidFill>
-              </a:rPr>
-              <a:t>?</a:t>
-            </a:r>
-          </a:p>
-          <a:p>
-            <a:pPr>
-              <a:buNone/>
-            </a:pPr>
-            <a:r>
-              <a:rPr lang="en-US" sz="2800" dirty="0">
-                <a:solidFill>
-                  <a:schemeClr val="accent1"/>
-                </a:solidFill>
-              </a:rPr>
-              <a:t>	</a:t>
-            </a:r>
-          </a:p>
-          <a:p>
-            <a:pPr>
-              <a:buNone/>
-            </a:pPr>
-            <a:endParaRPr lang="en-US" sz="2800" dirty="0" smtClean="0">
-              <a:solidFill>
-                <a:schemeClr val="accent1"/>
-              </a:solidFill>
-            </a:endParaRPr>
-          </a:p>
-          <a:p>
-            <a:pPr lvl="0">
-              <a:buNone/>
-            </a:pPr>
-            <a:endParaRPr lang="en-US" sz="2800" dirty="0" smtClean="0"/>
-          </a:p>
-          <a:p>
-            <a:pPr lvl="0">
-              <a:buNone/>
-            </a:pPr>
-            <a:endParaRPr lang="en-US" sz="2800" dirty="0" smtClean="0"/>
-          </a:p>
-          <a:p>
-            <a:pPr lvl="0">
-              <a:buNone/>
-            </a:pPr>
-            <a:endParaRPr lang="en" sz="2800" dirty="0"/>
           </a:p>
         </p:txBody>
       </p:sp>
@@ -10757,7 +10126,7 @@
       </p:sp>
       <p:pic>
         <p:nvPicPr>
-          <p:cNvPr id="6" name="Picture 5"/>
+          <p:cNvPr id="2" name="Picture 1"/>
           <p:cNvPicPr>
             <a:picLocks noChangeAspect="1"/>
           </p:cNvPicPr>
@@ -10771,8 +10140,8 @@
         </p:blipFill>
         <p:spPr>
           <a:xfrm>
-            <a:off x="914400" y="2209800"/>
-            <a:ext cx="4533490" cy="4179575"/>
+            <a:off x="533400" y="3355975"/>
+            <a:ext cx="5867400" cy="3136900"/>
           </a:xfrm>
           <a:prstGeom prst="rect">
             <a:avLst/>
@@ -10782,20 +10151,20 @@
     </p:spTree>
     <p:extLst>
       <p:ext uri="{BB962C8B-B14F-4D97-AF65-F5344CB8AC3E}">
-        <p14:creationId xmlns:p14="http://schemas.microsoft.com/office/powerpoint/2010/main" val="3350136200"/>
+        <p14:creationId xmlns:p14="http://schemas.microsoft.com/office/powerpoint/2010/main" val="1017826611"/>
       </p:ext>
     </p:extLst>
   </p:cSld>
   <p:clrMapOvr>
     <a:masterClrMapping/>
   </p:clrMapOvr>
-  <p:transition xmlns:p14="http://schemas.microsoft.com/office/powerpoint/2010/main" spd="slow">
+  <p:transition spd="slow">
     <p:cut/>
   </p:transition>
   <p:timing>
     <p:tnLst>
       <p:par>
-        <p:cTn xmlns:p14="http://schemas.microsoft.com/office/powerpoint/2010/main" id="1" dur="indefinite" restart="never" nodeType="tmRoot"/>
+        <p:cTn id="1" dur="indefinite" restart="never" nodeType="tmRoot"/>
       </p:par>
     </p:tnLst>
   </p:timing>
@@ -10831,8 +10200,8 @@
         </p:nvSpPr>
         <p:spPr>
           <a:xfrm>
-            <a:off x="457200" y="274637"/>
-            <a:ext cx="8229600" cy="1143000"/>
+            <a:off x="381000" y="457200"/>
+            <a:ext cx="8229600" cy="3276600"/>
           </a:xfrm>
           <a:prstGeom prst="rect">
             <a:avLst/>
@@ -10840,225 +10209,98 @@
         </p:spPr>
         <p:txBody>
           <a:bodyPr lIns="91425" tIns="91425" rIns="91425" bIns="91425" anchor="b" anchorCtr="0">
-            <a:normAutofit/>
+            <a:noAutofit/>
           </a:bodyPr>
           <a:lstStyle/>
           <a:p>
-            <a:pPr>
-              <a:spcBef>
-                <a:spcPts val="0"/>
-              </a:spcBef>
-              <a:buNone/>
-            </a:pPr>
             <a:r>
               <a:rPr lang="en-US" dirty="0" smtClean="0">
                 <a:solidFill>
                   <a:schemeClr val="accent1"/>
                 </a:solidFill>
               </a:rPr>
-              <a:t>Ex: Runs created</a:t>
-            </a:r>
-            <a:endParaRPr lang="en" dirty="0">
+              <a:t>Is the metric repeatable?</a:t>
+            </a:r>
+            <a:r>
+              <a:rPr lang="en-US" dirty="0">
+                <a:solidFill>
+                  <a:schemeClr val="accent1"/>
+                </a:solidFill>
+              </a:rPr>
+              <a:t/>
+            </a:r>
+            <a:br>
+              <a:rPr lang="en-US" dirty="0">
+                <a:solidFill>
+                  <a:schemeClr val="accent1"/>
+                </a:solidFill>
+              </a:rPr>
+            </a:br>
+            <a:r>
+              <a:rPr lang="en-US" sz="2400" b="0" dirty="0" smtClean="0"/>
+              <a:t/>
+            </a:r>
+            <a:br>
+              <a:rPr lang="en-US" sz="2400" b="0" dirty="0" smtClean="0"/>
+            </a:br>
+            <a:r>
+              <a:rPr lang="en-US" sz="2400" b="0" dirty="0" smtClean="0"/>
+              <a:t>	Stolen bases	 		Batting average	Home runs</a:t>
+            </a:r>
+            <a:r>
+              <a:rPr lang="en-US" sz="2400" b="0" dirty="0"/>
+              <a:t>	</a:t>
+            </a:r>
+            <a:r>
+              <a:rPr lang="en-US" sz="2400" b="0" dirty="0" smtClean="0"/>
+              <a:t>		Walks</a:t>
+            </a:r>
+            <a:r>
+              <a:rPr lang="en-US" sz="2400" b="0" dirty="0"/>
+              <a:t/>
+            </a:r>
+            <a:br>
+              <a:rPr lang="en-US" sz="2400" b="0" dirty="0"/>
+            </a:br>
+            <a:r>
+              <a:rPr lang="en-US" sz="2400" b="0" dirty="0"/>
+              <a:t>	RBIs</a:t>
+            </a:r>
+            <a:r>
+              <a:rPr lang="en-US" sz="2400" b="0" dirty="0" smtClean="0"/>
+              <a:t>			</a:t>
+            </a:r>
+            <a:r>
+              <a:rPr lang="en-US" sz="2400" b="0" dirty="0"/>
+              <a:t>	</a:t>
+            </a:r>
+            <a:r>
+              <a:rPr lang="en-US" sz="2400" b="0" dirty="0" smtClean="0"/>
+              <a:t>Slugging percentage</a:t>
+            </a:r>
+            <a:r>
+              <a:rPr lang="en-US" sz="2400" b="0" dirty="0"/>
+              <a:t/>
+            </a:r>
+            <a:br>
+              <a:rPr lang="en-US" sz="2400" b="0" dirty="0"/>
+            </a:br>
+            <a:r>
+              <a:rPr lang="en-US" sz="2400" b="0" dirty="0"/>
+              <a:t>	</a:t>
+            </a:r>
+            <a:r>
+              <a:rPr lang="en-US" sz="2400" b="0" dirty="0" smtClean="0"/>
+              <a:t>	</a:t>
+            </a:r>
+            <a:br>
+              <a:rPr lang="en-US" sz="2400" b="0" dirty="0" smtClean="0"/>
+            </a:br>
+            <a:endParaRPr lang="en-US" sz="2400" b="0" dirty="0">
               <a:solidFill>
                 <a:schemeClr val="accent1"/>
               </a:solidFill>
             </a:endParaRPr>
-          </a:p>
-        </p:txBody>
-      </p:sp>
-      <p:sp>
-        <p:nvSpPr>
-          <p:cNvPr id="30" name="Shape 30"/>
-          <p:cNvSpPr txBox="1">
-            <a:spLocks noGrp="1"/>
-          </p:cNvSpPr>
-          <p:nvPr>
-            <p:ph type="body" idx="1"/>
-          </p:nvPr>
-        </p:nvSpPr>
-        <p:spPr>
-          <a:xfrm>
-            <a:off x="457200" y="1143000"/>
-            <a:ext cx="8229600" cy="1447800"/>
-          </a:xfrm>
-          <a:prstGeom prst="rect">
-            <a:avLst/>
-          </a:prstGeom>
-        </p:spPr>
-        <p:txBody>
-          <a:bodyPr lIns="91425" tIns="91425" rIns="91425" bIns="91425" anchor="t" anchorCtr="0">
-            <a:noAutofit/>
-          </a:bodyPr>
-          <a:lstStyle/>
-          <a:p>
-            <a:pPr lvl="0">
-              <a:buNone/>
-            </a:pPr>
-            <a:endParaRPr lang="en-US" sz="2800" dirty="0" smtClean="0"/>
-          </a:p>
-          <a:p>
-            <a:pPr>
-              <a:buNone/>
-            </a:pPr>
-            <a:r>
-              <a:rPr lang="en-US" sz="2800" dirty="0" smtClean="0">
-                <a:solidFill>
-                  <a:schemeClr val="accent1"/>
-                </a:solidFill>
-              </a:rPr>
-              <a:t>Implications:</a:t>
-            </a:r>
-          </a:p>
-          <a:p>
-            <a:pPr>
-              <a:buNone/>
-            </a:pPr>
-            <a:endParaRPr lang="en-US" sz="2800" dirty="0">
-              <a:solidFill>
-                <a:schemeClr val="accent1"/>
-              </a:solidFill>
-            </a:endParaRPr>
-          </a:p>
-          <a:p>
-            <a:pPr>
-              <a:buNone/>
-            </a:pPr>
-            <a:endParaRPr lang="en-US" sz="2800" dirty="0" smtClean="0">
-              <a:solidFill>
-                <a:schemeClr val="accent1"/>
-              </a:solidFill>
-            </a:endParaRPr>
-          </a:p>
-          <a:p>
-            <a:pPr>
-              <a:buNone/>
-            </a:pPr>
-            <a:endParaRPr lang="en-US" sz="2800" dirty="0">
-              <a:solidFill>
-                <a:schemeClr val="accent1"/>
-              </a:solidFill>
-            </a:endParaRPr>
-          </a:p>
-          <a:p>
-            <a:pPr>
-              <a:buNone/>
-            </a:pPr>
-            <a:r>
-              <a:rPr lang="en-US" sz="2800" dirty="0" smtClean="0">
-                <a:solidFill>
-                  <a:schemeClr val="accent1"/>
-                </a:solidFill>
-              </a:rPr>
-              <a:t>Other tools for assessing error:</a:t>
-            </a:r>
-          </a:p>
-          <a:p>
-            <a:pPr>
-              <a:buNone/>
-            </a:pPr>
-            <a:endParaRPr lang="en-US" sz="2800" dirty="0">
-              <a:solidFill>
-                <a:schemeClr val="accent1"/>
-              </a:solidFill>
-            </a:endParaRPr>
-          </a:p>
-          <a:p>
-            <a:pPr>
-              <a:buNone/>
-            </a:pPr>
-            <a:r>
-              <a:rPr lang="en-US" sz="2800" dirty="0" smtClean="0">
-                <a:solidFill>
-                  <a:schemeClr val="accent1"/>
-                </a:solidFill>
-              </a:rPr>
-              <a:t>	</a:t>
-            </a:r>
-            <a:r>
-              <a:rPr lang="en-US" sz="2800" dirty="0" smtClean="0">
-                <a:solidFill>
-                  <a:srgbClr val="000000"/>
-                </a:solidFill>
-              </a:rPr>
-              <a:t>MSE: </a:t>
-            </a:r>
-          </a:p>
-          <a:p>
-            <a:pPr>
-              <a:buNone/>
-            </a:pPr>
-            <a:endParaRPr lang="en-US" sz="2800" dirty="0" smtClean="0">
-              <a:solidFill>
-                <a:srgbClr val="000000"/>
-              </a:solidFill>
-            </a:endParaRPr>
-          </a:p>
-          <a:p>
-            <a:pPr>
-              <a:buNone/>
-            </a:pPr>
-            <a:r>
-              <a:rPr lang="en-US" sz="2800" dirty="0">
-                <a:solidFill>
-                  <a:srgbClr val="000000"/>
-                </a:solidFill>
-              </a:rPr>
-              <a:t>	</a:t>
-            </a:r>
-            <a:r>
-              <a:rPr lang="en-US" sz="2800" dirty="0" smtClean="0">
-                <a:solidFill>
-                  <a:srgbClr val="000000"/>
-                </a:solidFill>
-              </a:rPr>
-              <a:t>MAE: </a:t>
-            </a:r>
-            <a:endParaRPr lang="en-US" sz="2800" dirty="0" smtClean="0">
-              <a:solidFill>
-                <a:srgbClr val="000000"/>
-              </a:solidFill>
-            </a:endParaRPr>
-          </a:p>
-          <a:p>
-            <a:pPr>
-              <a:buNone/>
-            </a:pPr>
-            <a:r>
-              <a:rPr lang="en-US" sz="2800" dirty="0">
-                <a:solidFill>
-                  <a:schemeClr val="accent1"/>
-                </a:solidFill>
-              </a:rPr>
-              <a:t>	</a:t>
-            </a:r>
-          </a:p>
-          <a:p>
-            <a:pPr>
-              <a:buNone/>
-            </a:pPr>
-            <a:endParaRPr lang="en-US" sz="2800" dirty="0" smtClean="0">
-              <a:solidFill>
-                <a:schemeClr val="accent1"/>
-              </a:solidFill>
-            </a:endParaRPr>
-          </a:p>
-          <a:p>
-            <a:pPr lvl="0">
-              <a:buNone/>
-            </a:pPr>
-            <a:endParaRPr lang="en-US" sz="2800" dirty="0" smtClean="0"/>
-          </a:p>
-          <a:p>
-            <a:pPr lvl="0">
-              <a:buNone/>
-            </a:pPr>
-            <a:endParaRPr lang="en-US" sz="2800" dirty="0" smtClean="0"/>
-          </a:p>
-          <a:p>
-            <a:pPr lvl="0">
-              <a:buNone/>
-            </a:pPr>
-            <a:endParaRPr lang="en" sz="2800" dirty="0"/>
           </a:p>
         </p:txBody>
       </p:sp>
@@ -11085,409 +10327,47 @@
           </a:p>
         </p:txBody>
       </p:sp>
+      <p:pic>
+        <p:nvPicPr>
+          <p:cNvPr id="4" name="Picture 3"/>
+          <p:cNvPicPr>
+            <a:picLocks noChangeAspect="1"/>
+          </p:cNvPicPr>
+          <p:nvPr/>
+        </p:nvPicPr>
+        <p:blipFill>
+          <a:blip r:embed="rId3"/>
+          <a:stretch>
+            <a:fillRect/>
+          </a:stretch>
+        </p:blipFill>
+        <p:spPr>
+          <a:xfrm>
+            <a:off x="838200" y="3505200"/>
+            <a:ext cx="5854700" cy="2006600"/>
+          </a:xfrm>
+          <a:prstGeom prst="rect">
+            <a:avLst/>
+          </a:prstGeom>
+        </p:spPr>
+      </p:pic>
     </p:spTree>
     <p:extLst>
       <p:ext uri="{BB962C8B-B14F-4D97-AF65-F5344CB8AC3E}">
-        <p14:creationId xmlns:p14="http://schemas.microsoft.com/office/powerpoint/2010/main" val="3057572918"/>
+        <p14:creationId xmlns:p14="http://schemas.microsoft.com/office/powerpoint/2010/main" val="1752105979"/>
       </p:ext>
     </p:extLst>
   </p:cSld>
   <p:clrMapOvr>
     <a:masterClrMapping/>
   </p:clrMapOvr>
-  <p:transition xmlns:p14="http://schemas.microsoft.com/office/powerpoint/2010/main" spd="slow">
+  <p:transition spd="slow">
     <p:cut/>
   </p:transition>
   <p:timing>
     <p:tnLst>
       <p:par>
-        <p:cTn xmlns:p14="http://schemas.microsoft.com/office/powerpoint/2010/main" id="1" dur="indefinite" restart="never" nodeType="tmRoot"/>
-      </p:par>
-    </p:tnLst>
-  </p:timing>
-</p:sld>
-</file>
-
-<file path=ppt/slides/slide25.xml><?xml version="1.0" encoding="utf-8"?>
-<p:sld xmlns:a="http://schemas.openxmlformats.org/drawingml/2006/main" xmlns:r="http://schemas.openxmlformats.org/officeDocument/2006/relationships" xmlns:p="http://schemas.openxmlformats.org/presentationml/2006/main">
-  <p:cSld>
-    <p:spTree>
-      <p:nvGrpSpPr>
-        <p:cNvPr id="1" name="Shape 28"/>
-        <p:cNvGrpSpPr/>
-        <p:nvPr/>
-      </p:nvGrpSpPr>
-      <p:grpSpPr>
-        <a:xfrm>
-          <a:off x="0" y="0"/>
-          <a:ext cx="0" cy="0"/>
-          <a:chOff x="0" y="0"/>
-          <a:chExt cx="0" cy="0"/>
-        </a:xfrm>
-      </p:grpSpPr>
-      <p:sp>
-        <p:nvSpPr>
-          <p:cNvPr id="29" name="Shape 29"/>
-          <p:cNvSpPr txBox="1">
-            <a:spLocks noGrp="1"/>
-          </p:cNvSpPr>
-          <p:nvPr>
-            <p:ph type="title"/>
-          </p:nvPr>
-        </p:nvSpPr>
-        <p:spPr>
-          <a:xfrm>
-            <a:off x="457200" y="274637"/>
-            <a:ext cx="8229600" cy="1143000"/>
-          </a:xfrm>
-          <a:prstGeom prst="rect">
-            <a:avLst/>
-          </a:prstGeom>
-        </p:spPr>
-        <p:txBody>
-          <a:bodyPr lIns="91425" tIns="91425" rIns="91425" bIns="91425" anchor="b" anchorCtr="0">
-            <a:normAutofit/>
-          </a:bodyPr>
-          <a:lstStyle/>
-          <a:p>
-            <a:pPr>
-              <a:spcBef>
-                <a:spcPts val="0"/>
-              </a:spcBef>
-              <a:buNone/>
-            </a:pPr>
-            <a:r>
-              <a:rPr lang="en-US" dirty="0" smtClean="0">
-                <a:solidFill>
-                  <a:schemeClr val="accent1"/>
-                </a:solidFill>
-              </a:rPr>
-              <a:t>Additional topics</a:t>
-            </a:r>
-            <a:endParaRPr lang="en" dirty="0">
-              <a:solidFill>
-                <a:schemeClr val="accent1"/>
-              </a:solidFill>
-            </a:endParaRPr>
-          </a:p>
-        </p:txBody>
-      </p:sp>
-      <p:sp>
-        <p:nvSpPr>
-          <p:cNvPr id="30" name="Shape 30"/>
-          <p:cNvSpPr txBox="1">
-            <a:spLocks noGrp="1"/>
-          </p:cNvSpPr>
-          <p:nvPr>
-            <p:ph type="body" idx="1"/>
-          </p:nvPr>
-        </p:nvSpPr>
-        <p:spPr>
-          <a:xfrm>
-            <a:off x="457200" y="1143000"/>
-            <a:ext cx="8229600" cy="2057400"/>
-          </a:xfrm>
-          <a:prstGeom prst="rect">
-            <a:avLst/>
-          </a:prstGeom>
-        </p:spPr>
-        <p:txBody>
-          <a:bodyPr lIns="91425" tIns="91425" rIns="91425" bIns="91425" anchor="t" anchorCtr="0">
-            <a:noAutofit/>
-          </a:bodyPr>
-          <a:lstStyle/>
-          <a:p>
-            <a:pPr lvl="0">
-              <a:buNone/>
-            </a:pPr>
-            <a:endParaRPr lang="en-US" sz="2800" dirty="0" smtClean="0"/>
-          </a:p>
-          <a:p>
-            <a:pPr>
-              <a:buNone/>
-            </a:pPr>
-            <a:endParaRPr lang="en-US" sz="2800" dirty="0" smtClean="0">
-              <a:solidFill>
-                <a:schemeClr val="accent1"/>
-              </a:solidFill>
-            </a:endParaRPr>
-          </a:p>
-          <a:p>
-            <a:pPr lvl="0">
-              <a:buNone/>
-            </a:pPr>
-            <a:endParaRPr lang="en-US" sz="2800" dirty="0" smtClean="0"/>
-          </a:p>
-          <a:p>
-            <a:pPr lvl="0">
-              <a:buNone/>
-            </a:pPr>
-            <a:endParaRPr lang="en-US" sz="2800" dirty="0" smtClean="0"/>
-          </a:p>
-          <a:p>
-            <a:pPr lvl="0">
-              <a:buNone/>
-            </a:pPr>
-            <a:endParaRPr lang="en-US" sz="2800" dirty="0" smtClean="0"/>
-          </a:p>
-          <a:p>
-            <a:pPr lvl="0">
-              <a:buNone/>
-            </a:pPr>
-            <a:endParaRPr lang="en-US" sz="2800" dirty="0"/>
-          </a:p>
-          <a:p>
-            <a:pPr lvl="0">
-              <a:buNone/>
-            </a:pPr>
-            <a:endParaRPr lang="en" sz="2800" dirty="0"/>
-          </a:p>
-        </p:txBody>
-      </p:sp>
-      <p:sp>
-        <p:nvSpPr>
-          <p:cNvPr id="3" name="Slide Number Placeholder 2"/>
-          <p:cNvSpPr>
-            <a:spLocks noGrp="1"/>
-          </p:cNvSpPr>
-          <p:nvPr>
-            <p:ph type="sldNum" sz="quarter" idx="4"/>
-          </p:nvPr>
-        </p:nvSpPr>
-        <p:spPr/>
-        <p:txBody>
-          <a:bodyPr/>
-          <a:lstStyle/>
-          <a:p>
-            <a:fld id="{6A3A0028-2131-4AF4-8ED4-9AC2332E78C8}" type="slidenum">
-              <a:rPr lang="en-US" smtClean="0"/>
-              <a:t>24</a:t>
-            </a:fld>
-            <a:endParaRPr lang="en-US"/>
-          </a:p>
-        </p:txBody>
-      </p:sp>
-      <p:sp>
-        <p:nvSpPr>
-          <p:cNvPr id="2" name="Rectangle 1"/>
-          <p:cNvSpPr/>
-          <p:nvPr/>
-        </p:nvSpPr>
-        <p:spPr>
-          <a:xfrm>
-            <a:off x="533400" y="1905000"/>
-            <a:ext cx="7696200" cy="1200328"/>
-          </a:xfrm>
-          <a:prstGeom prst="rect">
-            <a:avLst/>
-          </a:prstGeom>
-        </p:spPr>
-        <p:txBody>
-          <a:bodyPr wrap="square">
-            <a:spAutoFit/>
-          </a:bodyPr>
-          <a:lstStyle/>
-          <a:p>
-            <a:pPr lvl="0"/>
-            <a:r>
-              <a:rPr lang="en-US" sz="2400" dirty="0" smtClean="0">
-                <a:hlinkClick r:id="rId3"/>
-              </a:rPr>
-              <a:t>Bunting</a:t>
-            </a:r>
-            <a:r>
-              <a:rPr lang="en-US" sz="2400" dirty="0">
-                <a:hlinkClick r:id="rId3"/>
-              </a:rPr>
-              <a:t>, pitchouts</a:t>
-            </a:r>
-            <a:endParaRPr lang="en-US" sz="2400" dirty="0"/>
-          </a:p>
-          <a:p>
-            <a:pPr lvl="0"/>
-            <a:r>
-              <a:rPr lang="en-US" sz="2400" dirty="0" smtClean="0">
-                <a:hlinkClick r:id="rId4"/>
-              </a:rPr>
-              <a:t>Pitch </a:t>
-            </a:r>
-            <a:r>
-              <a:rPr lang="en-US" sz="2400" dirty="0">
-                <a:hlinkClick r:id="rId4"/>
-              </a:rPr>
-              <a:t>framing</a:t>
-            </a:r>
-            <a:endParaRPr lang="en-US" sz="2400" dirty="0"/>
-          </a:p>
-          <a:p>
-            <a:pPr lvl="0"/>
-            <a:r>
-              <a:rPr lang="en-US" sz="2400" dirty="0" smtClean="0">
-                <a:hlinkClick r:id="rId5"/>
-              </a:rPr>
-              <a:t>Defensive </a:t>
-            </a:r>
-            <a:r>
-              <a:rPr lang="en-US" sz="2400" dirty="0">
-                <a:hlinkClick r:id="rId5"/>
-              </a:rPr>
-              <a:t>independent pitching</a:t>
-            </a:r>
-            <a:endParaRPr lang="en-US" sz="2400" dirty="0"/>
-          </a:p>
-        </p:txBody>
-      </p:sp>
-      <p:sp>
-        <p:nvSpPr>
-          <p:cNvPr id="4" name="Rectangle 3"/>
-          <p:cNvSpPr/>
-          <p:nvPr/>
-        </p:nvSpPr>
-        <p:spPr>
-          <a:xfrm>
-            <a:off x="914400" y="3581400"/>
-            <a:ext cx="7086600" cy="2462213"/>
-          </a:xfrm>
-          <a:prstGeom prst="rect">
-            <a:avLst/>
-          </a:prstGeom>
-        </p:spPr>
-        <p:txBody>
-          <a:bodyPr wrap="square">
-            <a:spAutoFit/>
-          </a:bodyPr>
-          <a:lstStyle/>
-          <a:p>
-            <a:r>
-              <a:rPr lang="en-US" sz="1800" dirty="0">
-                <a:solidFill>
-                  <a:schemeClr val="accent1"/>
-                </a:solidFill>
-              </a:rPr>
-              <a:t>1 – </a:t>
-            </a:r>
-            <a:r>
-              <a:rPr lang="en-US" sz="1800" dirty="0" smtClean="0">
-                <a:solidFill>
-                  <a:schemeClr val="accent1"/>
-                </a:solidFill>
-              </a:rPr>
-              <a:t>Importance </a:t>
-            </a:r>
-            <a:endParaRPr lang="en-US" sz="1800" dirty="0">
-              <a:solidFill>
-                <a:schemeClr val="accent1"/>
-              </a:solidFill>
-            </a:endParaRPr>
-          </a:p>
-          <a:p>
-            <a:r>
-              <a:rPr lang="en-US" sz="1800" dirty="0">
-                <a:solidFill>
-                  <a:schemeClr val="accent1"/>
-                </a:solidFill>
-              </a:rPr>
-              <a:t>	</a:t>
-            </a:r>
-          </a:p>
-          <a:p>
-            <a:r>
-              <a:rPr lang="en-US" sz="1800" dirty="0"/>
-              <a:t>	</a:t>
-            </a:r>
-            <a:endParaRPr lang="en-US" sz="1800" dirty="0">
-              <a:solidFill>
-                <a:schemeClr val="accent1"/>
-              </a:solidFill>
-            </a:endParaRPr>
-          </a:p>
-          <a:p>
-            <a:r>
-              <a:rPr lang="en-US" sz="1800" dirty="0">
-                <a:solidFill>
-                  <a:schemeClr val="accent1"/>
-                </a:solidFill>
-              </a:rPr>
-              <a:t>2 – </a:t>
-            </a:r>
-            <a:r>
-              <a:rPr lang="en-US" sz="1800" dirty="0" smtClean="0">
-                <a:solidFill>
-                  <a:schemeClr val="accent1"/>
-                </a:solidFill>
-              </a:rPr>
-              <a:t>Player-specific contributions</a:t>
-            </a:r>
-            <a:endParaRPr lang="en-US" sz="1800" dirty="0">
-              <a:solidFill>
-                <a:schemeClr val="accent1"/>
-              </a:solidFill>
-            </a:endParaRPr>
-          </a:p>
-          <a:p>
-            <a:endParaRPr lang="en-US" sz="1800" dirty="0">
-              <a:solidFill>
-                <a:schemeClr val="accent1"/>
-              </a:solidFill>
-            </a:endParaRPr>
-          </a:p>
-          <a:p>
-            <a:endParaRPr lang="en-US" sz="1800" dirty="0">
-              <a:solidFill>
-                <a:schemeClr val="accent1"/>
-              </a:solidFill>
-            </a:endParaRPr>
-          </a:p>
-          <a:p>
-            <a:r>
-              <a:rPr lang="en-US" sz="1800" dirty="0">
-                <a:solidFill>
-                  <a:schemeClr val="accent1"/>
-                </a:solidFill>
-              </a:rPr>
-              <a:t>3 – </a:t>
-            </a:r>
-            <a:r>
-              <a:rPr lang="en-US" sz="1800" dirty="0" smtClean="0">
-                <a:solidFill>
-                  <a:schemeClr val="accent1"/>
-                </a:solidFill>
-              </a:rPr>
-              <a:t>Repeatability</a:t>
-            </a:r>
-            <a:endParaRPr lang="en-US" sz="1800" dirty="0">
-              <a:solidFill>
-                <a:schemeClr val="accent1"/>
-              </a:solidFill>
-            </a:endParaRPr>
-          </a:p>
-          <a:p>
-            <a:pPr lvl="0"/>
-            <a:endParaRPr lang="en-US" dirty="0"/>
-          </a:p>
-          <a:p>
-            <a:pPr lvl="0"/>
-            <a:endParaRPr lang="en-US" dirty="0"/>
-          </a:p>
-        </p:txBody>
-      </p:sp>
-    </p:spTree>
-    <p:extLst>
-      <p:ext uri="{BB962C8B-B14F-4D97-AF65-F5344CB8AC3E}">
-        <p14:creationId xmlns:p14="http://schemas.microsoft.com/office/powerpoint/2010/main" val="1298831819"/>
-      </p:ext>
-    </p:extLst>
-  </p:cSld>
-  <p:clrMapOvr>
-    <a:masterClrMapping/>
-  </p:clrMapOvr>
-  <p:transition xmlns:p14="http://schemas.microsoft.com/office/powerpoint/2010/main" spd="slow">
-    <p:cut/>
-  </p:transition>
-  <p:timing>
-    <p:tnLst>
-      <p:par>
-        <p:cTn xmlns:p14="http://schemas.microsoft.com/office/powerpoint/2010/main" id="1" dur="indefinite" restart="never" nodeType="tmRoot"/>
+        <p:cTn id="1" dur="indefinite" restart="never" nodeType="tmRoot"/>
       </p:par>
     </p:tnLst>
   </p:timing>
@@ -11548,23 +10428,7 @@
                   <a:schemeClr val="accent1"/>
                 </a:solidFill>
               </a:rPr>
-              <a:t>What is </a:t>
-            </a:r>
-            <a:r>
-              <a:rPr lang="en-US" dirty="0" err="1" smtClean="0">
-                <a:solidFill>
-                  <a:schemeClr val="accent1"/>
-                </a:solidFill>
-              </a:rPr>
-              <a:t>sabermetrics</a:t>
-            </a:r>
-            <a:r>
-              <a:rPr lang="en-US" dirty="0" smtClean="0">
-                <a:solidFill>
-                  <a:schemeClr val="accent1"/>
-                </a:solidFill>
-              </a:rPr>
-              <a:t>?</a:t>
+              <a:t>Variable Types: </a:t>
             </a:r>
             <a:endParaRPr lang="en" dirty="0">
               <a:solidFill>
@@ -11599,85 +10463,10 @@
           </a:bodyPr>
           <a:lstStyle/>
           <a:p>
-            <a:pPr marL="514350" lvl="0" indent="-514350">
-              <a:buAutoNum type="romanLcParenR"/>
+            <a:pPr>
+              <a:buNone/>
             </a:pPr>
             <a:endParaRPr lang="en-US" sz="2800" dirty="0" smtClean="0"/>
-          </a:p>
-          <a:p>
-            <a:pPr>
-              <a:buNone/>
-            </a:pPr>
-            <a:r>
-              <a:rPr lang="en-US" sz="2800" dirty="0" smtClean="0">
-                <a:solidFill>
-                  <a:schemeClr val="accent1"/>
-                </a:solidFill>
-              </a:rPr>
-              <a:t>‘Search for objective knowledge about baseball’</a:t>
-            </a:r>
-          </a:p>
-          <a:p>
-            <a:pPr>
-              <a:buNone/>
-            </a:pPr>
-            <a:r>
-              <a:rPr lang="en-US" sz="2800" dirty="0">
-                <a:solidFill>
-                  <a:schemeClr val="accent1"/>
-                </a:solidFill>
-              </a:rPr>
-              <a:t>	</a:t>
-            </a:r>
-            <a:r>
-              <a:rPr lang="en-US" sz="2800" dirty="0" smtClean="0"/>
-              <a:t>-Bill James</a:t>
-            </a:r>
-          </a:p>
-          <a:p>
-            <a:pPr>
-              <a:buNone/>
-            </a:pPr>
-            <a:endParaRPr lang="en-US" sz="2800" dirty="0"/>
-          </a:p>
-          <a:p>
-            <a:pPr>
-              <a:buNone/>
-            </a:pPr>
-            <a:r>
-              <a:rPr lang="en-US" sz="2800" dirty="0" smtClean="0"/>
-              <a:t>Ex: Which player on the Red Sox contributed most to his team’s offense?</a:t>
-            </a:r>
-          </a:p>
-          <a:p>
-            <a:pPr>
-              <a:buNone/>
-            </a:pPr>
-            <a:endParaRPr lang="en-US" sz="2800" dirty="0"/>
-          </a:p>
-          <a:p>
-            <a:pPr>
-              <a:buNone/>
-            </a:pPr>
-            <a:r>
-              <a:rPr lang="en-US" sz="2800" strike="sngStrike" dirty="0" smtClean="0"/>
-              <a:t>Ex: Which player is your favorite?</a:t>
-            </a:r>
-          </a:p>
-          <a:p>
-            <a:pPr>
-              <a:buNone/>
-            </a:pPr>
-            <a:endParaRPr lang="en-US" sz="2800" dirty="0"/>
-          </a:p>
-          <a:p>
-            <a:pPr>
-              <a:buNone/>
-            </a:pPr>
-            <a:r>
-              <a:rPr lang="en-US" sz="2800" dirty="0" smtClean="0"/>
-              <a:t>Ex: Which player deserves the MVP award?</a:t>
-            </a:r>
           </a:p>
           <a:p>
             <a:pPr>
@@ -11769,13 +10558,13 @@
   <p:clrMapOvr>
     <a:masterClrMapping/>
   </p:clrMapOvr>
-  <p:transition xmlns:p14="http://schemas.microsoft.com/office/powerpoint/2010/main" spd="slow">
+  <p:transition spd="slow">
     <p:cut/>
   </p:transition>
   <p:timing>
     <p:tnLst>
       <p:par>
-        <p:cTn xmlns:p14="http://schemas.microsoft.com/office/powerpoint/2010/main" id="1" dur="indefinite" restart="never" nodeType="tmRoot"/>
+        <p:cTn id="1" dur="indefinite" restart="never" nodeType="tmRoot"/>
       </p:par>
     </p:tnLst>
   </p:timing>
@@ -11836,7 +10625,7 @@
                   <a:schemeClr val="accent1"/>
                 </a:solidFill>
               </a:rPr>
-              <a:t>Questions we’ll want to answer</a:t>
+              <a:t>Variable Types: </a:t>
             </a:r>
             <a:endParaRPr lang="en" dirty="0">
               <a:solidFill>
@@ -11871,7 +10660,7 @@
           </a:bodyPr>
           <a:lstStyle/>
           <a:p>
-            <a:pPr lvl="0">
+            <a:pPr>
               <a:buNone/>
             </a:pPr>
             <a:endParaRPr lang="en-US" sz="2800" dirty="0" smtClean="0"/>
@@ -11880,68 +10669,13 @@
             <a:pPr>
               <a:buNone/>
             </a:pPr>
-            <a:endParaRPr lang="en-US" sz="2800" dirty="0" smtClean="0">
-              <a:solidFill>
-                <a:schemeClr val="accent1"/>
-              </a:solidFill>
-            </a:endParaRPr>
-          </a:p>
-          <a:p>
-            <a:pPr>
-              <a:buNone/>
-            </a:pPr>
             <a:r>
               <a:rPr lang="en-US" sz="2800" dirty="0" smtClean="0">
-                <a:solidFill>
-                  <a:schemeClr val="accent1"/>
-                </a:solidFill>
-              </a:rPr>
-              <a:t>1 – Is the metric important to success?</a:t>
-            </a:r>
-          </a:p>
-          <a:p>
-            <a:pPr>
-              <a:buNone/>
-            </a:pPr>
-            <a:r>
-              <a:rPr lang="en-US" sz="2800" dirty="0">
                 <a:solidFill>
                   <a:schemeClr val="accent1"/>
                 </a:solidFill>
               </a:rPr>
               <a:t>	</a:t>
-            </a:r>
-            <a:endParaRPr lang="en-US" sz="2800" dirty="0" smtClean="0">
-              <a:solidFill>
-                <a:schemeClr val="accent1"/>
-              </a:solidFill>
-            </a:endParaRPr>
-          </a:p>
-          <a:p>
-            <a:pPr>
-              <a:buNone/>
-            </a:pPr>
-            <a:r>
-              <a:rPr lang="en-US" sz="2800" dirty="0" smtClean="0"/>
-              <a:t>	</a:t>
-            </a:r>
-            <a:endParaRPr lang="en-US" sz="2800" dirty="0" smtClean="0">
-              <a:solidFill>
-                <a:schemeClr val="accent1"/>
-              </a:solidFill>
-            </a:endParaRPr>
-          </a:p>
-          <a:p>
-            <a:pPr>
-              <a:buNone/>
-            </a:pPr>
-            <a:r>
-              <a:rPr lang="en-US" sz="2800" dirty="0" smtClean="0">
-                <a:solidFill>
-                  <a:schemeClr val="accent1"/>
-                </a:solidFill>
-              </a:rPr>
-              <a:t>2 – How well does the metric measure a player’s contribution?</a:t>
             </a:r>
           </a:p>
           <a:p>
@@ -11958,24 +10692,15 @@
             <a:pPr>
               <a:buNone/>
             </a:pPr>
-            <a:endParaRPr lang="en-US" sz="2800" dirty="0" smtClean="0">
-              <a:solidFill>
-                <a:schemeClr val="accent1"/>
-              </a:solidFill>
-            </a:endParaRPr>
-          </a:p>
-          <a:p>
-            <a:pPr>
-              <a:buNone/>
-            </a:pPr>
             <a:r>
               <a:rPr lang="en-US" sz="2800" dirty="0" smtClean="0">
                 <a:solidFill>
                   <a:schemeClr val="accent1"/>
                 </a:solidFill>
               </a:rPr>
-              <a:t>3 – Is the metric repeatable? </a:t>
-            </a:r>
+              <a:t>	</a:t>
+            </a:r>
+            <a:endParaRPr lang="en-US" sz="2800" dirty="0" smtClean="0"/>
           </a:p>
           <a:p>
             <a:pPr lvl="0">
@@ -11987,7 +10712,7 @@
             <a:pPr lvl="0">
               <a:buNone/>
             </a:pPr>
-            <a:endParaRPr lang="en-US" sz="2800" dirty="0" smtClean="0"/>
+            <a:endParaRPr lang="en-US" sz="2800" dirty="0"/>
           </a:p>
           <a:p>
             <a:pPr lvl="0">
@@ -12023,20 +10748,20 @@
     </p:spTree>
     <p:extLst>
       <p:ext uri="{BB962C8B-B14F-4D97-AF65-F5344CB8AC3E}">
-        <p14:creationId xmlns:p14="http://schemas.microsoft.com/office/powerpoint/2010/main" val="2917005617"/>
+        <p14:creationId xmlns:p14="http://schemas.microsoft.com/office/powerpoint/2010/main" val="2056601109"/>
       </p:ext>
     </p:extLst>
   </p:cSld>
   <p:clrMapOvr>
     <a:masterClrMapping/>
   </p:clrMapOvr>
-  <p:transition xmlns:p14="http://schemas.microsoft.com/office/powerpoint/2010/main" spd="slow">
+  <p:transition spd="slow">
     <p:cut/>
   </p:transition>
   <p:timing>
     <p:tnLst>
       <p:par>
-        <p:cTn xmlns:p14="http://schemas.microsoft.com/office/powerpoint/2010/main" id="1" dur="indefinite" restart="never" nodeType="tmRoot"/>
+        <p:cTn id="1" dur="indefinite" restart="never" nodeType="tmRoot"/>
       </p:par>
     </p:tnLst>
   </p:timing>
@@ -12072,8 +10797,8 @@
         </p:nvSpPr>
         <p:spPr>
           <a:xfrm>
-            <a:off x="457200" y="304800"/>
-            <a:ext cx="8229600" cy="4648200"/>
+            <a:off x="457200" y="274637"/>
+            <a:ext cx="8229600" cy="1143000"/>
           </a:xfrm>
           <a:prstGeom prst="rect">
             <a:avLst/>
@@ -12081,171 +10806,25 @@
         </p:spPr>
         <p:txBody>
           <a:bodyPr lIns="91425" tIns="91425" rIns="91425" bIns="91425" anchor="b" anchorCtr="0">
-            <a:noAutofit/>
+            <a:normAutofit/>
           </a:bodyPr>
           <a:lstStyle/>
           <a:p>
+            <a:pPr>
+              <a:spcBef>
+                <a:spcPts val="0"/>
+              </a:spcBef>
+              <a:buNone/>
+            </a:pPr>
             <a:r>
               <a:rPr lang="en-US" dirty="0" smtClean="0">
                 <a:solidFill>
                   <a:schemeClr val="accent1"/>
                 </a:solidFill>
               </a:rPr>
-              <a:t>Is </a:t>
-            </a:r>
-            <a:r>
-              <a:rPr lang="en-US" dirty="0">
-                <a:solidFill>
-                  <a:schemeClr val="accent1"/>
-                </a:solidFill>
-              </a:rPr>
-              <a:t>the metric </a:t>
-            </a:r>
-            <a:r>
-              <a:rPr lang="en-US" dirty="0" smtClean="0">
-                <a:solidFill>
-                  <a:schemeClr val="accent1"/>
-                </a:solidFill>
-              </a:rPr>
-              <a:t>important </a:t>
-            </a:r>
-            <a:r>
-              <a:rPr lang="en-US" dirty="0">
-                <a:solidFill>
-                  <a:schemeClr val="accent1"/>
-                </a:solidFill>
-              </a:rPr>
-              <a:t>to success</a:t>
-            </a:r>
-            <a:r>
-              <a:rPr lang="en-US" dirty="0" smtClean="0">
-                <a:solidFill>
-                  <a:schemeClr val="accent1"/>
-                </a:solidFill>
-              </a:rPr>
-              <a:t>?</a:t>
-            </a:r>
-            <a:r>
-              <a:rPr lang="en-US" dirty="0"/>
-              <a:t/>
-            </a:r>
-            <a:br>
-              <a:rPr lang="en-US" dirty="0"/>
-            </a:br>
-            <a:r>
-              <a:rPr lang="en-US" dirty="0" smtClean="0"/>
-              <a:t/>
-            </a:r>
-            <a:br>
-              <a:rPr lang="en-US" dirty="0" smtClean="0"/>
-            </a:br>
-            <a:r>
-              <a:rPr lang="en-US" dirty="0" smtClean="0"/>
-              <a:t>	</a:t>
-            </a:r>
-            <a:r>
-              <a:rPr lang="en-US" sz="2400" b="0" dirty="0" smtClean="0"/>
-              <a:t>What’s “important?” What’s “success?”</a:t>
-            </a:r>
-            <a:br>
-              <a:rPr lang="en-US" sz="2400" b="0" dirty="0" smtClean="0"/>
-            </a:br>
-            <a:r>
-              <a:rPr lang="en-US" sz="2400" b="0" dirty="0" smtClean="0"/>
-              <a:t/>
-            </a:r>
-            <a:br>
-              <a:rPr lang="en-US" sz="2400" b="0" dirty="0" smtClean="0"/>
-            </a:br>
-            <a:r>
-              <a:rPr lang="en-US" sz="2400" b="0" dirty="0"/>
-              <a:t>	</a:t>
-            </a:r>
-            <a:r>
-              <a:rPr lang="en-US" sz="2400" b="0" dirty="0" smtClean="0"/>
-              <a:t>-Examples</a:t>
-            </a:r>
-            <a:r>
-              <a:rPr lang="en-US" sz="2400" b="0" dirty="0"/>
-              <a:t> </a:t>
-            </a:r>
-            <a:r>
-              <a:rPr lang="en-US" sz="2400" b="0" dirty="0" smtClean="0"/>
-              <a:t>in baseball</a:t>
-            </a:r>
-            <a:br>
-              <a:rPr lang="en-US" sz="2400" b="0" dirty="0" smtClean="0"/>
-            </a:br>
-            <a:r>
-              <a:rPr lang="en-US" sz="2400" b="0" dirty="0"/>
-              <a:t/>
-            </a:r>
-            <a:br>
-              <a:rPr lang="en-US" sz="2400" b="0" dirty="0"/>
-            </a:br>
-            <a:r>
-              <a:rPr lang="en-US" sz="2400" b="0" dirty="0" smtClean="0"/>
-              <a:t>	Stolen bases	 		Batting </a:t>
-            </a:r>
-            <a:r>
-              <a:rPr lang="en-US" sz="2400" b="0" dirty="0"/>
-              <a:t>a</a:t>
-            </a:r>
-            <a:r>
-              <a:rPr lang="en-US" sz="2400" b="0" dirty="0" smtClean="0"/>
-              <a:t>verage	Home runs</a:t>
-            </a:r>
-            <a:r>
-              <a:rPr lang="en-US" sz="2400" b="0" dirty="0"/>
-              <a:t>	</a:t>
-            </a:r>
-            <a:r>
-              <a:rPr lang="en-US" sz="2400" b="0" dirty="0" smtClean="0"/>
-              <a:t>		Walks</a:t>
-            </a:r>
-            <a:r>
-              <a:rPr lang="en-US" sz="2400" b="0" dirty="0"/>
-              <a:t/>
-            </a:r>
-            <a:br>
-              <a:rPr lang="en-US" sz="2400" b="0" dirty="0"/>
-            </a:br>
-            <a:r>
-              <a:rPr lang="en-US" sz="2400" b="0" dirty="0"/>
-              <a:t>	</a:t>
-            </a:r>
-            <a:r>
-              <a:rPr lang="en-US" sz="2400" b="0" dirty="0"/>
-              <a:t>RBIs</a:t>
-            </a:r>
-            <a:r>
-              <a:rPr lang="en-US" sz="2400" b="0" dirty="0" smtClean="0"/>
-              <a:t>	</a:t>
-            </a:r>
-            <a:r>
-              <a:rPr lang="en-US" sz="2400" b="0" dirty="0"/>
-              <a:t>			</a:t>
-            </a:r>
-            <a:r>
-              <a:rPr lang="en-US" sz="2400" b="0" dirty="0" smtClean="0"/>
-              <a:t>Slugging percentage</a:t>
-            </a:r>
-            <a:r>
-              <a:rPr lang="en-US" sz="2400" b="0" dirty="0"/>
-              <a:t/>
-            </a:r>
-            <a:br>
-              <a:rPr lang="en-US" sz="2400" b="0" dirty="0"/>
-            </a:br>
-            <a:r>
-              <a:rPr lang="en-US" sz="2400" b="0" dirty="0"/>
-              <a:t>	</a:t>
-            </a:r>
-            <a:r>
-              <a:rPr lang="en-US" sz="2400" b="0" dirty="0" smtClean="0"/>
-              <a:t>						</a:t>
-            </a:r>
-            <a:endParaRPr lang="en-US" sz="2400" b="0" dirty="0">
+              <a:t>Variable Types in baseball: </a:t>
+            </a:r>
+            <a:endParaRPr lang="en" dirty="0">
               <a:solidFill>
                 <a:schemeClr val="accent1"/>
               </a:solidFill>
@@ -12276,23 +10855,71 @@
           </a:p>
         </p:txBody>
       </p:sp>
+      <p:pic>
+        <p:nvPicPr>
+          <p:cNvPr id="7" name="Picture 6"/>
+          <p:cNvPicPr>
+            <a:picLocks noChangeAspect="1"/>
+          </p:cNvPicPr>
+          <p:nvPr/>
+        </p:nvPicPr>
+        <p:blipFill>
+          <a:blip r:embed="rId3"/>
+          <a:stretch>
+            <a:fillRect/>
+          </a:stretch>
+        </p:blipFill>
+        <p:spPr>
+          <a:xfrm>
+            <a:off x="421943" y="1972468"/>
+            <a:ext cx="3632200" cy="1282700"/>
+          </a:xfrm>
+          <a:prstGeom prst="rect">
+            <a:avLst/>
+          </a:prstGeom>
+        </p:spPr>
+      </p:pic>
+      <p:pic>
+        <p:nvPicPr>
+          <p:cNvPr id="8" name="Picture 7"/>
+          <p:cNvPicPr>
+            <a:picLocks noChangeAspect="1"/>
+          </p:cNvPicPr>
+          <p:nvPr/>
+        </p:nvPicPr>
+        <p:blipFill>
+          <a:blip r:embed="rId4"/>
+          <a:stretch>
+            <a:fillRect/>
+          </a:stretch>
+        </p:blipFill>
+        <p:spPr>
+          <a:xfrm>
+            <a:off x="314790" y="3657601"/>
+            <a:ext cx="8843616" cy="1676400"/>
+          </a:xfrm>
+          <a:prstGeom prst="rect">
+            <a:avLst/>
+          </a:prstGeom>
+        </p:spPr>
+      </p:pic>
     </p:spTree>
     <p:extLst>
       <p:ext uri="{BB962C8B-B14F-4D97-AF65-F5344CB8AC3E}">
-        <p14:creationId xmlns:p14="http://schemas.microsoft.com/office/powerpoint/2010/main" val="1866563774"/>
+        <p14:creationId xmlns:p14="http://schemas.microsoft.com/office/powerpoint/2010/main" val="1380864458"/>
       </p:ext>
     </p:extLst>
   </p:cSld>
   <p:clrMapOvr>
     <a:masterClrMapping/>
   </p:clrMapOvr>
-  <p:transition xmlns:p14="http://schemas.microsoft.com/office/powerpoint/2010/main" spd="slow">
+  <p:transition spd="slow">
     <p:cut/>
   </p:transition>
   <p:timing>
     <p:tnLst>
       <p:par>
-        <p:cTn xmlns:p14="http://schemas.microsoft.com/office/powerpoint/2010/main" id="1" dur="indefinite" restart="never" nodeType="tmRoot"/>
+        <p:cTn id="1" dur="indefinite" restart="never" nodeType="tmRoot"/>
       </p:par>
     </p:tnLst>
   </p:timing>
@@ -12328,8 +10955,8 @@
         </p:nvSpPr>
         <p:spPr>
           <a:xfrm>
-            <a:off x="457200" y="609600"/>
-            <a:ext cx="8229600" cy="5867400"/>
+            <a:off x="457200" y="274637"/>
+            <a:ext cx="8229600" cy="1143000"/>
           </a:xfrm>
           <a:prstGeom prst="rect">
             <a:avLst/>
@@ -12337,144 +10964,25 @@
         </p:spPr>
         <p:txBody>
           <a:bodyPr lIns="91425" tIns="91425" rIns="91425" bIns="91425" anchor="b" anchorCtr="0">
-            <a:noAutofit/>
+            <a:normAutofit/>
           </a:bodyPr>
           <a:lstStyle/>
           <a:p>
-            <a:r>
-              <a:rPr lang="en-US" dirty="0">
+            <a:pPr>
+              <a:spcBef>
+                <a:spcPts val="0"/>
+              </a:spcBef>
+              <a:buNone/>
+            </a:pPr>
+            <a:r>
+              <a:rPr lang="en-US" dirty="0" smtClean="0">
                 <a:solidFill>
                   <a:schemeClr val="accent1"/>
                 </a:solidFill>
               </a:rPr>
-              <a:t>How well does the metric measure a player’s contribution</a:t>
-            </a:r>
-            <a:r>
-              <a:rPr lang="en-US" dirty="0" smtClean="0">
-                <a:solidFill>
-                  <a:schemeClr val="accent1"/>
-                </a:solidFill>
-              </a:rPr>
-              <a:t>?</a:t>
-            </a:r>
-            <a:r>
-              <a:rPr lang="en-US" sz="2400" b="0" dirty="0" smtClean="0"/>
-              <a:t/>
-            </a:r>
-            <a:br>
-              <a:rPr lang="en-US" sz="2400" b="0" dirty="0" smtClean="0"/>
-            </a:br>
-            <a:r>
-              <a:rPr lang="en-US" sz="2400" b="0" dirty="0"/>
-              <a:t/>
-            </a:r>
-            <a:br>
-              <a:rPr lang="en-US" sz="2400" b="0" dirty="0"/>
-            </a:br>
-            <a:r>
-              <a:rPr lang="en-US" sz="2400" b="0" dirty="0" smtClean="0"/>
-              <a:t>	Stolen bases	 		Batting average	Home runs</a:t>
-            </a:r>
-            <a:r>
-              <a:rPr lang="en-US" sz="2400" b="0" dirty="0"/>
-              <a:t>	</a:t>
-            </a:r>
-            <a:r>
-              <a:rPr lang="en-US" sz="2400" b="0" dirty="0" smtClean="0"/>
-              <a:t>		Walks</a:t>
-            </a:r>
-            <a:r>
-              <a:rPr lang="en-US" sz="2400" b="0" dirty="0"/>
-              <a:t/>
-            </a:r>
-            <a:br>
-              <a:rPr lang="en-US" sz="2400" b="0" dirty="0"/>
-            </a:br>
-            <a:r>
-              <a:rPr lang="en-US" sz="2400" b="0" dirty="0"/>
-              <a:t>	</a:t>
-            </a:r>
-            <a:r>
-              <a:rPr lang="en-US" sz="2400" b="0" dirty="0" smtClean="0"/>
-              <a:t>RBIs</a:t>
-            </a:r>
-            <a:r>
-              <a:rPr lang="en-US" sz="2400" b="0" dirty="0" smtClean="0"/>
-              <a:t>			</a:t>
-            </a:r>
-            <a:r>
-              <a:rPr lang="en-US" sz="2400" b="0" dirty="0"/>
-              <a:t>	</a:t>
-            </a:r>
-            <a:r>
-              <a:rPr lang="en-US" sz="2400" b="0" dirty="0" smtClean="0"/>
-              <a:t>Slugging percentage</a:t>
-            </a:r>
-            <a:r>
-              <a:rPr lang="en-US" sz="2400" b="0" dirty="0"/>
-              <a:t/>
-            </a:r>
-            <a:br>
-              <a:rPr lang="en-US" sz="2400" b="0" dirty="0"/>
-            </a:br>
-            <a:r>
-              <a:rPr lang="en-US" sz="2400" b="0" dirty="0"/>
-              <a:t>	</a:t>
-            </a:r>
-            <a:r>
-              <a:rPr lang="en-US" sz="2400" b="0" dirty="0" smtClean="0"/>
-              <a:t>	</a:t>
-            </a:r>
-            <a:br>
-              <a:rPr lang="en-US" sz="2400" b="0" dirty="0" smtClean="0"/>
-            </a:br>
-            <a:r>
-              <a:rPr lang="en-US" sz="2400" b="0" dirty="0" smtClean="0"/>
-              <a:t>Which are impacted by a player’s teammates?</a:t>
-            </a:r>
-            <a:br>
-              <a:rPr lang="en-US" sz="2400" b="0" dirty="0" smtClean="0"/>
-            </a:br>
-            <a:r>
-              <a:rPr lang="en-US" sz="2400" b="0" dirty="0"/>
-              <a:t/>
-            </a:r>
-            <a:br>
-              <a:rPr lang="en-US" sz="2400" b="0" dirty="0"/>
-            </a:br>
-            <a:r>
-              <a:rPr lang="en-US" sz="2400" b="0" dirty="0" smtClean="0"/>
-              <a:t>Which are impacted by a player’s ballpark?</a:t>
-            </a:r>
-            <a:br>
-              <a:rPr lang="en-US" sz="2400" b="0" dirty="0" smtClean="0"/>
-            </a:br>
-            <a:r>
-              <a:rPr lang="en-US" sz="2400" b="0" dirty="0"/>
-              <a:t/>
-            </a:r>
-            <a:br>
-              <a:rPr lang="en-US" sz="2400" b="0" dirty="0"/>
-            </a:br>
-            <a:r>
-              <a:rPr lang="en-US" sz="2400" b="0" dirty="0" smtClean="0"/>
-              <a:t>Which are impacted by a player’s coach?	</a:t>
-            </a:r>
-            <a:br>
-              <a:rPr lang="en-US" sz="2400" b="0" dirty="0" smtClean="0"/>
-            </a:br>
-            <a:r>
-              <a:rPr lang="en-US" sz="2400" b="0" dirty="0"/>
-              <a:t/>
-            </a:r>
-            <a:br>
-              <a:rPr lang="en-US" sz="2400" b="0" dirty="0"/>
-            </a:br>
-            <a:r>
-              <a:rPr lang="en-US" sz="2400" b="0" dirty="0" smtClean="0"/>
-              <a:t>Which are impacted by a player’s era?				</a:t>
-            </a:r>
-            <a:endParaRPr lang="en-US" sz="2400" b="0" dirty="0">
+              <a:t>Variable Types in baseball: </a:t>
+            </a:r>
+            <a:endParaRPr lang="en" dirty="0">
               <a:solidFill>
                 <a:schemeClr val="accent1"/>
               </a:solidFill>
@@ -12505,23 +11013,71 @@
           </a:p>
         </p:txBody>
       </p:sp>
+      <p:pic>
+        <p:nvPicPr>
+          <p:cNvPr id="2" name="Picture 1"/>
+          <p:cNvPicPr>
+            <a:picLocks noChangeAspect="1"/>
+          </p:cNvPicPr>
+          <p:nvPr/>
+        </p:nvPicPr>
+        <p:blipFill>
+          <a:blip r:embed="rId3"/>
+          <a:stretch>
+            <a:fillRect/>
+          </a:stretch>
+        </p:blipFill>
+        <p:spPr>
+          <a:xfrm>
+            <a:off x="292100" y="2106613"/>
+            <a:ext cx="8394700" cy="800100"/>
+          </a:xfrm>
+          <a:prstGeom prst="rect">
+            <a:avLst/>
+          </a:prstGeom>
+        </p:spPr>
+      </p:pic>
+      <p:pic>
+        <p:nvPicPr>
+          <p:cNvPr id="6" name="Picture 5"/>
+          <p:cNvPicPr>
+            <a:picLocks noChangeAspect="1"/>
+          </p:cNvPicPr>
+          <p:nvPr/>
+        </p:nvPicPr>
+        <p:blipFill>
+          <a:blip r:embed="rId4"/>
+          <a:stretch>
+            <a:fillRect/>
+          </a:stretch>
+        </p:blipFill>
+        <p:spPr>
+          <a:xfrm>
+            <a:off x="292100" y="3611611"/>
+            <a:ext cx="8128000" cy="2235200"/>
+          </a:xfrm>
+          <a:prstGeom prst="rect">
+            <a:avLst/>
+          </a:prstGeom>
+        </p:spPr>
+      </p:pic>
     </p:spTree>
     <p:extLst>
       <p:ext uri="{BB962C8B-B14F-4D97-AF65-F5344CB8AC3E}">
-        <p14:creationId xmlns:p14="http://schemas.microsoft.com/office/powerpoint/2010/main" val="726541758"/>
+        <p14:creationId xmlns:p14="http://schemas.microsoft.com/office/powerpoint/2010/main" val="4007752"/>
       </p:ext>
     </p:extLst>
   </p:cSld>
   <p:clrMapOvr>
     <a:masterClrMapping/>
   </p:clrMapOvr>
-  <p:transition xmlns:p14="http://schemas.microsoft.com/office/powerpoint/2010/main" spd="slow">
+  <p:transition spd="slow">
     <p:cut/>
   </p:transition>
   <p:timing>
     <p:tnLst>
       <p:par>
-        <p:cTn xmlns:p14="http://schemas.microsoft.com/office/powerpoint/2010/main" id="1" dur="indefinite" restart="never" nodeType="tmRoot"/>
+        <p:cTn id="1" dur="indefinite" restart="never" nodeType="tmRoot"/>
       </p:par>
     </p:tnLst>
   </p:timing>
@@ -12557,8 +11113,8 @@
         </p:nvSpPr>
         <p:spPr>
           <a:xfrm>
-            <a:off x="457200" y="0"/>
-            <a:ext cx="8229600" cy="5334000"/>
+            <a:off x="457200" y="274637"/>
+            <a:ext cx="8229600" cy="1143000"/>
           </a:xfrm>
           <a:prstGeom prst="rect">
             <a:avLst/>
@@ -12566,141 +11122,25 @@
         </p:spPr>
         <p:txBody>
           <a:bodyPr lIns="91425" tIns="91425" rIns="91425" bIns="91425" anchor="b" anchorCtr="0">
-            <a:noAutofit/>
+            <a:normAutofit/>
           </a:bodyPr>
           <a:lstStyle/>
           <a:p>
+            <a:pPr>
+              <a:spcBef>
+                <a:spcPts val="0"/>
+              </a:spcBef>
+              <a:buNone/>
+            </a:pPr>
             <a:r>
               <a:rPr lang="en-US" dirty="0" smtClean="0">
                 <a:solidFill>
                   <a:schemeClr val="accent1"/>
                 </a:solidFill>
               </a:rPr>
-              <a:t>Is the metric repeatable?</a:t>
-            </a:r>
-            <a:r>
-              <a:rPr lang="en-US" dirty="0">
-                <a:solidFill>
-                  <a:schemeClr val="accent1"/>
-                </a:solidFill>
-              </a:rPr>
-              <a:t/>
-            </a:r>
-            <a:br>
-              <a:rPr lang="en-US" dirty="0">
-                <a:solidFill>
-                  <a:schemeClr val="accent1"/>
-                </a:solidFill>
-              </a:rPr>
-            </a:br>
-            <a:r>
-              <a:rPr lang="en-US" sz="2400" b="0" dirty="0" smtClean="0"/>
-              <a:t/>
-            </a:r>
-            <a:br>
-              <a:rPr lang="en-US" sz="2400" b="0" dirty="0" smtClean="0"/>
-            </a:br>
-            <a:r>
-              <a:rPr lang="en-US" sz="2400" b="0" dirty="0" smtClean="0"/>
-              <a:t>	Stolen bases	 		Batting average	Home runs</a:t>
-            </a:r>
-            <a:r>
-              <a:rPr lang="en-US" sz="2400" b="0" dirty="0"/>
-              <a:t>	</a:t>
-            </a:r>
-            <a:r>
-              <a:rPr lang="en-US" sz="2400" b="0" dirty="0" smtClean="0"/>
-              <a:t>		Walks</a:t>
-            </a:r>
-            <a:r>
-              <a:rPr lang="en-US" sz="2400" b="0" dirty="0"/>
-              <a:t/>
-            </a:r>
-            <a:br>
-              <a:rPr lang="en-US" sz="2400" b="0" dirty="0"/>
-            </a:br>
-            <a:r>
-              <a:rPr lang="en-US" sz="2400" b="0" dirty="0"/>
-              <a:t>	</a:t>
-            </a:r>
-            <a:r>
-              <a:rPr lang="en-US" sz="2400" b="0" dirty="0"/>
-              <a:t>RBIs</a:t>
-            </a:r>
-            <a:r>
-              <a:rPr lang="en-US" sz="2400" b="0" dirty="0" smtClean="0"/>
-              <a:t>			</a:t>
-            </a:r>
-            <a:r>
-              <a:rPr lang="en-US" sz="2400" b="0" dirty="0"/>
-              <a:t>	</a:t>
-            </a:r>
-            <a:r>
-              <a:rPr lang="en-US" sz="2400" b="0" dirty="0" smtClean="0"/>
-              <a:t>Slugging percentage</a:t>
-            </a:r>
-            <a:r>
-              <a:rPr lang="en-US" sz="2400" b="0" dirty="0"/>
-              <a:t/>
-            </a:r>
-            <a:br>
-              <a:rPr lang="en-US" sz="2400" b="0" dirty="0"/>
-            </a:br>
-            <a:r>
-              <a:rPr lang="en-US" sz="2400" b="0" dirty="0"/>
-              <a:t>	</a:t>
-            </a:r>
-            <a:r>
-              <a:rPr lang="en-US" sz="2400" b="0" dirty="0" smtClean="0"/>
-              <a:t>	</a:t>
-            </a:r>
-            <a:br>
-              <a:rPr lang="en-US" sz="2400" b="0" dirty="0" smtClean="0"/>
-            </a:br>
-            <a:r>
-              <a:rPr lang="en-US" sz="2400" b="0" dirty="0" smtClean="0"/>
-              <a:t>How to judge repeatable?</a:t>
-            </a:r>
-            <a:br>
-              <a:rPr lang="en-US" sz="2400" b="0" dirty="0" smtClean="0"/>
-            </a:br>
-            <a:r>
-              <a:rPr lang="en-US" sz="2400" b="0" dirty="0"/>
-              <a:t/>
-            </a:r>
-            <a:br>
-              <a:rPr lang="en-US" sz="2400" b="0" dirty="0"/>
-            </a:br>
-            <a:r>
-              <a:rPr lang="en-US" sz="2400" b="0" dirty="0" smtClean="0"/>
-              <a:t>Why is repeatability (?) important?</a:t>
-            </a:r>
-            <a:br>
-              <a:rPr lang="en-US" sz="2400" b="0" dirty="0" smtClean="0"/>
-            </a:br>
-            <a:r>
-              <a:rPr lang="en-US" sz="2400" b="0" dirty="0" smtClean="0"/>
-              <a:t/>
-            </a:r>
-            <a:br>
-              <a:rPr lang="en-US" sz="2400" b="0" dirty="0" smtClean="0"/>
-            </a:br>
-            <a:r>
-              <a:rPr lang="en-US" sz="2400" b="0" dirty="0" smtClean="0"/>
-              <a:t>How does sample size fit in?</a:t>
-            </a:r>
-            <a:r>
-              <a:rPr lang="en-US" sz="2400" b="0" dirty="0"/>
-              <a:t/>
-            </a:r>
-            <a:br>
-              <a:rPr lang="en-US" sz="2400" b="0" dirty="0"/>
-            </a:br>
-            <a:r>
-              <a:rPr lang="en-US" sz="2400" b="0" dirty="0" smtClean="0"/>
-              <a:t>					</a:t>
-            </a:r>
-            <a:endParaRPr lang="en-US" sz="2400" b="0" dirty="0">
+              <a:t>Plotting baseball metrics: </a:t>
+            </a:r>
+            <a:endParaRPr lang="en" dirty="0">
               <a:solidFill>
                 <a:schemeClr val="accent1"/>
               </a:solidFill>
@@ -12731,23 +11171,71 @@
           </a:p>
         </p:txBody>
       </p:sp>
+      <p:pic>
+        <p:nvPicPr>
+          <p:cNvPr id="4" name="Picture 3"/>
+          <p:cNvPicPr>
+            <a:picLocks noChangeAspect="1"/>
+          </p:cNvPicPr>
+          <p:nvPr/>
+        </p:nvPicPr>
+        <p:blipFill>
+          <a:blip r:embed="rId3"/>
+          <a:stretch>
+            <a:fillRect/>
+          </a:stretch>
+        </p:blipFill>
+        <p:spPr>
+          <a:xfrm>
+            <a:off x="1647825" y="2353996"/>
+            <a:ext cx="5848350" cy="4321441"/>
+          </a:xfrm>
+          <a:prstGeom prst="rect">
+            <a:avLst/>
+          </a:prstGeom>
+        </p:spPr>
+      </p:pic>
+      <p:pic>
+        <p:nvPicPr>
+          <p:cNvPr id="5" name="Picture 4"/>
+          <p:cNvPicPr>
+            <a:picLocks noChangeAspect="1"/>
+          </p:cNvPicPr>
+          <p:nvPr/>
+        </p:nvPicPr>
+        <p:blipFill>
+          <a:blip r:embed="rId4"/>
+          <a:stretch>
+            <a:fillRect/>
+          </a:stretch>
+        </p:blipFill>
+        <p:spPr>
+          <a:xfrm>
+            <a:off x="2971800" y="1584428"/>
+            <a:ext cx="3860800" cy="609600"/>
+          </a:xfrm>
+          <a:prstGeom prst="rect">
+            <a:avLst/>
+          </a:prstGeom>
+        </p:spPr>
+      </p:pic>
     </p:spTree>
     <p:extLst>
       <p:ext uri="{BB962C8B-B14F-4D97-AF65-F5344CB8AC3E}">
-        <p14:creationId xmlns:p14="http://schemas.microsoft.com/office/powerpoint/2010/main" val="1202125643"/>
+        <p14:creationId xmlns:p14="http://schemas.microsoft.com/office/powerpoint/2010/main" val="1043093882"/>
       </p:ext>
     </p:extLst>
   </p:cSld>
   <p:clrMapOvr>
     <a:masterClrMapping/>
   </p:clrMapOvr>
-  <p:transition xmlns:p14="http://schemas.microsoft.com/office/powerpoint/2010/main" spd="slow">
+  <p:transition spd="slow">
     <p:cut/>
   </p:transition>
   <p:timing>
     <p:tnLst>
       <p:par>
-        <p:cTn xmlns:p14="http://schemas.microsoft.com/office/powerpoint/2010/main" id="1" dur="indefinite" restart="never" nodeType="tmRoot"/>
+        <p:cTn id="1" dur="indefinite" restart="never" nodeType="tmRoot"/>
       </p:par>
     </p:tnLst>
   </p:timing>
@@ -12808,7 +11296,7 @@
                   <a:schemeClr val="accent1"/>
                 </a:solidFill>
               </a:rPr>
-              <a:t>Ex: Runs created</a:t>
+              <a:t>How to describe continuous data?</a:t>
             </a:r>
             <a:endParaRPr lang="en" dirty="0">
               <a:solidFill>
@@ -12841,77 +11329,9 @@
           </a:p>
         </p:txBody>
       </p:sp>
-      <p:sp>
-        <p:nvSpPr>
-          <p:cNvPr id="6" name="Shape 30"/>
-          <p:cNvSpPr txBox="1">
-            <a:spLocks noGrp="1"/>
-          </p:cNvSpPr>
-          <p:nvPr>
-            <p:ph type="body" idx="1"/>
-          </p:nvPr>
-        </p:nvSpPr>
-        <p:spPr>
-          <a:xfrm>
-            <a:off x="457200" y="1143000"/>
-            <a:ext cx="8229600" cy="2057400"/>
-          </a:xfrm>
-          <a:prstGeom prst="rect">
-            <a:avLst/>
-          </a:prstGeom>
-        </p:spPr>
-        <p:txBody>
-          <a:bodyPr lIns="91425" tIns="91425" rIns="91425" bIns="91425" anchor="t" anchorCtr="0">
-            <a:noAutofit/>
-          </a:bodyPr>
-          <a:lstStyle/>
-          <a:p>
-            <a:pPr marL="514350" lvl="0" indent="-514350">
-              <a:buAutoNum type="romanLcParenR"/>
-            </a:pPr>
-            <a:endParaRPr lang="en-US" sz="2800" dirty="0" smtClean="0"/>
-          </a:p>
-          <a:p>
-            <a:pPr>
-              <a:buNone/>
-            </a:pPr>
-            <a:endParaRPr lang="en-US" sz="2800" dirty="0">
-              <a:solidFill>
-                <a:schemeClr val="accent1"/>
-              </a:solidFill>
-            </a:endParaRPr>
-          </a:p>
-          <a:p>
-            <a:pPr>
-              <a:buNone/>
-            </a:pPr>
-            <a:endParaRPr lang="en-US" sz="2800" dirty="0" smtClean="0">
-              <a:solidFill>
-                <a:schemeClr val="accent1"/>
-              </a:solidFill>
-            </a:endParaRPr>
-          </a:p>
-          <a:p>
-            <a:pPr>
-              <a:buNone/>
-            </a:pPr>
-            <a:endParaRPr lang="en-US" sz="2800" dirty="0">
-              <a:solidFill>
-                <a:schemeClr val="accent1"/>
-              </a:solidFill>
-            </a:endParaRPr>
-          </a:p>
-          <a:p>
-            <a:pPr>
-              <a:buNone/>
-            </a:pPr>
-            <a:endParaRPr lang="en" sz="2800" dirty="0"/>
-          </a:p>
-        </p:txBody>
-      </p:sp>
       <p:pic>
         <p:nvPicPr>
-          <p:cNvPr id="2" name="Picture 1"/>
+          <p:cNvPr id="4" name="Picture 3"/>
           <p:cNvPicPr>
             <a:picLocks noChangeAspect="1"/>
           </p:cNvPicPr>
@@ -12925,75 +11345,31 @@
         </p:blipFill>
         <p:spPr>
           <a:xfrm>
-            <a:off x="609600" y="2590800"/>
-            <a:ext cx="7861300" cy="2578100"/>
+            <a:off x="609600" y="3505200"/>
+            <a:ext cx="3485403" cy="2575421"/>
           </a:xfrm>
           <a:prstGeom prst="rect">
             <a:avLst/>
           </a:prstGeom>
         </p:spPr>
       </p:pic>
-      <p:sp>
-        <p:nvSpPr>
-          <p:cNvPr id="5" name="Rectangle 4"/>
-          <p:cNvSpPr/>
-          <p:nvPr/>
-        </p:nvSpPr>
-        <p:spPr>
-          <a:xfrm>
-            <a:off x="457200" y="1676400"/>
-            <a:ext cx="4572000" cy="1938992"/>
-          </a:xfrm>
-          <a:prstGeom prst="rect">
-            <a:avLst/>
-          </a:prstGeom>
-        </p:spPr>
-        <p:txBody>
-          <a:bodyPr>
-            <a:spAutoFit/>
-          </a:bodyPr>
-          <a:lstStyle/>
-          <a:p>
-            <a:r>
-              <a:rPr lang="en-US" sz="2400" b="1" dirty="0" smtClean="0"/>
-              <a:t>Why runs created? </a:t>
-            </a:r>
-            <a:r>
-              <a:rPr lang="en-US" sz="2400" dirty="0"/>
-              <a:t>	</a:t>
-            </a:r>
-          </a:p>
-          <a:p>
-            <a:endParaRPr lang="en-US" sz="2400" dirty="0" smtClean="0"/>
-          </a:p>
-          <a:p>
-            <a:endParaRPr lang="en-US" sz="2400" dirty="0"/>
-          </a:p>
-          <a:p>
-            <a:endParaRPr lang="en-US" sz="2400" dirty="0" smtClean="0"/>
-          </a:p>
-          <a:p>
-            <a:endParaRPr lang="en-US" sz="2400" dirty="0"/>
-          </a:p>
-        </p:txBody>
-      </p:sp>
     </p:spTree>
     <p:extLst>
       <p:ext uri="{BB962C8B-B14F-4D97-AF65-F5344CB8AC3E}">
-        <p14:creationId xmlns:p14="http://schemas.microsoft.com/office/powerpoint/2010/main" val="1866563774"/>
+        <p14:creationId xmlns:p14="http://schemas.microsoft.com/office/powerpoint/2010/main" val="65937315"/>
       </p:ext>
     </p:extLst>
   </p:cSld>
   <p:clrMapOvr>
     <a:masterClrMapping/>
   </p:clrMapOvr>
-  <p:transition xmlns:p14="http://schemas.microsoft.com/office/powerpoint/2010/main" spd="slow">
+  <p:transition spd="slow">
     <p:cut/>
   </p:transition>
   <p:timing>
     <p:tnLst>
       <p:par>
-        <p:cTn xmlns:p14="http://schemas.microsoft.com/office/powerpoint/2010/main" id="1" dur="indefinite" restart="never" nodeType="tmRoot"/>
+        <p:cTn id="1" dur="indefinite" restart="never" nodeType="tmRoot"/>
       </p:par>
     </p:tnLst>
   </p:timing>
@@ -13054,7 +11430,7 @@
                   <a:schemeClr val="accent1"/>
                 </a:solidFill>
               </a:rPr>
-              <a:t>Ex: Runs created</a:t>
+              <a:t>How to describe continuous data?</a:t>
             </a:r>
             <a:endParaRPr lang="en" dirty="0">
               <a:solidFill>
@@ -13087,197 +11463,95 @@
           </a:p>
         </p:txBody>
       </p:sp>
-      <p:sp>
-        <p:nvSpPr>
-          <p:cNvPr id="6" name="Shape 30"/>
-          <p:cNvSpPr txBox="1">
-            <a:spLocks noGrp="1"/>
-          </p:cNvSpPr>
-          <p:nvPr>
-            <p:ph type="body" idx="1"/>
-          </p:nvPr>
-        </p:nvSpPr>
+      <p:pic>
+        <p:nvPicPr>
+          <p:cNvPr id="4" name="Picture 3"/>
+          <p:cNvPicPr>
+            <a:picLocks noChangeAspect="1"/>
+          </p:cNvPicPr>
+          <p:nvPr/>
+        </p:nvPicPr>
+        <p:blipFill>
+          <a:blip r:embed="rId3"/>
+          <a:stretch>
+            <a:fillRect/>
+          </a:stretch>
+        </p:blipFill>
         <p:spPr>
           <a:xfrm>
-            <a:off x="457200" y="1143000"/>
-            <a:ext cx="8229600" cy="2057400"/>
+            <a:off x="641445" y="3787011"/>
+            <a:ext cx="3701955" cy="2735434"/>
           </a:xfrm>
           <a:prstGeom prst="rect">
             <a:avLst/>
           </a:prstGeom>
         </p:spPr>
-        <p:txBody>
-          <a:bodyPr lIns="91425" tIns="91425" rIns="91425" bIns="91425" anchor="t" anchorCtr="0">
-            <a:noAutofit/>
-          </a:bodyPr>
-          <a:lstStyle/>
-          <a:p>
-            <a:pPr marL="514350" lvl="0" indent="-514350">
-              <a:buAutoNum type="romanLcParenR"/>
-            </a:pPr>
-            <a:endParaRPr lang="en-US" sz="2800" dirty="0" smtClean="0"/>
-          </a:p>
-          <a:p>
-            <a:pPr>
-              <a:buNone/>
-            </a:pPr>
-            <a:endParaRPr lang="en-US" sz="2800" dirty="0">
-              <a:solidFill>
-                <a:schemeClr val="accent1"/>
-              </a:solidFill>
-            </a:endParaRPr>
-          </a:p>
-          <a:p>
-            <a:pPr>
-              <a:buNone/>
-            </a:pPr>
-            <a:endParaRPr lang="en-US" sz="2800" dirty="0" smtClean="0">
-              <a:solidFill>
-                <a:schemeClr val="accent1"/>
-              </a:solidFill>
-            </a:endParaRPr>
-          </a:p>
-          <a:p>
-            <a:pPr>
-              <a:buNone/>
-            </a:pPr>
-            <a:endParaRPr lang="en-US" sz="2800" dirty="0">
-              <a:solidFill>
-                <a:schemeClr val="accent1"/>
-              </a:solidFill>
-            </a:endParaRPr>
-          </a:p>
-          <a:p>
-            <a:pPr>
-              <a:buNone/>
-            </a:pPr>
-            <a:endParaRPr lang="en" sz="2800" dirty="0"/>
-          </a:p>
-        </p:txBody>
-      </p:sp>
-      <p:sp>
-        <p:nvSpPr>
-          <p:cNvPr id="5" name="Rectangle 4"/>
-          <p:cNvSpPr/>
+      </p:pic>
+      <p:pic>
+        <p:nvPicPr>
+          <p:cNvPr id="2" name="Picture 1"/>
+          <p:cNvPicPr>
+            <a:picLocks noChangeAspect="1"/>
+          </p:cNvPicPr>
           <p:nvPr/>
-        </p:nvSpPr>
+        </p:nvPicPr>
+        <p:blipFill>
+          <a:blip r:embed="rId4"/>
+          <a:stretch>
+            <a:fillRect/>
+          </a:stretch>
+        </p:blipFill>
         <p:spPr>
           <a:xfrm>
-            <a:off x="457200" y="1676400"/>
-            <a:ext cx="7772400" cy="5262979"/>
+            <a:off x="609600" y="1524000"/>
+            <a:ext cx="6019800" cy="825500"/>
           </a:xfrm>
           <a:prstGeom prst="rect">
             <a:avLst/>
           </a:prstGeom>
         </p:spPr>
-        <p:txBody>
-          <a:bodyPr wrap="square">
-            <a:spAutoFit/>
-          </a:bodyPr>
-          <a:lstStyle/>
-          <a:p>
-            <a:r>
-              <a:rPr lang="en-US" sz="2400" dirty="0" smtClean="0"/>
-              <a:t>General assumptions &amp; expectations</a:t>
-            </a:r>
-          </a:p>
-          <a:p>
-            <a:endParaRPr lang="en-US" sz="2400" dirty="0"/>
-          </a:p>
-          <a:p>
-            <a:pPr marL="342900" indent="-342900">
-              <a:buFont typeface="Arial"/>
-              <a:buChar char="•"/>
-            </a:pPr>
-            <a:r>
-              <a:rPr lang="en-US" sz="2400" dirty="0" smtClean="0"/>
-              <a:t>Different valuations to different types of hits</a:t>
-            </a:r>
-          </a:p>
-          <a:p>
-            <a:pPr marL="342900" indent="-342900">
-              <a:buFont typeface="Arial"/>
-              <a:buChar char="•"/>
-            </a:pPr>
-            <a:r>
-              <a:rPr lang="en-US" sz="2400" dirty="0" smtClean="0"/>
-              <a:t>Hitters only control their performance</a:t>
-            </a:r>
-          </a:p>
-          <a:p>
-            <a:pPr lvl="3"/>
-            <a:r>
-              <a:rPr lang="en-US" sz="2400" dirty="0"/>
-              <a:t>	</a:t>
-            </a:r>
-            <a:r>
-              <a:rPr lang="en-US" sz="2400" dirty="0" smtClean="0"/>
-              <a:t>-What is assumed here?</a:t>
-            </a:r>
-          </a:p>
-          <a:p>
-            <a:pPr lvl="3"/>
-            <a:endParaRPr lang="en-US" sz="2400" dirty="0" smtClean="0"/>
-          </a:p>
-          <a:p>
-            <a:pPr marL="342900" lvl="3" indent="-342900">
-              <a:buFont typeface="Arial"/>
-              <a:buChar char="•"/>
-            </a:pPr>
-            <a:endParaRPr lang="en-US" sz="2400" dirty="0" smtClean="0"/>
-          </a:p>
-          <a:p>
-            <a:pPr marL="342900" lvl="2" indent="-342900">
-              <a:buFont typeface="Arial"/>
-              <a:buChar char="•"/>
-            </a:pPr>
-            <a:r>
-              <a:rPr lang="en-US" sz="2400" dirty="0" smtClean="0"/>
-              <a:t>Hitters do not control when they hit</a:t>
-            </a:r>
-          </a:p>
-          <a:p>
-            <a:pPr marL="342900" lvl="2" indent="-342900">
-              <a:buFont typeface="Arial"/>
-              <a:buChar char="•"/>
-            </a:pPr>
-            <a:r>
-              <a:rPr lang="en-US" sz="2400" dirty="0" smtClean="0"/>
-              <a:t>Hitters do not control importance of at-bat relative to game’s outcome</a:t>
-            </a:r>
-            <a:endParaRPr lang="en-US" sz="2400" dirty="0"/>
-          </a:p>
-          <a:p>
-            <a:endParaRPr lang="en-US" sz="2400" dirty="0" smtClean="0"/>
-          </a:p>
-          <a:p>
-            <a:endParaRPr lang="en-US" sz="2400" dirty="0"/>
-          </a:p>
-          <a:p>
-            <a:endParaRPr lang="en-US" sz="2400" dirty="0" smtClean="0"/>
-          </a:p>
-          <a:p>
-            <a:endParaRPr lang="en-US" sz="2400" dirty="0"/>
-          </a:p>
-        </p:txBody>
-      </p:sp>
+      </p:pic>
+      <p:pic>
+        <p:nvPicPr>
+          <p:cNvPr id="5" name="Picture 4"/>
+          <p:cNvPicPr>
+            <a:picLocks noChangeAspect="1"/>
+          </p:cNvPicPr>
+          <p:nvPr/>
+        </p:nvPicPr>
+        <p:blipFill>
+          <a:blip r:embed="rId5"/>
+          <a:stretch>
+            <a:fillRect/>
+          </a:stretch>
+        </p:blipFill>
+        <p:spPr>
+          <a:xfrm>
+            <a:off x="457200" y="2387600"/>
+            <a:ext cx="5988878" cy="1117600"/>
+          </a:xfrm>
+          <a:prstGeom prst="rect">
+            <a:avLst/>
+          </a:prstGeom>
+        </p:spPr>
+      </p:pic>
     </p:spTree>
     <p:extLst>
       <p:ext uri="{BB962C8B-B14F-4D97-AF65-F5344CB8AC3E}">
-        <p14:creationId xmlns:p14="http://schemas.microsoft.com/office/powerpoint/2010/main" val="3027046723"/>
+        <p14:creationId xmlns:p14="http://schemas.microsoft.com/office/powerpoint/2010/main" val="2042567564"/>
       </p:ext>
     </p:extLst>
   </p:cSld>
   <p:clrMapOvr>
     <a:masterClrMapping/>
   </p:clrMapOvr>
-  <p:transition xmlns:p14="http://schemas.microsoft.com/office/powerpoint/2010/main" spd="slow">
+  <p:transition spd="slow">
     <p:cut/>
   </p:transition>
   <p:timing>
     <p:tnLst>
       <p:par>
-        <p:cTn xmlns:p14="http://schemas.microsoft.com/office/powerpoint/2010/main" id="1" dur="indefinite" restart="never" nodeType="tmRoot"/>
+        <p:cTn id="1" dur="indefinite" restart="never" nodeType="tmRoot"/>
       </p:par>
     </p:tnLst>
   </p:timing>
